--- a/images/cloudmesh-cc-arch.pptx
+++ b/images/cloudmesh-cc-arch.pptx
@@ -108,6 +108,11 @@
       </a:defRPr>
     </a:lvl9pPr>
   </p:defaultTextStyle>
+  <p:extLst>
+    <p:ext uri="{EFAFB233-063F-42B5-8137-9DF3F51BA10A}">
+      <p15:sldGuideLst xmlns:p15="http://schemas.microsoft.com/office/powerpoint/2012/main"/>
+    </p:ext>
+  </p:extLst>
 </p:presentation>
 </file>
 
@@ -193,7 +198,7 @@
           <a:p>
             <a:fld id="{7B8C5C2F-9C70-1146-AC1C-839850BBCAD5}" type="datetimeFigureOut">
               <a:rPr lang="en-US" smtClean="0"/>
-              <a:t>8/25/22</a:t>
+              <a:t>2/13/23</a:t>
             </a:fld>
             <a:endParaRPr lang="en-US"/>
           </a:p>
@@ -691,7 +696,7 @@
           <a:p>
             <a:fld id="{1E221C03-E016-DD41-A5A4-762F0E9F850B}" type="datetimeFigureOut">
               <a:rPr lang="en-US" smtClean="0"/>
-              <a:t>8/25/22</a:t>
+              <a:t>2/13/23</a:t>
             </a:fld>
             <a:endParaRPr lang="en-US"/>
           </a:p>
@@ -889,7 +894,7 @@
           <a:p>
             <a:fld id="{1E221C03-E016-DD41-A5A4-762F0E9F850B}" type="datetimeFigureOut">
               <a:rPr lang="en-US" smtClean="0"/>
-              <a:t>8/25/22</a:t>
+              <a:t>2/13/23</a:t>
             </a:fld>
             <a:endParaRPr lang="en-US"/>
           </a:p>
@@ -1097,7 +1102,7 @@
           <a:p>
             <a:fld id="{1E221C03-E016-DD41-A5A4-762F0E9F850B}" type="datetimeFigureOut">
               <a:rPr lang="en-US" smtClean="0"/>
-              <a:t>8/25/22</a:t>
+              <a:t>2/13/23</a:t>
             </a:fld>
             <a:endParaRPr lang="en-US"/>
           </a:p>
@@ -1295,7 +1300,7 @@
           <a:p>
             <a:fld id="{1E221C03-E016-DD41-A5A4-762F0E9F850B}" type="datetimeFigureOut">
               <a:rPr lang="en-US" smtClean="0"/>
-              <a:t>8/25/22</a:t>
+              <a:t>2/13/23</a:t>
             </a:fld>
             <a:endParaRPr lang="en-US"/>
           </a:p>
@@ -1570,7 +1575,7 @@
           <a:p>
             <a:fld id="{1E221C03-E016-DD41-A5A4-762F0E9F850B}" type="datetimeFigureOut">
               <a:rPr lang="en-US" smtClean="0"/>
-              <a:t>8/25/22</a:t>
+              <a:t>2/13/23</a:t>
             </a:fld>
             <a:endParaRPr lang="en-US"/>
           </a:p>
@@ -1835,7 +1840,7 @@
           <a:p>
             <a:fld id="{1E221C03-E016-DD41-A5A4-762F0E9F850B}" type="datetimeFigureOut">
               <a:rPr lang="en-US" smtClean="0"/>
-              <a:t>8/25/22</a:t>
+              <a:t>2/13/23</a:t>
             </a:fld>
             <a:endParaRPr lang="en-US"/>
           </a:p>
@@ -2247,7 +2252,7 @@
           <a:p>
             <a:fld id="{1E221C03-E016-DD41-A5A4-762F0E9F850B}" type="datetimeFigureOut">
               <a:rPr lang="en-US" smtClean="0"/>
-              <a:t>8/25/22</a:t>
+              <a:t>2/13/23</a:t>
             </a:fld>
             <a:endParaRPr lang="en-US"/>
           </a:p>
@@ -2388,7 +2393,7 @@
           <a:p>
             <a:fld id="{1E221C03-E016-DD41-A5A4-762F0E9F850B}" type="datetimeFigureOut">
               <a:rPr lang="en-US" smtClean="0"/>
-              <a:t>8/25/22</a:t>
+              <a:t>2/13/23</a:t>
             </a:fld>
             <a:endParaRPr lang="en-US"/>
           </a:p>
@@ -2501,7 +2506,7 @@
           <a:p>
             <a:fld id="{1E221C03-E016-DD41-A5A4-762F0E9F850B}" type="datetimeFigureOut">
               <a:rPr lang="en-US" smtClean="0"/>
-              <a:t>8/25/22</a:t>
+              <a:t>2/13/23</a:t>
             </a:fld>
             <a:endParaRPr lang="en-US"/>
           </a:p>
@@ -2812,7 +2817,7 @@
           <a:p>
             <a:fld id="{1E221C03-E016-DD41-A5A4-762F0E9F850B}" type="datetimeFigureOut">
               <a:rPr lang="en-US" smtClean="0"/>
-              <a:t>8/25/22</a:t>
+              <a:t>2/13/23</a:t>
             </a:fld>
             <a:endParaRPr lang="en-US"/>
           </a:p>
@@ -3100,7 +3105,7 @@
           <a:p>
             <a:fld id="{1E221C03-E016-DD41-A5A4-762F0E9F850B}" type="datetimeFigureOut">
               <a:rPr lang="en-US" smtClean="0"/>
-              <a:t>8/25/22</a:t>
+              <a:t>2/13/23</a:t>
             </a:fld>
             <a:endParaRPr lang="en-US"/>
           </a:p>
@@ -3341,7 +3346,7 @@
           <a:p>
             <a:fld id="{1E221C03-E016-DD41-A5A4-762F0E9F850B}" type="datetimeFigureOut">
               <a:rPr lang="en-US" smtClean="0"/>
-              <a:t>8/25/22</a:t>
+              <a:t>2/13/23</a:t>
             </a:fld>
             <a:endParaRPr lang="en-US"/>
           </a:p>
@@ -3837,7 +3842,7 @@
         </p:nvSpPr>
         <p:spPr>
           <a:xfrm>
-            <a:off x="3491513" y="3832789"/>
+            <a:off x="3491513" y="4164267"/>
             <a:ext cx="750638" cy="801607"/>
           </a:xfrm>
           <a:prstGeom prst="can">
@@ -3918,7 +3923,7 @@
         </p:blipFill>
         <p:spPr>
           <a:xfrm>
-            <a:off x="5694272" y="305971"/>
+            <a:off x="5694272" y="242859"/>
             <a:ext cx="605300" cy="602712"/>
           </a:xfrm>
           <a:prstGeom prst="rect">
@@ -3948,7 +3953,7 @@
         <p:spPr>
           <a:xfrm>
             <a:off x="3502702" y="2411599"/>
-            <a:ext cx="1461245" cy="619001"/>
+            <a:ext cx="1461245" cy="868658"/>
           </a:xfrm>
           <a:prstGeom prst="roundRect">
             <a:avLst/>
@@ -4020,7 +4025,7 @@
         <p:spPr>
           <a:xfrm>
             <a:off x="5154818" y="2408109"/>
-            <a:ext cx="1461245" cy="619001"/>
+            <a:ext cx="1461245" cy="868658"/>
           </a:xfrm>
           <a:prstGeom prst="roundRect">
             <a:avLst/>
@@ -4072,7 +4077,7 @@
             <a:pPr algn="ctr"/>
             <a:r>
               <a:rPr lang="en-US" sz="1600" dirty="0"/>
-              <a:t>Executor</a:t>
+              <a:t>Compute Coordinator</a:t>
             </a:r>
           </a:p>
         </p:txBody>
@@ -4092,7 +4097,7 @@
         <p:spPr>
           <a:xfrm>
             <a:off x="6771773" y="2411599"/>
-            <a:ext cx="1461245" cy="619001"/>
+            <a:ext cx="1461245" cy="868658"/>
           </a:xfrm>
           <a:prstGeom prst="roundRect">
             <a:avLst/>
@@ -4163,7 +4168,7 @@
         </p:nvSpPr>
         <p:spPr>
           <a:xfrm rot="16200000">
-            <a:off x="3738022" y="4883879"/>
+            <a:off x="3738022" y="5215357"/>
             <a:ext cx="1920805" cy="387435"/>
           </a:xfrm>
           <a:prstGeom prst="roundRect">
@@ -4228,7 +4233,7 @@
         </p:nvSpPr>
         <p:spPr>
           <a:xfrm rot="16200000">
-            <a:off x="5798797" y="2241389"/>
+            <a:off x="5798797" y="2572867"/>
             <a:ext cx="276146" cy="2021755"/>
           </a:xfrm>
           <a:prstGeom prst="rightBrace">
@@ -4277,7 +4282,7 @@
         </p:nvSpPr>
         <p:spPr>
           <a:xfrm rot="16200000">
-            <a:off x="4133558" y="4880941"/>
+            <a:off x="4133558" y="5212419"/>
             <a:ext cx="1920805" cy="387435"/>
           </a:xfrm>
           <a:prstGeom prst="roundRect">
@@ -4350,7 +4355,7 @@
         </p:nvSpPr>
         <p:spPr>
           <a:xfrm rot="16200000">
-            <a:off x="4540152" y="4880940"/>
+            <a:off x="4540152" y="5212418"/>
             <a:ext cx="1920805" cy="387435"/>
           </a:xfrm>
           <a:prstGeom prst="roundRect">
@@ -4415,7 +4420,7 @@
         </p:nvSpPr>
         <p:spPr>
           <a:xfrm rot="16200000">
-            <a:off x="5132122" y="3044658"/>
+            <a:off x="5132122" y="3376136"/>
             <a:ext cx="276146" cy="1638480"/>
           </a:xfrm>
           <a:prstGeom prst="rightBrace">
@@ -4467,7 +4472,7 @@
         </p:nvSpPr>
         <p:spPr>
           <a:xfrm>
-            <a:off x="4655654" y="3436362"/>
+            <a:off x="4655654" y="3767840"/>
             <a:ext cx="776366" cy="276999"/>
           </a:xfrm>
           <a:prstGeom prst="rect">
@@ -4502,7 +4507,7 @@
         </p:nvSpPr>
         <p:spPr>
           <a:xfrm rot="16200000">
-            <a:off x="5645405" y="4883879"/>
+            <a:off x="5645405" y="5215357"/>
             <a:ext cx="1920805" cy="387435"/>
           </a:xfrm>
           <a:prstGeom prst="roundRect">
@@ -4567,7 +4572,7 @@
         </p:nvSpPr>
         <p:spPr>
           <a:xfrm rot="16200000">
-            <a:off x="6040942" y="4880941"/>
+            <a:off x="6040942" y="5212419"/>
             <a:ext cx="1920805" cy="387435"/>
           </a:xfrm>
           <a:prstGeom prst="roundRect">
@@ -4632,7 +4637,7 @@
         </p:nvSpPr>
         <p:spPr>
           <a:xfrm rot="16200000">
-            <a:off x="6447535" y="4880940"/>
+            <a:off x="6447535" y="5212418"/>
             <a:ext cx="1920805" cy="387435"/>
           </a:xfrm>
           <a:prstGeom prst="roundRect">
@@ -4697,7 +4702,7 @@
         </p:nvSpPr>
         <p:spPr>
           <a:xfrm rot="16200000">
-            <a:off x="6841924" y="3242239"/>
+            <a:off x="6841924" y="3573717"/>
             <a:ext cx="276146" cy="1243318"/>
           </a:xfrm>
           <a:prstGeom prst="rightBrace">
@@ -4746,7 +4751,7 @@
         </p:nvSpPr>
         <p:spPr>
           <a:xfrm>
-            <a:off x="6600049" y="3390341"/>
+            <a:off x="6600049" y="3721819"/>
             <a:ext cx="997709" cy="276999"/>
           </a:xfrm>
           <a:prstGeom prst="rect">
@@ -4781,7 +4786,7 @@
         </p:nvSpPr>
         <p:spPr>
           <a:xfrm rot="16200000">
-            <a:off x="4955765" y="4880940"/>
+            <a:off x="4955765" y="5212418"/>
             <a:ext cx="1920805" cy="387435"/>
           </a:xfrm>
           <a:prstGeom prst="roundRect">
@@ -4846,7 +4851,7 @@
         </p:nvSpPr>
         <p:spPr>
           <a:xfrm rot="16200000">
-            <a:off x="7516878" y="4291615"/>
+            <a:off x="7516878" y="4623093"/>
             <a:ext cx="1423007" cy="387437"/>
           </a:xfrm>
           <a:prstGeom prst="roundRect">
@@ -4916,7 +4921,7 @@
         </p:nvSpPr>
         <p:spPr>
           <a:xfrm rot="16200000">
-            <a:off x="7963940" y="4298986"/>
+            <a:off x="7963940" y="4630464"/>
             <a:ext cx="1423007" cy="387437"/>
           </a:xfrm>
           <a:prstGeom prst="roundRect">
@@ -4981,13 +4986,13 @@
         </p:nvSpPr>
         <p:spPr>
           <a:xfrm rot="16200000">
-            <a:off x="8488543" y="2643642"/>
+            <a:off x="8480825" y="2938379"/>
             <a:ext cx="329393" cy="1237153"/>
           </a:xfrm>
           <a:prstGeom prst="rightBrace">
             <a:avLst>
               <a:gd name="adj1" fmla="val 8333"/>
-              <a:gd name="adj2" fmla="val 8312"/>
+              <a:gd name="adj2" fmla="val 7225"/>
             </a:avLst>
           </a:prstGeom>
           <a:ln w="25400">
@@ -5033,7 +5038,7 @@
         </p:nvSpPr>
         <p:spPr>
           <a:xfrm rot="16200000">
-            <a:off x="3320158" y="2648412"/>
+            <a:off x="3288643" y="2863074"/>
             <a:ext cx="276147" cy="1461243"/>
           </a:xfrm>
           <a:prstGeom prst="rightBrace">
@@ -5085,7 +5090,7 @@
         </p:nvSpPr>
         <p:spPr>
           <a:xfrm>
-            <a:off x="2458103" y="3832789"/>
+            <a:off x="2458103" y="4164267"/>
             <a:ext cx="750638" cy="801607"/>
           </a:xfrm>
           <a:prstGeom prst="can">
@@ -5151,7 +5156,7 @@
         </p:nvSpPr>
         <p:spPr>
           <a:xfrm>
-            <a:off x="2428407" y="3539366"/>
+            <a:off x="2417370" y="3779023"/>
             <a:ext cx="2094163" cy="276999"/>
           </a:xfrm>
           <a:prstGeom prst="rect">
@@ -5186,7 +5191,7 @@
         </p:nvSpPr>
         <p:spPr>
           <a:xfrm>
-            <a:off x="8157897" y="3414091"/>
+            <a:off x="8157897" y="3745569"/>
             <a:ext cx="1422529" cy="276999"/>
           </a:xfrm>
           <a:prstGeom prst="rect">
@@ -5222,7 +5227,7 @@
         </p:nvSpPr>
         <p:spPr>
           <a:xfrm rot="16200000">
-            <a:off x="8451673" y="4301856"/>
+            <a:off x="8451673" y="4633334"/>
             <a:ext cx="1423007" cy="387437"/>
           </a:xfrm>
           <a:prstGeom prst="roundRect">
@@ -5288,7 +5293,7 @@
         <p:spPr>
           <a:xfrm>
             <a:off x="3502702" y="1632597"/>
-            <a:ext cx="4733025" cy="619001"/>
+            <a:ext cx="4759820" cy="619001"/>
           </a:xfrm>
           <a:prstGeom prst="roundRect">
             <a:avLst/>
@@ -5333,7 +5338,14 @@
             <a:pPr algn="ctr"/>
             <a:r>
               <a:rPr lang="en-US" sz="1600" dirty="0"/>
-              <a:t>REST Service</a:t>
+              <a:t>REST Service </a:t>
+            </a:r>
+          </a:p>
+          <a:p>
+            <a:pPr algn="ctr"/>
+            <a:r>
+              <a:rPr lang="en-US" sz="1600" dirty="0"/>
+              <a:t>&amp; Python API</a:t>
             </a:r>
           </a:p>
         </p:txBody>
@@ -5398,7 +5410,14 @@
             <a:pPr algn="ctr"/>
             <a:r>
               <a:rPr lang="en-US" sz="1600" dirty="0"/>
-              <a:t>Workflow</a:t>
+              <a:t>Workflow Script </a:t>
+            </a:r>
+          </a:p>
+          <a:p>
+            <a:pPr algn="ctr"/>
+            <a:r>
+              <a:rPr lang="en-US" sz="1600" dirty="0"/>
+              <a:t>Batch Generator</a:t>
             </a:r>
           </a:p>
         </p:txBody>
@@ -5435,10 +5454,10 @@
       </p:grpSpPr>
       <p:sp>
         <p:nvSpPr>
-          <p:cNvPr id="4" name="Rounded Rectangle 3">
-            <a:extLst>
-              <a:ext uri="{FF2B5EF4-FFF2-40B4-BE49-F238E27FC236}">
-                <a16:creationId xmlns:a16="http://schemas.microsoft.com/office/drawing/2014/main" id="{8331628A-C8D6-2AF5-C3BC-8DC341057813}"/>
+          <p:cNvPr id="19" name="Rounded Rectangle 18">
+            <a:extLst>
+              <a:ext uri="{FF2B5EF4-FFF2-40B4-BE49-F238E27FC236}">
+                <a16:creationId xmlns:a16="http://schemas.microsoft.com/office/drawing/2014/main" id="{A9084FDA-990F-9B66-15ED-B5C353840F30}"/>
               </a:ext>
             </a:extLst>
           </p:cNvPr>
@@ -5447,8 +5466,118 @@
         </p:nvSpPr>
         <p:spPr>
           <a:xfrm>
-            <a:off x="210764" y="1053912"/>
-            <a:ext cx="2344846" cy="619001"/>
+            <a:off x="10438358" y="559156"/>
+            <a:ext cx="1743018" cy="2407231"/>
+          </a:xfrm>
+          <a:prstGeom prst="roundRect">
+            <a:avLst/>
+          </a:prstGeom>
+          <a:solidFill>
+            <a:schemeClr val="bg2">
+              <a:lumMod val="90000"/>
+            </a:schemeClr>
+          </a:solidFill>
+          <a:ln w="12700">
+            <a:solidFill>
+              <a:schemeClr val="tx1"/>
+            </a:solidFill>
+          </a:ln>
+          <a:effectLst>
+            <a:outerShdw blurRad="50800" dist="38100" dir="2700000" algn="tl" rotWithShape="0">
+              <a:prstClr val="black">
+                <a:alpha val="40000"/>
+              </a:prstClr>
+            </a:outerShdw>
+          </a:effectLst>
+        </p:spPr>
+        <p:style>
+          <a:lnRef idx="1">
+            <a:schemeClr val="accent4"/>
+          </a:lnRef>
+          <a:fillRef idx="2">
+            <a:schemeClr val="accent4"/>
+          </a:fillRef>
+          <a:effectRef idx="1">
+            <a:schemeClr val="accent4"/>
+          </a:effectRef>
+          <a:fontRef idx="minor">
+            <a:schemeClr val="dk1"/>
+          </a:fontRef>
+        </p:style>
+        <p:txBody>
+          <a:bodyPr rtlCol="0" anchor="b"/>
+          <a:lstStyle/>
+          <a:p>
+            <a:pPr algn="ctr"/>
+            <a:r>
+              <a:rPr lang="en-US" sz="1600" b="1" dirty="0"/>
+              <a:t>Workflow </a:t>
+            </a:r>
+          </a:p>
+          <a:p>
+            <a:pPr algn="ctr"/>
+            <a:r>
+              <a:rPr lang="en-US" sz="1600" b="1" dirty="0"/>
+              <a:t>Monitor</a:t>
+            </a:r>
+          </a:p>
+          <a:p>
+            <a:pPr algn="ctr"/>
+            <a:endParaRPr lang="en-US" sz="1600" dirty="0"/>
+          </a:p>
+          <a:p>
+            <a:pPr algn="ctr"/>
+            <a:endParaRPr lang="en-US" sz="1600" dirty="0"/>
+          </a:p>
+          <a:p>
+            <a:pPr algn="ctr"/>
+            <a:endParaRPr lang="en-US" sz="1600" dirty="0"/>
+          </a:p>
+          <a:p>
+            <a:pPr algn="ctr"/>
+            <a:endParaRPr lang="en-US" sz="1600" dirty="0"/>
+          </a:p>
+          <a:p>
+            <a:pPr algn="ctr"/>
+            <a:endParaRPr lang="en-US" sz="1600" dirty="0"/>
+          </a:p>
+          <a:p>
+            <a:pPr algn="ctr"/>
+            <a:endParaRPr lang="en-US" sz="1600" dirty="0"/>
+          </a:p>
+          <a:p>
+            <a:pPr algn="ctr"/>
+            <a:r>
+              <a:rPr lang="en-US" sz="1600" dirty="0"/>
+              <a:t>(</a:t>
+            </a:r>
+            <a:r>
+              <a:rPr lang="en-US" sz="1600" dirty="0" err="1"/>
+              <a:t>coudmesh</a:t>
+            </a:r>
+            <a:r>
+              <a:rPr lang="en-US" sz="1600" dirty="0"/>
+              <a:t>-cc)</a:t>
+            </a:r>
+          </a:p>
+        </p:txBody>
+      </p:sp>
+      <p:sp>
+        <p:nvSpPr>
+          <p:cNvPr id="2" name="Rounded Rectangle 1">
+            <a:extLst>
+              <a:ext uri="{FF2B5EF4-FFF2-40B4-BE49-F238E27FC236}">
+                <a16:creationId xmlns:a16="http://schemas.microsoft.com/office/drawing/2014/main" id="{9C994B88-FBC8-EE94-F34C-A9D5DE15BE2A}"/>
+              </a:ext>
+            </a:extLst>
+          </p:cNvPr>
+          <p:cNvSpPr/>
+          <p:nvPr/>
+        </p:nvSpPr>
+        <p:spPr>
+          <a:xfrm>
+            <a:off x="367982" y="624794"/>
+            <a:ext cx="2523521" cy="3962573"/>
           </a:xfrm>
           <a:prstGeom prst="roundRect">
             <a:avLst/>
@@ -5487,6 +5616,288 @@
           </a:fontRef>
         </p:style>
         <p:txBody>
+          <a:bodyPr rtlCol="0" anchor="b"/>
+          <a:lstStyle/>
+          <a:p>
+            <a:pPr algn="ctr"/>
+            <a:r>
+              <a:rPr lang="en-US" sz="1600" b="1" dirty="0"/>
+              <a:t>Workflow </a:t>
+            </a:r>
+          </a:p>
+          <a:p>
+            <a:pPr algn="ctr"/>
+            <a:r>
+              <a:rPr lang="en-US" sz="1600" b="1" dirty="0"/>
+              <a:t>Script Batch </a:t>
+            </a:r>
+          </a:p>
+          <a:p>
+            <a:pPr algn="ctr"/>
+            <a:r>
+              <a:rPr lang="en-US" sz="1600" b="1" dirty="0"/>
+              <a:t>Job Generator</a:t>
+            </a:r>
+          </a:p>
+          <a:p>
+            <a:pPr algn="ctr"/>
+            <a:endParaRPr lang="en-US" sz="1600" b="1" dirty="0"/>
+          </a:p>
+          <a:p>
+            <a:pPr algn="ctr"/>
+            <a:endParaRPr lang="en-US" sz="1600" b="1" dirty="0"/>
+          </a:p>
+          <a:p>
+            <a:pPr algn="ctr"/>
+            <a:endParaRPr lang="en-US" sz="1600" b="1" dirty="0"/>
+          </a:p>
+          <a:p>
+            <a:pPr algn="ctr"/>
+            <a:endParaRPr lang="en-US" sz="1600" b="1" dirty="0"/>
+          </a:p>
+          <a:p>
+            <a:pPr algn="ctr"/>
+            <a:endParaRPr lang="en-US" sz="1600" b="1" dirty="0"/>
+          </a:p>
+          <a:p>
+            <a:pPr algn="ctr"/>
+            <a:endParaRPr lang="en-US" sz="1600" b="1" dirty="0"/>
+          </a:p>
+          <a:p>
+            <a:pPr algn="ctr"/>
+            <a:endParaRPr lang="en-US" sz="1600" b="1" dirty="0"/>
+          </a:p>
+          <a:p>
+            <a:pPr algn="ctr"/>
+            <a:endParaRPr lang="en-US" sz="1600" b="1" dirty="0"/>
+          </a:p>
+          <a:p>
+            <a:pPr algn="ctr"/>
+            <a:endParaRPr lang="en-US" sz="1600" b="1" dirty="0"/>
+          </a:p>
+          <a:p>
+            <a:pPr algn="ctr"/>
+            <a:r>
+              <a:rPr lang="en-US" sz="1600" b="1" dirty="0"/>
+              <a:t> </a:t>
+            </a:r>
+          </a:p>
+          <a:p>
+            <a:pPr algn="ctr"/>
+            <a:endParaRPr lang="en-US" sz="1600" dirty="0"/>
+          </a:p>
+          <a:p>
+            <a:pPr algn="ctr"/>
+            <a:r>
+              <a:rPr lang="en-US" sz="1600" dirty="0"/>
+              <a:t>(</a:t>
+            </a:r>
+            <a:r>
+              <a:rPr lang="en-US" sz="1600" dirty="0" err="1"/>
+              <a:t>cloudmesh-sbatch</a:t>
+            </a:r>
+            <a:r>
+              <a:rPr lang="en-US" sz="1600" dirty="0"/>
+              <a:t>)</a:t>
+            </a:r>
+          </a:p>
+        </p:txBody>
+      </p:sp>
+      <p:sp>
+        <p:nvSpPr>
+          <p:cNvPr id="3" name="Rounded Rectangle 2">
+            <a:extLst>
+              <a:ext uri="{FF2B5EF4-FFF2-40B4-BE49-F238E27FC236}">
+                <a16:creationId xmlns:a16="http://schemas.microsoft.com/office/drawing/2014/main" id="{833601EE-297A-A2CE-00EE-1745E5EAB9B7}"/>
+              </a:ext>
+            </a:extLst>
+          </p:cNvPr>
+          <p:cNvSpPr/>
+          <p:nvPr/>
+        </p:nvSpPr>
+        <p:spPr>
+          <a:xfrm>
+            <a:off x="3175546" y="624794"/>
+            <a:ext cx="2201948" cy="3962573"/>
+          </a:xfrm>
+          <a:prstGeom prst="roundRect">
+            <a:avLst/>
+          </a:prstGeom>
+          <a:solidFill>
+            <a:schemeClr val="bg2">
+              <a:lumMod val="90000"/>
+            </a:schemeClr>
+          </a:solidFill>
+          <a:ln w="12700">
+            <a:solidFill>
+              <a:schemeClr val="tx1"/>
+            </a:solidFill>
+          </a:ln>
+          <a:effectLst>
+            <a:outerShdw blurRad="50800" dist="38100" dir="2700000" algn="tl" rotWithShape="0">
+              <a:prstClr val="black">
+                <a:alpha val="40000"/>
+              </a:prstClr>
+            </a:outerShdw>
+          </a:effectLst>
+        </p:spPr>
+        <p:style>
+          <a:lnRef idx="1">
+            <a:schemeClr val="accent4"/>
+          </a:lnRef>
+          <a:fillRef idx="2">
+            <a:schemeClr val="accent4"/>
+          </a:fillRef>
+          <a:effectRef idx="1">
+            <a:schemeClr val="accent4"/>
+          </a:effectRef>
+          <a:fontRef idx="minor">
+            <a:schemeClr val="dk1"/>
+          </a:fontRef>
+        </p:style>
+        <p:txBody>
+          <a:bodyPr rtlCol="0" anchor="b"/>
+          <a:lstStyle/>
+          <a:p>
+            <a:pPr algn="ctr"/>
+            <a:r>
+              <a:rPr lang="en-US" sz="1600" b="1" dirty="0"/>
+              <a:t>Workflow </a:t>
+            </a:r>
+          </a:p>
+          <a:p>
+            <a:pPr algn="ctr"/>
+            <a:r>
+              <a:rPr lang="en-US" sz="1600" b="1" dirty="0"/>
+              <a:t>Storage</a:t>
+            </a:r>
+          </a:p>
+          <a:p>
+            <a:pPr algn="ctr"/>
+            <a:endParaRPr lang="en-US" sz="1600" b="1" dirty="0"/>
+          </a:p>
+          <a:p>
+            <a:pPr algn="ctr"/>
+            <a:endParaRPr lang="en-US" sz="1600" b="1" dirty="0"/>
+          </a:p>
+          <a:p>
+            <a:pPr algn="ctr"/>
+            <a:endParaRPr lang="en-US" sz="1600" b="1" dirty="0"/>
+          </a:p>
+          <a:p>
+            <a:pPr algn="ctr"/>
+            <a:endParaRPr lang="en-US" sz="1600" b="1" dirty="0"/>
+          </a:p>
+          <a:p>
+            <a:pPr algn="ctr"/>
+            <a:endParaRPr lang="en-US" sz="1600" b="1" dirty="0"/>
+          </a:p>
+          <a:p>
+            <a:pPr algn="ctr"/>
+            <a:endParaRPr lang="en-US" sz="1600" b="1" dirty="0"/>
+          </a:p>
+          <a:p>
+            <a:pPr algn="ctr"/>
+            <a:endParaRPr lang="en-US" sz="1600" b="1" dirty="0"/>
+          </a:p>
+          <a:p>
+            <a:pPr algn="ctr"/>
+            <a:endParaRPr lang="en-US" sz="1600" b="1" dirty="0"/>
+          </a:p>
+          <a:p>
+            <a:pPr algn="ctr"/>
+            <a:endParaRPr lang="en-US" sz="1600" b="1" dirty="0"/>
+          </a:p>
+          <a:p>
+            <a:pPr algn="ctr"/>
+            <a:endParaRPr lang="en-US" sz="1600" b="1" dirty="0"/>
+          </a:p>
+          <a:p>
+            <a:pPr algn="ctr"/>
+            <a:endParaRPr lang="en-US" sz="1600" b="1" dirty="0"/>
+          </a:p>
+          <a:p>
+            <a:pPr algn="ctr"/>
+            <a:endParaRPr lang="en-US" sz="1600" dirty="0"/>
+          </a:p>
+          <a:p>
+            <a:pPr algn="ctr"/>
+            <a:r>
+              <a:rPr lang="en-US" sz="1600" dirty="0"/>
+              <a:t>(</a:t>
+            </a:r>
+            <a:r>
+              <a:rPr lang="en-US" sz="1600" dirty="0" err="1"/>
+              <a:t>cloudmesh</a:t>
+            </a:r>
+            <a:r>
+              <a:rPr lang="en-US" sz="1600" dirty="0"/>
+              <a:t> </a:t>
+            </a:r>
+            <a:r>
+              <a:rPr lang="en-US" sz="1600" dirty="0" err="1"/>
+              <a:t>YamlDB</a:t>
+            </a:r>
+            <a:r>
+              <a:rPr lang="en-US" sz="1600" dirty="0"/>
+              <a:t>)</a:t>
+            </a:r>
+          </a:p>
+        </p:txBody>
+      </p:sp>
+      <p:sp>
+        <p:nvSpPr>
+          <p:cNvPr id="4" name="Rounded Rectangle 3">
+            <a:extLst>
+              <a:ext uri="{FF2B5EF4-FFF2-40B4-BE49-F238E27FC236}">
+                <a16:creationId xmlns:a16="http://schemas.microsoft.com/office/drawing/2014/main" id="{8331628A-C8D6-2AF5-C3BC-8DC341057813}"/>
+              </a:ext>
+            </a:extLst>
+          </p:cNvPr>
+          <p:cNvSpPr/>
+          <p:nvPr/>
+        </p:nvSpPr>
+        <p:spPr>
+          <a:xfrm>
+            <a:off x="539224" y="2009244"/>
+            <a:ext cx="2169826" cy="619001"/>
+          </a:xfrm>
+          <a:prstGeom prst="roundRect">
+            <a:avLst/>
+          </a:prstGeom>
+          <a:solidFill>
+            <a:schemeClr val="bg2">
+              <a:lumMod val="90000"/>
+            </a:schemeClr>
+          </a:solidFill>
+          <a:ln w="12700">
+            <a:solidFill>
+              <a:schemeClr val="tx1"/>
+            </a:solidFill>
+          </a:ln>
+          <a:effectLst>
+            <a:outerShdw blurRad="50800" dist="38100" dir="2700000" algn="tl" rotWithShape="0">
+              <a:prstClr val="black">
+                <a:alpha val="40000"/>
+              </a:prstClr>
+            </a:outerShdw>
+          </a:effectLst>
+        </p:spPr>
+        <p:style>
+          <a:lnRef idx="1">
+            <a:schemeClr val="accent4"/>
+          </a:lnRef>
+          <a:fillRef idx="2">
+            <a:schemeClr val="accent4"/>
+          </a:fillRef>
+          <a:effectRef idx="1">
+            <a:schemeClr val="accent4"/>
+          </a:effectRef>
+          <a:fontRef idx="minor">
+            <a:schemeClr val="dk1"/>
+          </a:fontRef>
+        </p:style>
+        <p:txBody>
           <a:bodyPr rtlCol="0" anchor="ctr"/>
           <a:lstStyle/>
           <a:p>
@@ -5512,7 +5923,7 @@
         </p:nvSpPr>
         <p:spPr>
           <a:xfrm>
-            <a:off x="288587" y="1783557"/>
+            <a:off x="589423" y="2764757"/>
             <a:ext cx="310346" cy="1197862"/>
           </a:xfrm>
           <a:prstGeom prst="snip1Rect">
@@ -5572,7 +5983,7 @@
         </p:nvSpPr>
         <p:spPr>
           <a:xfrm>
-            <a:off x="706513" y="1783554"/>
+            <a:off x="1007349" y="2764754"/>
             <a:ext cx="310346" cy="1197862"/>
           </a:xfrm>
           <a:prstGeom prst="snip1Rect">
@@ -5632,7 +6043,7 @@
         </p:nvSpPr>
         <p:spPr>
           <a:xfrm>
-            <a:off x="1124439" y="1783554"/>
+            <a:off x="1425275" y="2764754"/>
             <a:ext cx="310346" cy="1197862"/>
           </a:xfrm>
           <a:prstGeom prst="snip1Rect">
@@ -5692,7 +6103,7 @@
         </p:nvSpPr>
         <p:spPr>
           <a:xfrm>
-            <a:off x="1542337" y="1783554"/>
+            <a:off x="1843173" y="2764754"/>
             <a:ext cx="310346" cy="1197862"/>
           </a:xfrm>
           <a:prstGeom prst="snip1Rect">
@@ -5751,8 +6162,8 @@
         </p:nvSpPr>
         <p:spPr>
           <a:xfrm>
-            <a:off x="5347658" y="1053912"/>
-            <a:ext cx="2408994" cy="619001"/>
+            <a:off x="5642479" y="586590"/>
+            <a:ext cx="4497785" cy="2427412"/>
           </a:xfrm>
           <a:prstGeom prst="roundRect">
             <a:avLst/>
@@ -5791,13 +6202,50 @@
           </a:fontRef>
         </p:style>
         <p:txBody>
-          <a:bodyPr rtlCol="0" anchor="ctr"/>
-          <a:lstStyle/>
-          <a:p>
-            <a:pPr algn="ctr"/>
+          <a:bodyPr rtlCol="0" anchor="b"/>
+          <a:lstStyle/>
+          <a:p>
+            <a:r>
+              <a:rPr lang="en-US" sz="1600" b="1" dirty="0"/>
+              <a:t>         Workflow </a:t>
+            </a:r>
+          </a:p>
+          <a:p>
+            <a:r>
+              <a:rPr lang="en-US" sz="1600" b="1" dirty="0"/>
+              <a:t>Compute Coordinator</a:t>
+            </a:r>
+          </a:p>
+          <a:p>
+            <a:endParaRPr lang="en-US" sz="1600" b="1" dirty="0"/>
+          </a:p>
+          <a:p>
+            <a:endParaRPr lang="en-US" sz="1600" b="1" dirty="0"/>
+          </a:p>
+          <a:p>
+            <a:endParaRPr lang="en-US" sz="1600" b="1" dirty="0"/>
+          </a:p>
+          <a:p>
+            <a:endParaRPr lang="en-US" sz="1600" b="1" dirty="0"/>
+          </a:p>
+          <a:p>
+            <a:endParaRPr lang="en-US" sz="1600" b="1" dirty="0"/>
+          </a:p>
+          <a:p>
+            <a:endParaRPr lang="en-US" sz="1600" b="1" dirty="0"/>
+          </a:p>
+          <a:p>
             <a:r>
               <a:rPr lang="en-US" sz="1600" dirty="0"/>
-              <a:t>Batch Executor</a:t>
+              <a:t>(</a:t>
+            </a:r>
+            <a:r>
+              <a:rPr lang="en-US" sz="1600" dirty="0" err="1"/>
+              <a:t>cloudmesh</a:t>
+            </a:r>
+            <a:r>
+              <a:rPr lang="en-US" sz="1600" dirty="0"/>
+              <a:t>-cc, Compute Coordinator) </a:t>
             </a:r>
           </a:p>
         </p:txBody>
@@ -5816,8 +6264,8 @@
         </p:nvSpPr>
         <p:spPr>
           <a:xfrm rot="16200000">
-            <a:off x="5030977" y="2191089"/>
-            <a:ext cx="1197863" cy="387435"/>
+            <a:off x="7678384" y="3832732"/>
+            <a:ext cx="1121833" cy="387435"/>
           </a:xfrm>
           <a:prstGeom prst="roundRect">
             <a:avLst/>
@@ -5881,8 +6329,8 @@
         </p:nvSpPr>
         <p:spPr>
           <a:xfrm rot="16200000">
-            <a:off x="5487448" y="2191090"/>
-            <a:ext cx="1197863" cy="387435"/>
+            <a:off x="8134856" y="3832732"/>
+            <a:ext cx="1121831" cy="387435"/>
           </a:xfrm>
           <a:prstGeom prst="roundRect">
             <a:avLst/>
@@ -5946,8 +6394,8 @@
         </p:nvSpPr>
         <p:spPr>
           <a:xfrm rot="16200000">
-            <a:off x="5943918" y="2191089"/>
-            <a:ext cx="1197863" cy="387435"/>
+            <a:off x="8591327" y="3832731"/>
+            <a:ext cx="1121830" cy="387435"/>
           </a:xfrm>
           <a:prstGeom prst="roundRect">
             <a:avLst/>
@@ -6011,8 +6459,8 @@
         </p:nvSpPr>
         <p:spPr>
           <a:xfrm rot="16200000">
-            <a:off x="6404290" y="2191089"/>
-            <a:ext cx="1197863" cy="387435"/>
+            <a:off x="9045224" y="3839206"/>
+            <a:ext cx="1121830" cy="374485"/>
           </a:xfrm>
           <a:prstGeom prst="roundRect">
             <a:avLst/>
@@ -6064,10 +6512,10 @@
       </p:sp>
       <p:sp>
         <p:nvSpPr>
-          <p:cNvPr id="16" name="Rounded Rectangle 15">
-            <a:extLst>
-              <a:ext uri="{FF2B5EF4-FFF2-40B4-BE49-F238E27FC236}">
-                <a16:creationId xmlns:a16="http://schemas.microsoft.com/office/drawing/2014/main" id="{17D40F56-2C76-6438-90D6-E9A9C6AC82ED}"/>
+          <p:cNvPr id="17" name="Snip Single Corner Rectangle 16">
+            <a:extLst>
+              <a:ext uri="{FF2B5EF4-FFF2-40B4-BE49-F238E27FC236}">
+                <a16:creationId xmlns:a16="http://schemas.microsoft.com/office/drawing/2014/main" id="{7C2F500F-DBFB-B1A4-18E4-46036F0425E8}"/>
               </a:ext>
             </a:extLst>
           </p:cNvPr>
@@ -6075,84 +6523,8 @@
           <p:nvPr/>
         </p:nvSpPr>
         <p:spPr>
-          <a:xfrm rot="16200000">
-            <a:off x="6878065" y="2191089"/>
-            <a:ext cx="1197863" cy="387435"/>
-          </a:xfrm>
-          <a:prstGeom prst="roundRect">
-            <a:avLst/>
-          </a:prstGeom>
-          <a:solidFill>
-            <a:schemeClr val="accent5">
-              <a:lumMod val="20000"/>
-              <a:lumOff val="80000"/>
-            </a:schemeClr>
-          </a:solidFill>
-          <a:ln w="12700">
-            <a:solidFill>
-              <a:schemeClr val="tx1"/>
-            </a:solidFill>
-          </a:ln>
-          <a:effectLst>
-            <a:outerShdw blurRad="50800" dist="38100" dir="2700000" algn="tl" rotWithShape="0">
-              <a:prstClr val="black">
-                <a:alpha val="40000"/>
-              </a:prstClr>
-            </a:outerShdw>
-          </a:effectLst>
-        </p:spPr>
-        <p:style>
-          <a:lnRef idx="1">
-            <a:schemeClr val="accent4"/>
-          </a:lnRef>
-          <a:fillRef idx="2">
-            <a:schemeClr val="accent4"/>
-          </a:fillRef>
-          <a:effectRef idx="1">
-            <a:schemeClr val="accent4"/>
-          </a:effectRef>
-          <a:fontRef idx="minor">
-            <a:schemeClr val="dk1"/>
-          </a:fontRef>
-        </p:style>
-        <p:txBody>
-          <a:bodyPr rtlCol="0" anchor="ctr"/>
-          <a:lstStyle/>
-          <a:p>
-            <a:pPr algn="ctr"/>
-            <a:r>
-              <a:rPr lang="en-US" sz="1200" dirty="0" err="1"/>
-              <a:t>Cloudmesh</a:t>
-            </a:r>
-            <a:r>
-              <a:rPr lang="en-US" sz="1200" dirty="0"/>
-              <a:t>-cc</a:t>
-            </a:r>
-          </a:p>
-          <a:p>
-            <a:pPr algn="ctr"/>
-            <a:r>
-              <a:rPr lang="en-US" sz="1200" dirty="0"/>
-              <a:t>Workflow</a:t>
-            </a:r>
-          </a:p>
-        </p:txBody>
-      </p:sp>
-      <p:sp>
-        <p:nvSpPr>
-          <p:cNvPr id="17" name="Snip Single Corner Rectangle 16">
-            <a:extLst>
-              <a:ext uri="{FF2B5EF4-FFF2-40B4-BE49-F238E27FC236}">
-                <a16:creationId xmlns:a16="http://schemas.microsoft.com/office/drawing/2014/main" id="{7C2F500F-DBFB-B1A4-18E4-46036F0425E8}"/>
-              </a:ext>
-            </a:extLst>
-          </p:cNvPr>
-          <p:cNvSpPr/>
-          <p:nvPr/>
-        </p:nvSpPr>
-        <p:spPr>
           <a:xfrm>
-            <a:off x="1960235" y="1783554"/>
+            <a:off x="2261071" y="2764754"/>
             <a:ext cx="506558" cy="1197862"/>
           </a:xfrm>
           <a:prstGeom prst="snip1Rect">
@@ -6224,7 +6596,7 @@
         </p:nvSpPr>
         <p:spPr>
           <a:xfrm>
-            <a:off x="3115543" y="790739"/>
+            <a:off x="3639921" y="1721032"/>
             <a:ext cx="555934" cy="1197862"/>
           </a:xfrm>
           <a:prstGeom prst="snip1Rect">
@@ -6293,8 +6665,8 @@
         </p:nvSpPr>
         <p:spPr>
           <a:xfrm>
-            <a:off x="4907092" y="1208660"/>
-            <a:ext cx="299855" cy="309501"/>
+            <a:off x="10249852" y="3874226"/>
+            <a:ext cx="565817" cy="329834"/>
           </a:xfrm>
           <a:prstGeom prst="rightArrow">
             <a:avLst/>
@@ -6349,7 +6721,7 @@
         </p:nvSpPr>
         <p:spPr>
           <a:xfrm>
-            <a:off x="4231507" y="799882"/>
+            <a:off x="4755885" y="1730175"/>
             <a:ext cx="555934" cy="1197862"/>
           </a:xfrm>
           <a:prstGeom prst="snip1Rect">
@@ -6411,8 +6783,8 @@
         </p:nvSpPr>
         <p:spPr>
           <a:xfrm>
-            <a:off x="2685354" y="1208661"/>
-            <a:ext cx="299855" cy="309501"/>
+            <a:off x="2989065" y="2138954"/>
+            <a:ext cx="627617" cy="335373"/>
           </a:xfrm>
           <a:prstGeom prst="rightArrow">
             <a:avLst/>
@@ -6467,8 +6839,8 @@
         </p:nvSpPr>
         <p:spPr>
           <a:xfrm>
-            <a:off x="3801423" y="1208441"/>
-            <a:ext cx="299855" cy="309501"/>
+            <a:off x="4219095" y="2138734"/>
+            <a:ext cx="526906" cy="330053"/>
           </a:xfrm>
           <a:prstGeom prst="rightArrow">
             <a:avLst/>
@@ -6523,7 +6895,7 @@
         </p:nvSpPr>
         <p:spPr>
           <a:xfrm rot="5400000">
-            <a:off x="9890152" y="465573"/>
+            <a:off x="9450625" y="833592"/>
             <a:ext cx="318152" cy="706166"/>
           </a:xfrm>
           <a:prstGeom prst="snip1Rect">
@@ -6588,7 +6960,7 @@
         </p:nvSpPr>
         <p:spPr>
           <a:xfrm rot="5400000">
-            <a:off x="9890883" y="1102673"/>
+            <a:off x="9449753" y="1954181"/>
             <a:ext cx="319896" cy="706166"/>
           </a:xfrm>
           <a:prstGeom prst="snip1Rect">
@@ -6653,7 +7025,7 @@
         </p:nvSpPr>
         <p:spPr>
           <a:xfrm>
-            <a:off x="9895239" y="884456"/>
+            <a:off x="9455712" y="1507968"/>
             <a:ext cx="343364" cy="369332"/>
           </a:xfrm>
           <a:prstGeom prst="rect">
@@ -6685,19 +7057,19 @@
           </p:cNvPr>
           <p:cNvCxnSpPr>
             <a:cxnSpLocks/>
-            <a:stCxn id="18" idx="3"/>
+            <a:stCxn id="3" idx="0"/>
             <a:endCxn id="25" idx="2"/>
           </p:cNvCxnSpPr>
           <p:nvPr/>
         </p:nvCxnSpPr>
         <p:spPr>
-          <a:xfrm rot="16200000" flipH="1">
-            <a:off x="5503571" y="-1319322"/>
-            <a:ext cx="28206" cy="4248328"/>
+          <a:xfrm rot="5400000" flipH="1" flipV="1">
+            <a:off x="6149336" y="-1511956"/>
+            <a:ext cx="263935" cy="4009566"/>
           </a:xfrm>
           <a:prstGeom prst="bentConnector3">
             <a:avLst>
-              <a:gd name="adj1" fmla="val -976782"/>
+              <a:gd name="adj1" fmla="val 215073"/>
             </a:avLst>
           </a:prstGeom>
           <a:ln w="12700">
@@ -6736,7 +7108,7 @@
         </p:nvSpPr>
         <p:spPr>
           <a:xfrm rot="5400000">
-            <a:off x="8392081" y="220013"/>
+            <a:off x="8200516" y="616165"/>
             <a:ext cx="318154" cy="1197862"/>
           </a:xfrm>
           <a:prstGeom prst="snip1Rect">
@@ -6795,19 +7167,19 @@
           </p:cNvPr>
           <p:cNvCxnSpPr>
             <a:cxnSpLocks/>
-            <a:stCxn id="4" idx="0"/>
+            <a:stCxn id="2" idx="0"/>
             <a:endCxn id="25" idx="2"/>
           </p:cNvCxnSpPr>
           <p:nvPr/>
         </p:nvCxnSpPr>
         <p:spPr>
           <a:xfrm rot="5400000" flipH="1" flipV="1">
-            <a:off x="4395029" y="-2192896"/>
-            <a:ext cx="234967" cy="6258651"/>
+            <a:off x="4825947" y="-2835344"/>
+            <a:ext cx="263935" cy="6656343"/>
           </a:xfrm>
           <a:prstGeom prst="bentConnector3">
             <a:avLst>
-              <a:gd name="adj1" fmla="val 229259"/>
+              <a:gd name="adj1" fmla="val 215073"/>
             </a:avLst>
           </a:prstGeom>
           <a:ln w="12700">
@@ -6846,7 +7218,7 @@
         </p:nvSpPr>
         <p:spPr>
           <a:xfrm rot="5400000">
-            <a:off x="8392081" y="855954"/>
+            <a:off x="8200516" y="1710780"/>
             <a:ext cx="318154" cy="1197862"/>
           </a:xfrm>
           <a:prstGeom prst="snip1Rect">
@@ -6908,7 +7280,7 @@
         </p:nvSpPr>
         <p:spPr>
           <a:xfrm>
-            <a:off x="8363080" y="888460"/>
+            <a:off x="7923553" y="1511972"/>
             <a:ext cx="343364" cy="369332"/>
           </a:xfrm>
           <a:prstGeom prst="rect">
@@ -6943,7 +7315,7 @@
         </p:nvSpPr>
         <p:spPr>
           <a:xfrm rot="5400000">
-            <a:off x="7363871" y="743828"/>
+            <a:off x="8008119" y="285742"/>
             <a:ext cx="555933" cy="706166"/>
           </a:xfrm>
           <a:prstGeom prst="snip1Rect">
@@ -7008,7 +7380,7 @@
         </p:nvSpPr>
         <p:spPr>
           <a:xfrm>
-            <a:off x="9322596" y="939185"/>
+            <a:off x="8883069" y="1616485"/>
             <a:ext cx="299855" cy="309501"/>
           </a:xfrm>
           <a:prstGeom prst="rightArrow">
@@ -7050,6 +7422,246 @@
           </a:p>
         </p:txBody>
       </p:sp>
+      <p:sp>
+        <p:nvSpPr>
+          <p:cNvPr id="46" name="Right Arrow 45">
+            <a:extLst>
+              <a:ext uri="{FF2B5EF4-FFF2-40B4-BE49-F238E27FC236}">
+                <a16:creationId xmlns:a16="http://schemas.microsoft.com/office/drawing/2014/main" id="{2A1A0ACA-33D6-7BA3-F039-E63672778273}"/>
+              </a:ext>
+            </a:extLst>
+          </p:cNvPr>
+          <p:cNvSpPr/>
+          <p:nvPr/>
+        </p:nvSpPr>
+        <p:spPr>
+          <a:xfrm rot="5400000">
+            <a:off x="8800277" y="3002612"/>
+            <a:ext cx="329835" cy="374094"/>
+          </a:xfrm>
+          <a:prstGeom prst="rightArrow">
+            <a:avLst/>
+          </a:prstGeom>
+          <a:solidFill>
+            <a:schemeClr val="bg2"/>
+          </a:solidFill>
+          <a:effectLst>
+            <a:outerShdw blurRad="50800" dist="38100" dir="2700000" algn="tl" rotWithShape="0">
+              <a:prstClr val="black">
+                <a:alpha val="40000"/>
+              </a:prstClr>
+            </a:outerShdw>
+          </a:effectLst>
+        </p:spPr>
+        <p:style>
+          <a:lnRef idx="2">
+            <a:schemeClr val="accent1">
+              <a:shade val="50000"/>
+            </a:schemeClr>
+          </a:lnRef>
+          <a:fillRef idx="1">
+            <a:schemeClr val="accent1"/>
+          </a:fillRef>
+          <a:effectRef idx="0">
+            <a:schemeClr val="accent1"/>
+          </a:effectRef>
+          <a:fontRef idx="minor">
+            <a:schemeClr val="lt1"/>
+          </a:fontRef>
+        </p:style>
+        <p:txBody>
+          <a:bodyPr rtlCol="0" anchor="ctr"/>
+          <a:lstStyle/>
+          <a:p>
+            <a:pPr algn="ctr"/>
+            <a:endParaRPr lang="en-US" dirty="0"/>
+          </a:p>
+        </p:txBody>
+      </p:sp>
+      <p:sp>
+        <p:nvSpPr>
+          <p:cNvPr id="63" name="Right Arrow 62">
+            <a:extLst>
+              <a:ext uri="{FF2B5EF4-FFF2-40B4-BE49-F238E27FC236}">
+                <a16:creationId xmlns:a16="http://schemas.microsoft.com/office/drawing/2014/main" id="{7BE3F51B-030B-304C-F9E1-EB3A0A9D9CD1}"/>
+              </a:ext>
+            </a:extLst>
+          </p:cNvPr>
+          <p:cNvSpPr/>
+          <p:nvPr/>
+        </p:nvSpPr>
+        <p:spPr>
+          <a:xfrm rot="16200000">
+            <a:off x="10947266" y="3544839"/>
+            <a:ext cx="565817" cy="329834"/>
+          </a:xfrm>
+          <a:prstGeom prst="rightArrow">
+            <a:avLst/>
+          </a:prstGeom>
+          <a:solidFill>
+            <a:schemeClr val="bg2"/>
+          </a:solidFill>
+          <a:effectLst>
+            <a:outerShdw blurRad="50800" dist="38100" dir="2700000" algn="tl" rotWithShape="0">
+              <a:prstClr val="black">
+                <a:alpha val="40000"/>
+              </a:prstClr>
+            </a:outerShdw>
+          </a:effectLst>
+        </p:spPr>
+        <p:style>
+          <a:lnRef idx="2">
+            <a:schemeClr val="accent1">
+              <a:shade val="50000"/>
+            </a:schemeClr>
+          </a:lnRef>
+          <a:fillRef idx="1">
+            <a:schemeClr val="accent1"/>
+          </a:fillRef>
+          <a:effectRef idx="0">
+            <a:schemeClr val="accent1"/>
+          </a:effectRef>
+          <a:fontRef idx="minor">
+            <a:schemeClr val="lt1"/>
+          </a:fontRef>
+        </p:style>
+        <p:txBody>
+          <a:bodyPr rtlCol="0" anchor="ctr"/>
+          <a:lstStyle/>
+          <a:p>
+            <a:pPr algn="ctr"/>
+            <a:endParaRPr lang="en-US"/>
+          </a:p>
+        </p:txBody>
+      </p:sp>
+      <p:sp>
+        <p:nvSpPr>
+          <p:cNvPr id="66" name="Right Arrow 65">
+            <a:extLst>
+              <a:ext uri="{FF2B5EF4-FFF2-40B4-BE49-F238E27FC236}">
+                <a16:creationId xmlns:a16="http://schemas.microsoft.com/office/drawing/2014/main" id="{03AB3ABD-7203-91D9-B2BA-03F2D312BF02}"/>
+              </a:ext>
+            </a:extLst>
+          </p:cNvPr>
+          <p:cNvSpPr/>
+          <p:nvPr/>
+        </p:nvSpPr>
+        <p:spPr>
+          <a:xfrm>
+            <a:off x="9962784" y="1556115"/>
+            <a:ext cx="565817" cy="329834"/>
+          </a:xfrm>
+          <a:prstGeom prst="rightArrow">
+            <a:avLst/>
+          </a:prstGeom>
+          <a:solidFill>
+            <a:schemeClr val="bg2"/>
+          </a:solidFill>
+          <a:effectLst>
+            <a:outerShdw blurRad="50800" dist="38100" dir="2700000" algn="tl" rotWithShape="0">
+              <a:prstClr val="black">
+                <a:alpha val="40000"/>
+              </a:prstClr>
+            </a:outerShdw>
+          </a:effectLst>
+        </p:spPr>
+        <p:style>
+          <a:lnRef idx="2">
+            <a:schemeClr val="accent1">
+              <a:shade val="50000"/>
+            </a:schemeClr>
+          </a:lnRef>
+          <a:fillRef idx="1">
+            <a:schemeClr val="accent1"/>
+          </a:fillRef>
+          <a:effectRef idx="0">
+            <a:schemeClr val="accent1"/>
+          </a:effectRef>
+          <a:fontRef idx="minor">
+            <a:schemeClr val="lt1"/>
+          </a:fontRef>
+        </p:style>
+        <p:txBody>
+          <a:bodyPr rtlCol="0" anchor="ctr"/>
+          <a:lstStyle/>
+          <a:p>
+            <a:pPr algn="ctr"/>
+            <a:endParaRPr lang="en-US"/>
+          </a:p>
+        </p:txBody>
+      </p:sp>
+      <p:pic>
+        <p:nvPicPr>
+          <p:cNvPr id="68" name="Graphic 67" descr="Table outline">
+            <a:extLst>
+              <a:ext uri="{FF2B5EF4-FFF2-40B4-BE49-F238E27FC236}">
+                <a16:creationId xmlns:a16="http://schemas.microsoft.com/office/drawing/2014/main" id="{7FD2F0F2-5D1E-78D0-711F-45558AF17EF8}"/>
+              </a:ext>
+            </a:extLst>
+          </p:cNvPr>
+          <p:cNvPicPr>
+            <a:picLocks noChangeAspect="1"/>
+          </p:cNvPicPr>
+          <p:nvPr/>
+        </p:nvPicPr>
+        <p:blipFill>
+          <a:blip r:embed="rId2">
+            <a:extLst>
+              <a:ext uri="{96DAC541-7B7A-43D3-8B79-37D633B846F1}">
+                <asvg:svgBlip xmlns:asvg="http://schemas.microsoft.com/office/drawing/2016/SVG/main" r:embed="rId3"/>
+              </a:ext>
+            </a:extLst>
+          </a:blip>
+          <a:stretch>
+            <a:fillRect/>
+          </a:stretch>
+        </p:blipFill>
+        <p:spPr>
+          <a:xfrm>
+            <a:off x="10871859" y="1094844"/>
+            <a:ext cx="914400" cy="914400"/>
+          </a:xfrm>
+          <a:prstGeom prst="rect">
+            <a:avLst/>
+          </a:prstGeom>
+        </p:spPr>
+      </p:pic>
+      <p:pic>
+        <p:nvPicPr>
+          <p:cNvPr id="70" name="Graphic 69" descr="Workflow outline">
+            <a:extLst>
+              <a:ext uri="{FF2B5EF4-FFF2-40B4-BE49-F238E27FC236}">
+                <a16:creationId xmlns:a16="http://schemas.microsoft.com/office/drawing/2014/main" id="{E6D67AEC-9A34-BAE0-DB1F-6DD3B5DAC04F}"/>
+              </a:ext>
+            </a:extLst>
+          </p:cNvPr>
+          <p:cNvPicPr>
+            <a:picLocks noChangeAspect="1"/>
+          </p:cNvPicPr>
+          <p:nvPr/>
+        </p:nvPicPr>
+        <p:blipFill>
+          <a:blip r:embed="rId4">
+            <a:extLst>
+              <a:ext uri="{96DAC541-7B7A-43D3-8B79-37D633B846F1}">
+                <asvg:svgBlip xmlns:asvg="http://schemas.microsoft.com/office/drawing/2016/SVG/main" r:embed="rId5"/>
+              </a:ext>
+            </a:extLst>
+          </a:blip>
+          <a:stretch>
+            <a:fillRect/>
+          </a:stretch>
+        </p:blipFill>
+        <p:spPr>
+          <a:xfrm>
+            <a:off x="10875812" y="1757604"/>
+            <a:ext cx="914400" cy="914400"/>
+          </a:xfrm>
+          <a:prstGeom prst="rect">
+            <a:avLst/>
+          </a:prstGeom>
+        </p:spPr>
+      </p:pic>
     </p:spTree>
     <p:extLst>
       <p:ext uri="{BB962C8B-B14F-4D97-AF65-F5344CB8AC3E}">

--- a/images/cloudmesh-cc-arch.pptx
+++ b/images/cloudmesh-cc-arch.pptx
@@ -3763,1665 +3763,1686 @@
           <a:chExt cx="0" cy="0"/>
         </a:xfrm>
       </p:grpSpPr>
-      <p:sp>
-        <p:nvSpPr>
-          <p:cNvPr id="30" name="Rounded Rectangle 29">
+      <p:grpSp>
+        <p:nvGrpSpPr>
+          <p:cNvPr id="2" name="Group 1">
             <a:extLst>
               <a:ext uri="{FF2B5EF4-FFF2-40B4-BE49-F238E27FC236}">
-                <a16:creationId xmlns:a16="http://schemas.microsoft.com/office/drawing/2014/main" id="{46B20BC1-CB79-3EAD-3CC3-C1D02C100A0C}"/>
+                <a16:creationId xmlns:a16="http://schemas.microsoft.com/office/drawing/2014/main" id="{EFA5C0B9-37EA-6048-7E9A-3C4DC8E50D93}"/>
               </a:ext>
             </a:extLst>
           </p:cNvPr>
-          <p:cNvSpPr/>
+          <p:cNvGrpSpPr/>
           <p:nvPr/>
-        </p:nvSpPr>
-        <p:spPr>
+        </p:nvGrpSpPr>
+        <p:grpSpPr>
           <a:xfrm>
-            <a:off x="6089435" y="855552"/>
-            <a:ext cx="2173087" cy="619001"/>
+            <a:off x="2417370" y="242859"/>
+            <a:ext cx="7163056" cy="6126618"/>
+            <a:chOff x="2417370" y="242859"/>
+            <a:chExt cx="7163056" cy="6126618"/>
           </a:xfrm>
-          <a:prstGeom prst="roundRect">
-            <a:avLst/>
-          </a:prstGeom>
-          <a:solidFill>
-            <a:schemeClr val="accent6">
-              <a:lumMod val="20000"/>
-              <a:lumOff val="80000"/>
-            </a:schemeClr>
-          </a:solidFill>
-          <a:ln w="12700">
+        </p:grpSpPr>
+        <p:sp>
+          <p:nvSpPr>
+            <p:cNvPr id="30" name="Rounded Rectangle 29">
+              <a:extLst>
+                <a:ext uri="{FF2B5EF4-FFF2-40B4-BE49-F238E27FC236}">
+                  <a16:creationId xmlns:a16="http://schemas.microsoft.com/office/drawing/2014/main" id="{46B20BC1-CB79-3EAD-3CC3-C1D02C100A0C}"/>
+                </a:ext>
+              </a:extLst>
+            </p:cNvPr>
+            <p:cNvSpPr/>
+            <p:nvPr/>
+          </p:nvSpPr>
+          <p:spPr>
+            <a:xfrm>
+              <a:off x="6089435" y="855552"/>
+              <a:ext cx="2173087" cy="619001"/>
+            </a:xfrm>
+            <a:prstGeom prst="roundRect">
+              <a:avLst/>
+            </a:prstGeom>
             <a:solidFill>
+              <a:schemeClr val="accent6">
+                <a:lumMod val="20000"/>
+                <a:lumOff val="80000"/>
+              </a:schemeClr>
+            </a:solidFill>
+            <a:ln w="12700">
+              <a:solidFill>
+                <a:schemeClr val="tx1"/>
+              </a:solidFill>
+            </a:ln>
+            <a:effectLst>
+              <a:outerShdw blurRad="50800" dist="38100" dir="2700000" algn="tl" rotWithShape="0">
+                <a:prstClr val="black">
+                  <a:alpha val="40000"/>
+                </a:prstClr>
+              </a:outerShdw>
+            </a:effectLst>
+          </p:spPr>
+          <p:style>
+            <a:lnRef idx="1">
+              <a:schemeClr val="accent4"/>
+            </a:lnRef>
+            <a:fillRef idx="2">
+              <a:schemeClr val="accent4"/>
+            </a:fillRef>
+            <a:effectRef idx="1">
+              <a:schemeClr val="accent4"/>
+            </a:effectRef>
+            <a:fontRef idx="minor">
+              <a:schemeClr val="dk1"/>
+            </a:fontRef>
+          </p:style>
+          <p:txBody>
+            <a:bodyPr rtlCol="0" anchor="ctr"/>
+            <a:lstStyle/>
+            <a:p>
+              <a:pPr algn="ctr"/>
+              <a:r>
+                <a:rPr lang="en-US" sz="1600" dirty="0"/>
+                <a:t>Browser</a:t>
+              </a:r>
+            </a:p>
+          </p:txBody>
+        </p:sp>
+        <p:sp>
+          <p:nvSpPr>
+            <p:cNvPr id="10" name="Can 9">
+              <a:extLst>
+                <a:ext uri="{FF2B5EF4-FFF2-40B4-BE49-F238E27FC236}">
+                  <a16:creationId xmlns:a16="http://schemas.microsoft.com/office/drawing/2014/main" id="{94EB7DA4-EC8F-8EFE-EE3E-55878C3186D4}"/>
+                </a:ext>
+              </a:extLst>
+            </p:cNvPr>
+            <p:cNvSpPr/>
+            <p:nvPr/>
+          </p:nvSpPr>
+          <p:spPr>
+            <a:xfrm>
+              <a:off x="3491513" y="4164267"/>
+              <a:ext cx="750638" cy="801607"/>
+            </a:xfrm>
+            <a:prstGeom prst="can">
+              <a:avLst/>
+            </a:prstGeom>
+            <a:solidFill>
+              <a:schemeClr val="bg2">
+                <a:lumMod val="90000"/>
+              </a:schemeClr>
+            </a:solidFill>
+            <a:effectLst>
+              <a:outerShdw blurRad="50800" dist="38100" dir="2700000" algn="tl" rotWithShape="0">
+                <a:prstClr val="black">
+                  <a:alpha val="40000"/>
+                </a:prstClr>
+              </a:outerShdw>
+            </a:effectLst>
+          </p:spPr>
+          <p:style>
+            <a:lnRef idx="1">
+              <a:schemeClr val="accent2"/>
+            </a:lnRef>
+            <a:fillRef idx="2">
+              <a:schemeClr val="accent2"/>
+            </a:fillRef>
+            <a:effectRef idx="1">
+              <a:schemeClr val="accent2"/>
+            </a:effectRef>
+            <a:fontRef idx="minor">
+              <a:schemeClr val="dk1"/>
+            </a:fontRef>
+          </p:style>
+          <p:txBody>
+            <a:bodyPr rtlCol="0" anchor="ctr"/>
+            <a:lstStyle/>
+            <a:p>
+              <a:pPr algn="ctr"/>
+              <a:r>
+                <a:rPr lang="en-US" sz="1200" dirty="0" err="1"/>
+                <a:t>YamlDB</a:t>
+              </a:r>
+              <a:endParaRPr lang="en-US" sz="1200" dirty="0"/>
+            </a:p>
+            <a:p>
+              <a:pPr algn="ctr"/>
+              <a:r>
+                <a:rPr lang="en-US" sz="1200" dirty="0"/>
+                <a:t>(File)</a:t>
+              </a:r>
+            </a:p>
+          </p:txBody>
+        </p:sp>
+        <p:pic>
+          <p:nvPicPr>
+            <p:cNvPr id="12" name="Graphic 11" descr="User with solid fill">
+              <a:extLst>
+                <a:ext uri="{FF2B5EF4-FFF2-40B4-BE49-F238E27FC236}">
+                  <a16:creationId xmlns:a16="http://schemas.microsoft.com/office/drawing/2014/main" id="{F52A1A7F-2FE4-F3F7-BA54-1AE0C98ACF3E}"/>
+                </a:ext>
+              </a:extLst>
+            </p:cNvPr>
+            <p:cNvPicPr>
+              <a:picLocks noChangeAspect="1"/>
+            </p:cNvPicPr>
+            <p:nvPr/>
+          </p:nvPicPr>
+          <p:blipFill>
+            <a:blip r:embed="rId3">
+              <a:extLst>
+                <a:ext uri="{96DAC541-7B7A-43D3-8B79-37D633B846F1}">
+                  <asvg:svgBlip xmlns:asvg="http://schemas.microsoft.com/office/drawing/2016/SVG/main" r:embed="rId4"/>
+                </a:ext>
+              </a:extLst>
+            </a:blip>
+            <a:stretch>
+              <a:fillRect/>
+            </a:stretch>
+          </p:blipFill>
+          <p:spPr>
+            <a:xfrm>
+              <a:off x="5694272" y="242859"/>
+              <a:ext cx="605300" cy="602712"/>
+            </a:xfrm>
+            <a:prstGeom prst="rect">
+              <a:avLst/>
+            </a:prstGeom>
+            <a:effectLst>
+              <a:outerShdw blurRad="50800" dist="38100" dir="2700000" algn="tl" rotWithShape="0">
+                <a:prstClr val="black">
+                  <a:alpha val="40000"/>
+                </a:prstClr>
+              </a:outerShdw>
+            </a:effectLst>
+          </p:spPr>
+        </p:pic>
+        <p:sp>
+          <p:nvSpPr>
+            <p:cNvPr id="15" name="Rounded Rectangle 14">
+              <a:extLst>
+                <a:ext uri="{FF2B5EF4-FFF2-40B4-BE49-F238E27FC236}">
+                  <a16:creationId xmlns:a16="http://schemas.microsoft.com/office/drawing/2014/main" id="{D65629B4-6309-AE3A-115F-A78421248900}"/>
+                </a:ext>
+              </a:extLst>
+            </p:cNvPr>
+            <p:cNvSpPr/>
+            <p:nvPr/>
+          </p:nvSpPr>
+          <p:spPr>
+            <a:xfrm>
+              <a:off x="3502702" y="2411599"/>
+              <a:ext cx="1461245" cy="868658"/>
+            </a:xfrm>
+            <a:prstGeom prst="roundRect">
+              <a:avLst/>
+            </a:prstGeom>
+            <a:solidFill>
+              <a:schemeClr val="tx2">
+                <a:lumMod val="20000"/>
+                <a:lumOff val="80000"/>
+              </a:schemeClr>
+            </a:solidFill>
+            <a:ln w="12700">
+              <a:solidFill>
+                <a:schemeClr val="tx1"/>
+              </a:solidFill>
+            </a:ln>
+            <a:effectLst>
+              <a:outerShdw blurRad="50800" dist="38100" dir="2700000" algn="tl" rotWithShape="0">
+                <a:prstClr val="black">
+                  <a:alpha val="40000"/>
+                </a:prstClr>
+              </a:outerShdw>
+            </a:effectLst>
+          </p:spPr>
+          <p:style>
+            <a:lnRef idx="1">
+              <a:schemeClr val="accent4"/>
+            </a:lnRef>
+            <a:fillRef idx="2">
+              <a:schemeClr val="accent4"/>
+            </a:fillRef>
+            <a:effectRef idx="1">
+              <a:schemeClr val="accent4"/>
+            </a:effectRef>
+            <a:fontRef idx="minor">
+              <a:schemeClr val="dk1"/>
+            </a:fontRef>
+          </p:style>
+          <p:txBody>
+            <a:bodyPr rtlCol="0" anchor="ctr"/>
+            <a:lstStyle/>
+            <a:p>
+              <a:pPr algn="ctr"/>
+              <a:r>
+                <a:rPr lang="en-US" sz="1600" dirty="0"/>
+                <a:t>Workflow </a:t>
+              </a:r>
+            </a:p>
+            <a:p>
+              <a:pPr algn="ctr"/>
+              <a:r>
+                <a:rPr lang="en-US" sz="1600" dirty="0"/>
+                <a:t>Storage</a:t>
+              </a:r>
+            </a:p>
+          </p:txBody>
+        </p:sp>
+        <p:sp>
+          <p:nvSpPr>
+            <p:cNvPr id="16" name="Rounded Rectangle 15">
+              <a:extLst>
+                <a:ext uri="{FF2B5EF4-FFF2-40B4-BE49-F238E27FC236}">
+                  <a16:creationId xmlns:a16="http://schemas.microsoft.com/office/drawing/2014/main" id="{DD400AA7-AC31-38AD-22A6-B54AC5FBFDC1}"/>
+                </a:ext>
+              </a:extLst>
+            </p:cNvPr>
+            <p:cNvSpPr/>
+            <p:nvPr/>
+          </p:nvSpPr>
+          <p:spPr>
+            <a:xfrm>
+              <a:off x="5154818" y="2408109"/>
+              <a:ext cx="1461245" cy="868658"/>
+            </a:xfrm>
+            <a:prstGeom prst="roundRect">
+              <a:avLst/>
+            </a:prstGeom>
+            <a:solidFill>
+              <a:schemeClr val="accent5">
+                <a:lumMod val="20000"/>
+                <a:lumOff val="80000"/>
+              </a:schemeClr>
+            </a:solidFill>
+            <a:ln w="12700">
+              <a:solidFill>
+                <a:schemeClr val="tx1"/>
+              </a:solidFill>
+            </a:ln>
+            <a:effectLst>
+              <a:outerShdw blurRad="50800" dist="38100" dir="2700000" algn="tl" rotWithShape="0">
+                <a:prstClr val="black">
+                  <a:alpha val="40000"/>
+                </a:prstClr>
+              </a:outerShdw>
+            </a:effectLst>
+          </p:spPr>
+          <p:style>
+            <a:lnRef idx="1">
+              <a:schemeClr val="accent4"/>
+            </a:lnRef>
+            <a:fillRef idx="2">
+              <a:schemeClr val="accent4"/>
+            </a:fillRef>
+            <a:effectRef idx="1">
+              <a:schemeClr val="accent4"/>
+            </a:effectRef>
+            <a:fontRef idx="minor">
+              <a:schemeClr val="dk1"/>
+            </a:fontRef>
+          </p:style>
+          <p:txBody>
+            <a:bodyPr rtlCol="0" anchor="ctr"/>
+            <a:lstStyle/>
+            <a:p>
+              <a:pPr algn="ctr"/>
+              <a:r>
+                <a:rPr lang="en-US" sz="1600" dirty="0"/>
+                <a:t>Workflow </a:t>
+              </a:r>
+            </a:p>
+            <a:p>
+              <a:pPr algn="ctr"/>
+              <a:r>
+                <a:rPr lang="en-US" sz="1600" dirty="0"/>
+                <a:t>Compute Coordinator</a:t>
+              </a:r>
+            </a:p>
+          </p:txBody>
+        </p:sp>
+        <p:sp>
+          <p:nvSpPr>
+            <p:cNvPr id="17" name="Rounded Rectangle 16">
+              <a:extLst>
+                <a:ext uri="{FF2B5EF4-FFF2-40B4-BE49-F238E27FC236}">
+                  <a16:creationId xmlns:a16="http://schemas.microsoft.com/office/drawing/2014/main" id="{6F9436B4-030A-6291-10EA-FD08339A5B2F}"/>
+                </a:ext>
+              </a:extLst>
+            </p:cNvPr>
+            <p:cNvSpPr/>
+            <p:nvPr/>
+          </p:nvSpPr>
+          <p:spPr>
+            <a:xfrm>
+              <a:off x="6771773" y="2411599"/>
+              <a:ext cx="1461245" cy="868658"/>
+            </a:xfrm>
+            <a:prstGeom prst="roundRect">
+              <a:avLst/>
+            </a:prstGeom>
+            <a:solidFill>
+              <a:schemeClr val="accent2">
+                <a:lumMod val="20000"/>
+                <a:lumOff val="80000"/>
+              </a:schemeClr>
+            </a:solidFill>
+            <a:ln w="12700">
+              <a:solidFill>
+                <a:schemeClr val="tx1"/>
+              </a:solidFill>
+            </a:ln>
+            <a:effectLst>
+              <a:outerShdw blurRad="50800" dist="38100" dir="2700000" algn="tl" rotWithShape="0">
+                <a:prstClr val="black">
+                  <a:alpha val="40000"/>
+                </a:prstClr>
+              </a:outerShdw>
+            </a:effectLst>
+          </p:spPr>
+          <p:style>
+            <a:lnRef idx="1">
+              <a:schemeClr val="accent4"/>
+            </a:lnRef>
+            <a:fillRef idx="2">
+              <a:schemeClr val="accent4"/>
+            </a:fillRef>
+            <a:effectRef idx="1">
+              <a:schemeClr val="accent4"/>
+            </a:effectRef>
+            <a:fontRef idx="minor">
+              <a:schemeClr val="dk1"/>
+            </a:fontRef>
+          </p:style>
+          <p:txBody>
+            <a:bodyPr rtlCol="0" anchor="ctr"/>
+            <a:lstStyle/>
+            <a:p>
+              <a:pPr algn="ctr"/>
+              <a:r>
+                <a:rPr lang="en-US" sz="1600" dirty="0"/>
+                <a:t>Workflow </a:t>
+              </a:r>
+            </a:p>
+            <a:p>
+              <a:pPr algn="ctr"/>
+              <a:r>
+                <a:rPr lang="en-US" sz="1600" dirty="0"/>
+                <a:t>Monitor</a:t>
+              </a:r>
+            </a:p>
+          </p:txBody>
+        </p:sp>
+        <p:sp>
+          <p:nvSpPr>
+            <p:cNvPr id="18" name="Rounded Rectangle 17">
+              <a:extLst>
+                <a:ext uri="{FF2B5EF4-FFF2-40B4-BE49-F238E27FC236}">
+                  <a16:creationId xmlns:a16="http://schemas.microsoft.com/office/drawing/2014/main" id="{D3146123-79CF-A646-FA93-A4ED51D14D0E}"/>
+                </a:ext>
+              </a:extLst>
+            </p:cNvPr>
+            <p:cNvSpPr/>
+            <p:nvPr/>
+          </p:nvSpPr>
+          <p:spPr>
+            <a:xfrm rot="16200000">
+              <a:off x="3738022" y="5215357"/>
+              <a:ext cx="1920805" cy="387435"/>
+            </a:xfrm>
+            <a:prstGeom prst="roundRect">
+              <a:avLst/>
+            </a:prstGeom>
+            <a:solidFill>
+              <a:schemeClr val="accent5">
+                <a:lumMod val="20000"/>
+                <a:lumOff val="80000"/>
+              </a:schemeClr>
+            </a:solidFill>
+            <a:ln w="12700">
+              <a:solidFill>
+                <a:schemeClr val="tx1"/>
+              </a:solidFill>
+            </a:ln>
+            <a:effectLst>
+              <a:outerShdw blurRad="50800" dist="38100" dir="2700000" algn="tl" rotWithShape="0">
+                <a:prstClr val="black">
+                  <a:alpha val="40000"/>
+                </a:prstClr>
+              </a:outerShdw>
+            </a:effectLst>
+          </p:spPr>
+          <p:style>
+            <a:lnRef idx="1">
+              <a:schemeClr val="accent4"/>
+            </a:lnRef>
+            <a:fillRef idx="2">
+              <a:schemeClr val="accent4"/>
+            </a:fillRef>
+            <a:effectRef idx="1">
+              <a:schemeClr val="accent4"/>
+            </a:effectRef>
+            <a:fontRef idx="minor">
+              <a:schemeClr val="dk1"/>
+            </a:fontRef>
+          </p:style>
+          <p:txBody>
+            <a:bodyPr rtlCol="0" anchor="ctr"/>
+            <a:lstStyle/>
+            <a:p>
+              <a:pPr algn="ctr"/>
+              <a:r>
+                <a:rPr lang="en-US" sz="1200" dirty="0"/>
+                <a:t>Localhost (Linux)</a:t>
+              </a:r>
+            </a:p>
+          </p:txBody>
+        </p:sp>
+        <p:sp>
+          <p:nvSpPr>
+            <p:cNvPr id="19" name="Right Brace 18">
+              <a:extLst>
+                <a:ext uri="{FF2B5EF4-FFF2-40B4-BE49-F238E27FC236}">
+                  <a16:creationId xmlns:a16="http://schemas.microsoft.com/office/drawing/2014/main" id="{310CF117-4962-3881-6F2D-16F1FB7FA46A}"/>
+                </a:ext>
+              </a:extLst>
+            </p:cNvPr>
+            <p:cNvSpPr/>
+            <p:nvPr/>
+          </p:nvSpPr>
+          <p:spPr>
+            <a:xfrm rot="16200000">
+              <a:off x="5798797" y="2572867"/>
+              <a:ext cx="276146" cy="2021755"/>
+            </a:xfrm>
+            <a:prstGeom prst="rightBrace">
+              <a:avLst/>
+            </a:prstGeom>
+            <a:ln w="25400">
+              <a:solidFill>
+                <a:schemeClr val="tx1"/>
+              </a:solidFill>
+            </a:ln>
+          </p:spPr>
+          <p:style>
+            <a:lnRef idx="1">
+              <a:schemeClr val="accent1"/>
+            </a:lnRef>
+            <a:fillRef idx="0">
+              <a:schemeClr val="accent1"/>
+            </a:fillRef>
+            <a:effectRef idx="0">
+              <a:schemeClr val="accent1"/>
+            </a:effectRef>
+            <a:fontRef idx="minor">
               <a:schemeClr val="tx1"/>
+            </a:fontRef>
+          </p:style>
+          <p:txBody>
+            <a:bodyPr rtlCol="0" anchor="ctr"/>
+            <a:lstStyle/>
+            <a:p>
+              <a:pPr algn="ctr"/>
+              <a:endParaRPr lang="en-US" sz="1200"/>
+            </a:p>
+          </p:txBody>
+        </p:sp>
+        <p:sp>
+          <p:nvSpPr>
+            <p:cNvPr id="20" name="Rounded Rectangle 19">
+              <a:extLst>
+                <a:ext uri="{FF2B5EF4-FFF2-40B4-BE49-F238E27FC236}">
+                  <a16:creationId xmlns:a16="http://schemas.microsoft.com/office/drawing/2014/main" id="{FD925B87-C932-CEDD-530F-1CB2ADF42EF1}"/>
+                </a:ext>
+              </a:extLst>
+            </p:cNvPr>
+            <p:cNvSpPr/>
+            <p:nvPr/>
+          </p:nvSpPr>
+          <p:spPr>
+            <a:xfrm rot="16200000">
+              <a:off x="4133558" y="5212419"/>
+              <a:ext cx="1920805" cy="387435"/>
+            </a:xfrm>
+            <a:prstGeom prst="roundRect">
+              <a:avLst/>
+            </a:prstGeom>
+            <a:solidFill>
+              <a:schemeClr val="accent5">
+                <a:lumMod val="20000"/>
+                <a:lumOff val="80000"/>
+              </a:schemeClr>
             </a:solidFill>
-          </a:ln>
-          <a:effectLst>
-            <a:outerShdw blurRad="50800" dist="38100" dir="2700000" algn="tl" rotWithShape="0">
-              <a:prstClr val="black">
-                <a:alpha val="40000"/>
-              </a:prstClr>
-            </a:outerShdw>
-          </a:effectLst>
-        </p:spPr>
-        <p:style>
-          <a:lnRef idx="1">
-            <a:schemeClr val="accent4"/>
-          </a:lnRef>
-          <a:fillRef idx="2">
-            <a:schemeClr val="accent4"/>
-          </a:fillRef>
-          <a:effectRef idx="1">
-            <a:schemeClr val="accent4"/>
-          </a:effectRef>
-          <a:fontRef idx="minor">
-            <a:schemeClr val="dk1"/>
-          </a:fontRef>
-        </p:style>
-        <p:txBody>
-          <a:bodyPr rtlCol="0" anchor="ctr"/>
-          <a:lstStyle/>
-          <a:p>
-            <a:pPr algn="ctr"/>
-            <a:r>
-              <a:rPr lang="en-US" sz="1600" dirty="0"/>
-              <a:t>Browser</a:t>
-            </a:r>
-          </a:p>
-        </p:txBody>
-      </p:sp>
-      <p:sp>
-        <p:nvSpPr>
-          <p:cNvPr id="10" name="Can 9">
-            <a:extLst>
-              <a:ext uri="{FF2B5EF4-FFF2-40B4-BE49-F238E27FC236}">
-                <a16:creationId xmlns:a16="http://schemas.microsoft.com/office/drawing/2014/main" id="{94EB7DA4-EC8F-8EFE-EE3E-55878C3186D4}"/>
-              </a:ext>
-            </a:extLst>
-          </p:cNvPr>
-          <p:cNvSpPr/>
-          <p:nvPr/>
-        </p:nvSpPr>
-        <p:spPr>
-          <a:xfrm>
-            <a:off x="3491513" y="4164267"/>
-            <a:ext cx="750638" cy="801607"/>
-          </a:xfrm>
-          <a:prstGeom prst="can">
-            <a:avLst/>
-          </a:prstGeom>
-          <a:solidFill>
-            <a:schemeClr val="bg2">
-              <a:lumMod val="90000"/>
-            </a:schemeClr>
-          </a:solidFill>
-          <a:effectLst>
-            <a:outerShdw blurRad="50800" dist="38100" dir="2700000" algn="tl" rotWithShape="0">
-              <a:prstClr val="black">
-                <a:alpha val="40000"/>
-              </a:prstClr>
-            </a:outerShdw>
-          </a:effectLst>
-        </p:spPr>
-        <p:style>
-          <a:lnRef idx="1">
-            <a:schemeClr val="accent2"/>
-          </a:lnRef>
-          <a:fillRef idx="2">
-            <a:schemeClr val="accent2"/>
-          </a:fillRef>
-          <a:effectRef idx="1">
-            <a:schemeClr val="accent2"/>
-          </a:effectRef>
-          <a:fontRef idx="minor">
-            <a:schemeClr val="dk1"/>
-          </a:fontRef>
-        </p:style>
-        <p:txBody>
-          <a:bodyPr rtlCol="0" anchor="ctr"/>
-          <a:lstStyle/>
-          <a:p>
-            <a:pPr algn="ctr"/>
-            <a:r>
-              <a:rPr lang="en-US" sz="1200" dirty="0" err="1"/>
-              <a:t>YamlDB</a:t>
-            </a:r>
-            <a:endParaRPr lang="en-US" sz="1200" dirty="0"/>
-          </a:p>
-          <a:p>
-            <a:pPr algn="ctr"/>
-            <a:r>
-              <a:rPr lang="en-US" sz="1200" dirty="0"/>
-              <a:t>(File)</a:t>
-            </a:r>
-          </a:p>
-        </p:txBody>
-      </p:sp>
-      <p:pic>
-        <p:nvPicPr>
-          <p:cNvPr id="12" name="Graphic 11" descr="User with solid fill">
-            <a:extLst>
-              <a:ext uri="{FF2B5EF4-FFF2-40B4-BE49-F238E27FC236}">
-                <a16:creationId xmlns:a16="http://schemas.microsoft.com/office/drawing/2014/main" id="{F52A1A7F-2FE4-F3F7-BA54-1AE0C98ACF3E}"/>
-              </a:ext>
-            </a:extLst>
-          </p:cNvPr>
-          <p:cNvPicPr>
-            <a:picLocks noChangeAspect="1"/>
-          </p:cNvPicPr>
-          <p:nvPr/>
-        </p:nvPicPr>
-        <p:blipFill>
-          <a:blip r:embed="rId3">
-            <a:extLst>
-              <a:ext uri="{96DAC541-7B7A-43D3-8B79-37D633B846F1}">
-                <asvg:svgBlip xmlns:asvg="http://schemas.microsoft.com/office/drawing/2016/SVG/main" r:embed="rId4"/>
-              </a:ext>
-            </a:extLst>
-          </a:blip>
-          <a:stretch>
-            <a:fillRect/>
-          </a:stretch>
-        </p:blipFill>
-        <p:spPr>
-          <a:xfrm>
-            <a:off x="5694272" y="242859"/>
-            <a:ext cx="605300" cy="602712"/>
-          </a:xfrm>
-          <a:prstGeom prst="rect">
-            <a:avLst/>
-          </a:prstGeom>
-          <a:effectLst>
-            <a:outerShdw blurRad="50800" dist="38100" dir="2700000" algn="tl" rotWithShape="0">
-              <a:prstClr val="black">
-                <a:alpha val="40000"/>
-              </a:prstClr>
-            </a:outerShdw>
-          </a:effectLst>
-        </p:spPr>
-      </p:pic>
-      <p:sp>
-        <p:nvSpPr>
-          <p:cNvPr id="15" name="Rounded Rectangle 14">
-            <a:extLst>
-              <a:ext uri="{FF2B5EF4-FFF2-40B4-BE49-F238E27FC236}">
-                <a16:creationId xmlns:a16="http://schemas.microsoft.com/office/drawing/2014/main" id="{D65629B4-6309-AE3A-115F-A78421248900}"/>
-              </a:ext>
-            </a:extLst>
-          </p:cNvPr>
-          <p:cNvSpPr/>
-          <p:nvPr/>
-        </p:nvSpPr>
-        <p:spPr>
-          <a:xfrm>
-            <a:off x="3502702" y="2411599"/>
-            <a:ext cx="1461245" cy="868658"/>
-          </a:xfrm>
-          <a:prstGeom prst="roundRect">
-            <a:avLst/>
-          </a:prstGeom>
-          <a:solidFill>
-            <a:schemeClr val="tx2">
-              <a:lumMod val="20000"/>
-              <a:lumOff val="80000"/>
-            </a:schemeClr>
-          </a:solidFill>
-          <a:ln w="12700">
+            <a:ln w="12700">
+              <a:solidFill>
+                <a:schemeClr val="tx1"/>
+              </a:solidFill>
+            </a:ln>
+            <a:effectLst>
+              <a:outerShdw blurRad="50800" dist="38100" dir="2700000" algn="tl" rotWithShape="0">
+                <a:prstClr val="black">
+                  <a:alpha val="40000"/>
+                </a:prstClr>
+              </a:outerShdw>
+            </a:effectLst>
+          </p:spPr>
+          <p:style>
+            <a:lnRef idx="1">
+              <a:schemeClr val="accent4"/>
+            </a:lnRef>
+            <a:fillRef idx="2">
+              <a:schemeClr val="accent4"/>
+            </a:fillRef>
+            <a:effectRef idx="1">
+              <a:schemeClr val="accent4"/>
+            </a:effectRef>
+            <a:fontRef idx="minor">
+              <a:schemeClr val="dk1"/>
+            </a:fontRef>
+          </p:style>
+          <p:txBody>
+            <a:bodyPr rtlCol="0" anchor="ctr"/>
+            <a:lstStyle/>
+            <a:p>
+              <a:pPr algn="ctr"/>
+              <a:r>
+                <a:rPr lang="en-US" sz="1200" dirty="0"/>
+                <a:t>Localhost (</a:t>
+              </a:r>
+              <a:r>
+                <a:rPr lang="en-US" sz="1200" dirty="0" err="1"/>
+                <a:t>MacOs</a:t>
+              </a:r>
+              <a:r>
+                <a:rPr lang="en-US" sz="1200" dirty="0"/>
+                <a:t>)</a:t>
+              </a:r>
+            </a:p>
+          </p:txBody>
+        </p:sp>
+        <p:sp>
+          <p:nvSpPr>
+            <p:cNvPr id="21" name="Rounded Rectangle 20">
+              <a:extLst>
+                <a:ext uri="{FF2B5EF4-FFF2-40B4-BE49-F238E27FC236}">
+                  <a16:creationId xmlns:a16="http://schemas.microsoft.com/office/drawing/2014/main" id="{95C7D0B3-25D9-BE08-0DE1-FCC18C1C9195}"/>
+                </a:ext>
+              </a:extLst>
+            </p:cNvPr>
+            <p:cNvSpPr/>
+            <p:nvPr/>
+          </p:nvSpPr>
+          <p:spPr>
+            <a:xfrm rot="16200000">
+              <a:off x="4540152" y="5212418"/>
+              <a:ext cx="1920805" cy="387435"/>
+            </a:xfrm>
+            <a:prstGeom prst="roundRect">
+              <a:avLst/>
+            </a:prstGeom>
             <a:solidFill>
+              <a:schemeClr val="accent5">
+                <a:lumMod val="20000"/>
+                <a:lumOff val="80000"/>
+              </a:schemeClr>
+            </a:solidFill>
+            <a:ln w="12700">
+              <a:solidFill>
+                <a:schemeClr val="tx1"/>
+              </a:solidFill>
+            </a:ln>
+            <a:effectLst>
+              <a:outerShdw blurRad="50800" dist="38100" dir="2700000" algn="tl" rotWithShape="0">
+                <a:prstClr val="black">
+                  <a:alpha val="40000"/>
+                </a:prstClr>
+              </a:outerShdw>
+            </a:effectLst>
+          </p:spPr>
+          <p:style>
+            <a:lnRef idx="1">
+              <a:schemeClr val="accent4"/>
+            </a:lnRef>
+            <a:fillRef idx="2">
+              <a:schemeClr val="accent4"/>
+            </a:fillRef>
+            <a:effectRef idx="1">
+              <a:schemeClr val="accent4"/>
+            </a:effectRef>
+            <a:fontRef idx="minor">
+              <a:schemeClr val="dk1"/>
+            </a:fontRef>
+          </p:style>
+          <p:txBody>
+            <a:bodyPr rtlCol="0" anchor="ctr"/>
+            <a:lstStyle/>
+            <a:p>
+              <a:pPr algn="ctr"/>
+              <a:r>
+                <a:rPr lang="en-US" sz="1200" dirty="0"/>
+                <a:t>Localhost (Windows)</a:t>
+              </a:r>
+            </a:p>
+          </p:txBody>
+        </p:sp>
+        <p:sp>
+          <p:nvSpPr>
+            <p:cNvPr id="22" name="Right Brace 21">
+              <a:extLst>
+                <a:ext uri="{FF2B5EF4-FFF2-40B4-BE49-F238E27FC236}">
+                  <a16:creationId xmlns:a16="http://schemas.microsoft.com/office/drawing/2014/main" id="{26F5C990-FEE0-33B3-5311-32F1A6109135}"/>
+                </a:ext>
+              </a:extLst>
+            </p:cNvPr>
+            <p:cNvSpPr/>
+            <p:nvPr/>
+          </p:nvSpPr>
+          <p:spPr>
+            <a:xfrm rot="16200000">
+              <a:off x="5132122" y="3376136"/>
+              <a:ext cx="276146" cy="1638480"/>
+            </a:xfrm>
+            <a:prstGeom prst="rightBrace">
+              <a:avLst>
+                <a:gd name="adj1" fmla="val 8333"/>
+                <a:gd name="adj2" fmla="val 29351"/>
+              </a:avLst>
+            </a:prstGeom>
+            <a:ln w="25400">
+              <a:solidFill>
+                <a:schemeClr val="tx1"/>
+              </a:solidFill>
+            </a:ln>
+          </p:spPr>
+          <p:style>
+            <a:lnRef idx="1">
+              <a:schemeClr val="accent1"/>
+            </a:lnRef>
+            <a:fillRef idx="0">
+              <a:schemeClr val="accent1"/>
+            </a:fillRef>
+            <a:effectRef idx="0">
+              <a:schemeClr val="accent1"/>
+            </a:effectRef>
+            <a:fontRef idx="minor">
               <a:schemeClr val="tx1"/>
+            </a:fontRef>
+          </p:style>
+          <p:txBody>
+            <a:bodyPr rtlCol="0" anchor="ctr"/>
+            <a:lstStyle/>
+            <a:p>
+              <a:pPr algn="ctr"/>
+              <a:endParaRPr lang="en-US" sz="1200"/>
+            </a:p>
+          </p:txBody>
+        </p:sp>
+        <p:sp>
+          <p:nvSpPr>
+            <p:cNvPr id="23" name="TextBox 22">
+              <a:extLst>
+                <a:ext uri="{FF2B5EF4-FFF2-40B4-BE49-F238E27FC236}">
+                  <a16:creationId xmlns:a16="http://schemas.microsoft.com/office/drawing/2014/main" id="{701B916A-335C-476F-BCA7-E0663E979534}"/>
+                </a:ext>
+              </a:extLst>
+            </p:cNvPr>
+            <p:cNvSpPr txBox="1"/>
+            <p:nvPr/>
+          </p:nvSpPr>
+          <p:spPr>
+            <a:xfrm>
+              <a:off x="4655654" y="3767840"/>
+              <a:ext cx="776366" cy="276999"/>
+            </a:xfrm>
+            <a:prstGeom prst="rect">
+              <a:avLst/>
+            </a:prstGeom>
+            <a:noFill/>
+          </p:spPr>
+          <p:txBody>
+            <a:bodyPr wrap="none" rtlCol="0">
+              <a:spAutoFit/>
+            </a:bodyPr>
+            <a:lstStyle/>
+            <a:p>
+              <a:r>
+                <a:rPr lang="en-US" sz="1200" dirty="0"/>
+                <a:t>Localhost</a:t>
+              </a:r>
+            </a:p>
+          </p:txBody>
+        </p:sp>
+        <p:sp>
+          <p:nvSpPr>
+            <p:cNvPr id="24" name="Rounded Rectangle 23">
+              <a:extLst>
+                <a:ext uri="{FF2B5EF4-FFF2-40B4-BE49-F238E27FC236}">
+                  <a16:creationId xmlns:a16="http://schemas.microsoft.com/office/drawing/2014/main" id="{4850FF8B-2968-18A7-CCF1-8AE608ED5486}"/>
+                </a:ext>
+              </a:extLst>
+            </p:cNvPr>
+            <p:cNvSpPr/>
+            <p:nvPr/>
+          </p:nvSpPr>
+          <p:spPr>
+            <a:xfrm rot="16200000">
+              <a:off x="5645405" y="5215357"/>
+              <a:ext cx="1920805" cy="387435"/>
+            </a:xfrm>
+            <a:prstGeom prst="roundRect">
+              <a:avLst/>
+            </a:prstGeom>
+            <a:solidFill>
+              <a:schemeClr val="accent5">
+                <a:lumMod val="20000"/>
+                <a:lumOff val="80000"/>
+              </a:schemeClr>
             </a:solidFill>
-          </a:ln>
-          <a:effectLst>
-            <a:outerShdw blurRad="50800" dist="38100" dir="2700000" algn="tl" rotWithShape="0">
-              <a:prstClr val="black">
-                <a:alpha val="40000"/>
-              </a:prstClr>
-            </a:outerShdw>
-          </a:effectLst>
-        </p:spPr>
-        <p:style>
-          <a:lnRef idx="1">
-            <a:schemeClr val="accent4"/>
-          </a:lnRef>
-          <a:fillRef idx="2">
-            <a:schemeClr val="accent4"/>
-          </a:fillRef>
-          <a:effectRef idx="1">
-            <a:schemeClr val="accent4"/>
-          </a:effectRef>
-          <a:fontRef idx="minor">
-            <a:schemeClr val="dk1"/>
-          </a:fontRef>
-        </p:style>
-        <p:txBody>
-          <a:bodyPr rtlCol="0" anchor="ctr"/>
-          <a:lstStyle/>
-          <a:p>
-            <a:pPr algn="ctr"/>
-            <a:r>
-              <a:rPr lang="en-US" sz="1600" dirty="0"/>
-              <a:t>Workflow </a:t>
-            </a:r>
-          </a:p>
-          <a:p>
-            <a:pPr algn="ctr"/>
-            <a:r>
-              <a:rPr lang="en-US" sz="1600" dirty="0"/>
-              <a:t>Storage</a:t>
-            </a:r>
-          </a:p>
-        </p:txBody>
-      </p:sp>
-      <p:sp>
-        <p:nvSpPr>
-          <p:cNvPr id="16" name="Rounded Rectangle 15">
-            <a:extLst>
-              <a:ext uri="{FF2B5EF4-FFF2-40B4-BE49-F238E27FC236}">
-                <a16:creationId xmlns:a16="http://schemas.microsoft.com/office/drawing/2014/main" id="{DD400AA7-AC31-38AD-22A6-B54AC5FBFDC1}"/>
-              </a:ext>
-            </a:extLst>
-          </p:cNvPr>
-          <p:cNvSpPr/>
-          <p:nvPr/>
-        </p:nvSpPr>
-        <p:spPr>
-          <a:xfrm>
-            <a:off x="5154818" y="2408109"/>
-            <a:ext cx="1461245" cy="868658"/>
-          </a:xfrm>
-          <a:prstGeom prst="roundRect">
-            <a:avLst/>
-          </a:prstGeom>
-          <a:solidFill>
-            <a:schemeClr val="accent5">
-              <a:lumMod val="20000"/>
-              <a:lumOff val="80000"/>
-            </a:schemeClr>
-          </a:solidFill>
-          <a:ln w="12700">
+            <a:ln w="12700">
+              <a:solidFill>
+                <a:schemeClr val="tx1"/>
+              </a:solidFill>
+            </a:ln>
+            <a:effectLst>
+              <a:outerShdw blurRad="50800" dist="38100" dir="2700000" algn="tl" rotWithShape="0">
+                <a:prstClr val="black">
+                  <a:alpha val="40000"/>
+                </a:prstClr>
+              </a:outerShdw>
+            </a:effectLst>
+          </p:spPr>
+          <p:style>
+            <a:lnRef idx="1">
+              <a:schemeClr val="accent4"/>
+            </a:lnRef>
+            <a:fillRef idx="2">
+              <a:schemeClr val="accent4"/>
+            </a:fillRef>
+            <a:effectRef idx="1">
+              <a:schemeClr val="accent4"/>
+            </a:effectRef>
+            <a:fontRef idx="minor">
+              <a:schemeClr val="dk1"/>
+            </a:fontRef>
+          </p:style>
+          <p:txBody>
+            <a:bodyPr rtlCol="0" anchor="ctr"/>
+            <a:lstStyle/>
+            <a:p>
+              <a:pPr algn="ctr"/>
+              <a:r>
+                <a:rPr lang="en-US" sz="1200" dirty="0"/>
+                <a:t>SLURM</a:t>
+              </a:r>
+            </a:p>
+          </p:txBody>
+        </p:sp>
+        <p:sp>
+          <p:nvSpPr>
+            <p:cNvPr id="25" name="Rounded Rectangle 24">
+              <a:extLst>
+                <a:ext uri="{FF2B5EF4-FFF2-40B4-BE49-F238E27FC236}">
+                  <a16:creationId xmlns:a16="http://schemas.microsoft.com/office/drawing/2014/main" id="{C28FA37A-DFD1-6508-FA21-152AE9B921D1}"/>
+                </a:ext>
+              </a:extLst>
+            </p:cNvPr>
+            <p:cNvSpPr/>
+            <p:nvPr/>
+          </p:nvSpPr>
+          <p:spPr>
+            <a:xfrm rot="16200000">
+              <a:off x="6040942" y="5212419"/>
+              <a:ext cx="1920805" cy="387435"/>
+            </a:xfrm>
+            <a:prstGeom prst="roundRect">
+              <a:avLst/>
+            </a:prstGeom>
             <a:solidFill>
+              <a:schemeClr val="accent5">
+                <a:lumMod val="20000"/>
+                <a:lumOff val="80000"/>
+              </a:schemeClr>
+            </a:solidFill>
+            <a:ln w="12700">
+              <a:solidFill>
+                <a:schemeClr val="tx1"/>
+              </a:solidFill>
+            </a:ln>
+            <a:effectLst>
+              <a:outerShdw blurRad="50800" dist="38100" dir="2700000" algn="tl" rotWithShape="0">
+                <a:prstClr val="black">
+                  <a:alpha val="40000"/>
+                </a:prstClr>
+              </a:outerShdw>
+            </a:effectLst>
+          </p:spPr>
+          <p:style>
+            <a:lnRef idx="1">
+              <a:schemeClr val="accent4"/>
+            </a:lnRef>
+            <a:fillRef idx="2">
+              <a:schemeClr val="accent4"/>
+            </a:fillRef>
+            <a:effectRef idx="1">
+              <a:schemeClr val="accent4"/>
+            </a:effectRef>
+            <a:fontRef idx="minor">
+              <a:schemeClr val="dk1"/>
+            </a:fontRef>
+          </p:style>
+          <p:txBody>
+            <a:bodyPr rtlCol="0" anchor="ctr"/>
+            <a:lstStyle/>
+            <a:p>
+              <a:pPr algn="ctr"/>
+              <a:r>
+                <a:rPr lang="en-US" sz="1200" dirty="0"/>
+                <a:t>LSF</a:t>
+              </a:r>
+            </a:p>
+          </p:txBody>
+        </p:sp>
+        <p:sp>
+          <p:nvSpPr>
+            <p:cNvPr id="26" name="Rounded Rectangle 25">
+              <a:extLst>
+                <a:ext uri="{FF2B5EF4-FFF2-40B4-BE49-F238E27FC236}">
+                  <a16:creationId xmlns:a16="http://schemas.microsoft.com/office/drawing/2014/main" id="{E2C645B6-5DDF-CA5F-523F-00C34F91D035}"/>
+                </a:ext>
+              </a:extLst>
+            </p:cNvPr>
+            <p:cNvSpPr/>
+            <p:nvPr/>
+          </p:nvSpPr>
+          <p:spPr>
+            <a:xfrm rot="16200000">
+              <a:off x="6447535" y="5212418"/>
+              <a:ext cx="1920805" cy="387435"/>
+            </a:xfrm>
+            <a:prstGeom prst="roundRect">
+              <a:avLst/>
+            </a:prstGeom>
+            <a:solidFill>
+              <a:schemeClr val="accent5">
+                <a:lumMod val="20000"/>
+                <a:lumOff val="80000"/>
+              </a:schemeClr>
+            </a:solidFill>
+            <a:ln w="12700">
+              <a:solidFill>
+                <a:schemeClr val="tx1"/>
+              </a:solidFill>
+            </a:ln>
+            <a:effectLst>
+              <a:outerShdw blurRad="50800" dist="38100" dir="2700000" algn="tl" rotWithShape="0">
+                <a:prstClr val="black">
+                  <a:alpha val="40000"/>
+                </a:prstClr>
+              </a:outerShdw>
+            </a:effectLst>
+          </p:spPr>
+          <p:style>
+            <a:lnRef idx="1">
+              <a:schemeClr val="accent4"/>
+            </a:lnRef>
+            <a:fillRef idx="2">
+              <a:schemeClr val="accent4"/>
+            </a:fillRef>
+            <a:effectRef idx="1">
+              <a:schemeClr val="accent4"/>
+            </a:effectRef>
+            <a:fontRef idx="minor">
+              <a:schemeClr val="dk1"/>
+            </a:fontRef>
+          </p:style>
+          <p:txBody>
+            <a:bodyPr rtlCol="0" anchor="ctr"/>
+            <a:lstStyle/>
+            <a:p>
+              <a:pPr algn="ctr"/>
+              <a:r>
+                <a:rPr lang="en-US" sz="1200" dirty="0"/>
+                <a:t>SSH</a:t>
+              </a:r>
+            </a:p>
+          </p:txBody>
+        </p:sp>
+        <p:sp>
+          <p:nvSpPr>
+            <p:cNvPr id="27" name="Right Brace 26">
+              <a:extLst>
+                <a:ext uri="{FF2B5EF4-FFF2-40B4-BE49-F238E27FC236}">
+                  <a16:creationId xmlns:a16="http://schemas.microsoft.com/office/drawing/2014/main" id="{115B55E5-0F88-757C-7044-018011C15840}"/>
+                </a:ext>
+              </a:extLst>
+            </p:cNvPr>
+            <p:cNvSpPr/>
+            <p:nvPr/>
+          </p:nvSpPr>
+          <p:spPr>
+            <a:xfrm rot="16200000">
+              <a:off x="6841924" y="3573717"/>
+              <a:ext cx="276146" cy="1243318"/>
+            </a:xfrm>
+            <a:prstGeom prst="rightBrace">
+              <a:avLst/>
+            </a:prstGeom>
+            <a:ln w="25400">
+              <a:solidFill>
+                <a:schemeClr val="tx1"/>
+              </a:solidFill>
+            </a:ln>
+          </p:spPr>
+          <p:style>
+            <a:lnRef idx="1">
+              <a:schemeClr val="accent1"/>
+            </a:lnRef>
+            <a:fillRef idx="0">
+              <a:schemeClr val="accent1"/>
+            </a:fillRef>
+            <a:effectRef idx="0">
+              <a:schemeClr val="accent1"/>
+            </a:effectRef>
+            <a:fontRef idx="minor">
               <a:schemeClr val="tx1"/>
+            </a:fontRef>
+          </p:style>
+          <p:txBody>
+            <a:bodyPr rtlCol="0" anchor="ctr"/>
+            <a:lstStyle/>
+            <a:p>
+              <a:pPr algn="ctr"/>
+              <a:endParaRPr lang="en-US" sz="1200"/>
+            </a:p>
+          </p:txBody>
+        </p:sp>
+        <p:sp>
+          <p:nvSpPr>
+            <p:cNvPr id="28" name="TextBox 27">
+              <a:extLst>
+                <a:ext uri="{FF2B5EF4-FFF2-40B4-BE49-F238E27FC236}">
+                  <a16:creationId xmlns:a16="http://schemas.microsoft.com/office/drawing/2014/main" id="{EEAEEA8B-DEA4-4E26-FE85-A915754213AB}"/>
+                </a:ext>
+              </a:extLst>
+            </p:cNvPr>
+            <p:cNvSpPr txBox="1"/>
+            <p:nvPr/>
+          </p:nvSpPr>
+          <p:spPr>
+            <a:xfrm>
+              <a:off x="6600049" y="3721819"/>
+              <a:ext cx="997709" cy="276999"/>
+            </a:xfrm>
+            <a:prstGeom prst="rect">
+              <a:avLst/>
+            </a:prstGeom>
+            <a:noFill/>
+          </p:spPr>
+          <p:txBody>
+            <a:bodyPr wrap="none" rtlCol="0">
+              <a:spAutoFit/>
+            </a:bodyPr>
+            <a:lstStyle/>
+            <a:p>
+              <a:r>
+                <a:rPr lang="en-US" sz="1200" dirty="0"/>
+                <a:t>Remote Host</a:t>
+              </a:r>
+            </a:p>
+          </p:txBody>
+        </p:sp>
+        <p:sp>
+          <p:nvSpPr>
+            <p:cNvPr id="29" name="Rounded Rectangle 28">
+              <a:extLst>
+                <a:ext uri="{FF2B5EF4-FFF2-40B4-BE49-F238E27FC236}">
+                  <a16:creationId xmlns:a16="http://schemas.microsoft.com/office/drawing/2014/main" id="{E00CEEC0-6B39-2690-D5FA-BC4675D60252}"/>
+                </a:ext>
+              </a:extLst>
+            </p:cNvPr>
+            <p:cNvSpPr/>
+            <p:nvPr/>
+          </p:nvSpPr>
+          <p:spPr>
+            <a:xfrm rot="16200000">
+              <a:off x="4955765" y="5212418"/>
+              <a:ext cx="1920805" cy="387435"/>
+            </a:xfrm>
+            <a:prstGeom prst="roundRect">
+              <a:avLst/>
+            </a:prstGeom>
+            <a:solidFill>
+              <a:schemeClr val="accent5">
+                <a:lumMod val="20000"/>
+                <a:lumOff val="80000"/>
+              </a:schemeClr>
             </a:solidFill>
-          </a:ln>
-          <a:effectLst>
-            <a:outerShdw blurRad="50800" dist="38100" dir="2700000" algn="tl" rotWithShape="0">
-              <a:prstClr val="black">
-                <a:alpha val="40000"/>
-              </a:prstClr>
-            </a:outerShdw>
-          </a:effectLst>
-        </p:spPr>
-        <p:style>
-          <a:lnRef idx="1">
-            <a:schemeClr val="accent4"/>
-          </a:lnRef>
-          <a:fillRef idx="2">
-            <a:schemeClr val="accent4"/>
-          </a:fillRef>
-          <a:effectRef idx="1">
-            <a:schemeClr val="accent4"/>
-          </a:effectRef>
-          <a:fontRef idx="minor">
-            <a:schemeClr val="dk1"/>
-          </a:fontRef>
-        </p:style>
-        <p:txBody>
-          <a:bodyPr rtlCol="0" anchor="ctr"/>
-          <a:lstStyle/>
-          <a:p>
-            <a:pPr algn="ctr"/>
-            <a:r>
-              <a:rPr lang="en-US" sz="1600" dirty="0"/>
-              <a:t>Workflow </a:t>
-            </a:r>
-          </a:p>
-          <a:p>
-            <a:pPr algn="ctr"/>
-            <a:r>
-              <a:rPr lang="en-US" sz="1600" dirty="0"/>
-              <a:t>Compute Coordinator</a:t>
-            </a:r>
-          </a:p>
-        </p:txBody>
-      </p:sp>
-      <p:sp>
-        <p:nvSpPr>
-          <p:cNvPr id="17" name="Rounded Rectangle 16">
-            <a:extLst>
-              <a:ext uri="{FF2B5EF4-FFF2-40B4-BE49-F238E27FC236}">
-                <a16:creationId xmlns:a16="http://schemas.microsoft.com/office/drawing/2014/main" id="{6F9436B4-030A-6291-10EA-FD08339A5B2F}"/>
-              </a:ext>
-            </a:extLst>
-          </p:cNvPr>
-          <p:cNvSpPr/>
-          <p:nvPr/>
-        </p:nvSpPr>
-        <p:spPr>
-          <a:xfrm>
-            <a:off x="6771773" y="2411599"/>
-            <a:ext cx="1461245" cy="868658"/>
-          </a:xfrm>
-          <a:prstGeom prst="roundRect">
-            <a:avLst/>
-          </a:prstGeom>
-          <a:solidFill>
-            <a:schemeClr val="accent2">
-              <a:lumMod val="20000"/>
-              <a:lumOff val="80000"/>
-            </a:schemeClr>
-          </a:solidFill>
-          <a:ln w="12700">
+            <a:ln w="12700">
+              <a:solidFill>
+                <a:schemeClr val="tx1"/>
+              </a:solidFill>
+            </a:ln>
+            <a:effectLst>
+              <a:outerShdw blurRad="50800" dist="38100" dir="2700000" algn="tl" rotWithShape="0">
+                <a:prstClr val="black">
+                  <a:alpha val="40000"/>
+                </a:prstClr>
+              </a:outerShdw>
+            </a:effectLst>
+          </p:spPr>
+          <p:style>
+            <a:lnRef idx="1">
+              <a:schemeClr val="accent4"/>
+            </a:lnRef>
+            <a:fillRef idx="2">
+              <a:schemeClr val="accent4"/>
+            </a:fillRef>
+            <a:effectRef idx="1">
+              <a:schemeClr val="accent4"/>
+            </a:effectRef>
+            <a:fontRef idx="minor">
+              <a:schemeClr val="dk1"/>
+            </a:fontRef>
+          </p:style>
+          <p:txBody>
+            <a:bodyPr rtlCol="0" anchor="ctr"/>
+            <a:lstStyle/>
+            <a:p>
+              <a:pPr algn="ctr"/>
+              <a:r>
+                <a:rPr lang="en-US" sz="1200" dirty="0"/>
+                <a:t>Localhost (WSL, Windows)</a:t>
+              </a:r>
+            </a:p>
+          </p:txBody>
+        </p:sp>
+        <p:sp>
+          <p:nvSpPr>
+            <p:cNvPr id="32" name="Rounded Rectangle 31">
+              <a:extLst>
+                <a:ext uri="{FF2B5EF4-FFF2-40B4-BE49-F238E27FC236}">
+                  <a16:creationId xmlns:a16="http://schemas.microsoft.com/office/drawing/2014/main" id="{6FC16B69-4852-0E0C-69F5-0CC9E3C2FCDE}"/>
+                </a:ext>
+              </a:extLst>
+            </p:cNvPr>
+            <p:cNvSpPr/>
+            <p:nvPr/>
+          </p:nvSpPr>
+          <p:spPr>
+            <a:xfrm rot="16200000">
+              <a:off x="7516878" y="4623093"/>
+              <a:ext cx="1423007" cy="387437"/>
+            </a:xfrm>
+            <a:prstGeom prst="roundRect">
+              <a:avLst/>
+            </a:prstGeom>
             <a:solidFill>
+              <a:schemeClr val="accent2">
+                <a:lumMod val="20000"/>
+                <a:lumOff val="80000"/>
+              </a:schemeClr>
+            </a:solidFill>
+            <a:ln w="12700">
+              <a:solidFill>
+                <a:schemeClr val="tx1"/>
+              </a:solidFill>
+            </a:ln>
+            <a:effectLst>
+              <a:outerShdw blurRad="50800" dist="38100" dir="2700000" algn="tl" rotWithShape="0">
+                <a:prstClr val="black">
+                  <a:alpha val="40000"/>
+                </a:prstClr>
+              </a:outerShdw>
+            </a:effectLst>
+          </p:spPr>
+          <p:style>
+            <a:lnRef idx="1">
+              <a:schemeClr val="accent4"/>
+            </a:lnRef>
+            <a:fillRef idx="2">
+              <a:schemeClr val="accent4"/>
+            </a:fillRef>
+            <a:effectRef idx="1">
+              <a:schemeClr val="accent4"/>
+            </a:effectRef>
+            <a:fontRef idx="minor">
+              <a:schemeClr val="dk1"/>
+            </a:fontRef>
+          </p:style>
+          <p:txBody>
+            <a:bodyPr rtlCol="0" anchor="ctr"/>
+            <a:lstStyle/>
+            <a:p>
+              <a:pPr algn="ctr"/>
+              <a:r>
+                <a:rPr lang="en-US" sz="1200" dirty="0"/>
+                <a:t>Workflow </a:t>
+              </a:r>
+              <a:r>
+                <a:rPr lang="en-US" sz="1200" dirty="0" err="1"/>
+                <a:t>Graoh</a:t>
+              </a:r>
+              <a:endParaRPr lang="en-US" sz="1200" dirty="0"/>
+            </a:p>
+          </p:txBody>
+        </p:sp>
+        <p:sp>
+          <p:nvSpPr>
+            <p:cNvPr id="33" name="Rounded Rectangle 32">
+              <a:extLst>
+                <a:ext uri="{FF2B5EF4-FFF2-40B4-BE49-F238E27FC236}">
+                  <a16:creationId xmlns:a16="http://schemas.microsoft.com/office/drawing/2014/main" id="{718C4BB6-1A6F-E1E8-B777-3305B6E6762B}"/>
+                </a:ext>
+              </a:extLst>
+            </p:cNvPr>
+            <p:cNvSpPr/>
+            <p:nvPr/>
+          </p:nvSpPr>
+          <p:spPr>
+            <a:xfrm rot="16200000">
+              <a:off x="7963940" y="4630464"/>
+              <a:ext cx="1423007" cy="387437"/>
+            </a:xfrm>
+            <a:prstGeom prst="roundRect">
+              <a:avLst/>
+            </a:prstGeom>
+            <a:solidFill>
+              <a:schemeClr val="accent2">
+                <a:lumMod val="20000"/>
+                <a:lumOff val="80000"/>
+              </a:schemeClr>
+            </a:solidFill>
+            <a:ln w="12700">
+              <a:solidFill>
+                <a:schemeClr val="tx1"/>
+              </a:solidFill>
+            </a:ln>
+            <a:effectLst>
+              <a:outerShdw blurRad="50800" dist="38100" dir="2700000" algn="tl" rotWithShape="0">
+                <a:prstClr val="black">
+                  <a:alpha val="40000"/>
+                </a:prstClr>
+              </a:outerShdw>
+            </a:effectLst>
+          </p:spPr>
+          <p:style>
+            <a:lnRef idx="1">
+              <a:schemeClr val="accent4"/>
+            </a:lnRef>
+            <a:fillRef idx="2">
+              <a:schemeClr val="accent4"/>
+            </a:fillRef>
+            <a:effectRef idx="1">
+              <a:schemeClr val="accent4"/>
+            </a:effectRef>
+            <a:fontRef idx="minor">
+              <a:schemeClr val="dk1"/>
+            </a:fontRef>
+          </p:style>
+          <p:txBody>
+            <a:bodyPr rtlCol="0" anchor="ctr"/>
+            <a:lstStyle/>
+            <a:p>
+              <a:pPr algn="ctr"/>
+              <a:r>
+                <a:rPr lang="en-US" sz="1200" dirty="0"/>
+                <a:t>Workflow Table</a:t>
+              </a:r>
+            </a:p>
+          </p:txBody>
+        </p:sp>
+        <p:sp>
+          <p:nvSpPr>
+            <p:cNvPr id="34" name="Right Brace 33">
+              <a:extLst>
+                <a:ext uri="{FF2B5EF4-FFF2-40B4-BE49-F238E27FC236}">
+                  <a16:creationId xmlns:a16="http://schemas.microsoft.com/office/drawing/2014/main" id="{DB9D825A-4049-C800-9A74-C85A6A9178A2}"/>
+                </a:ext>
+              </a:extLst>
+            </p:cNvPr>
+            <p:cNvSpPr/>
+            <p:nvPr/>
+          </p:nvSpPr>
+          <p:spPr>
+            <a:xfrm rot="16200000">
+              <a:off x="8480825" y="2938379"/>
+              <a:ext cx="329393" cy="1237153"/>
+            </a:xfrm>
+            <a:prstGeom prst="rightBrace">
+              <a:avLst>
+                <a:gd name="adj1" fmla="val 8333"/>
+                <a:gd name="adj2" fmla="val 7225"/>
+              </a:avLst>
+            </a:prstGeom>
+            <a:ln w="25400">
+              <a:solidFill>
+                <a:schemeClr val="tx1"/>
+              </a:solidFill>
+            </a:ln>
+          </p:spPr>
+          <p:style>
+            <a:lnRef idx="1">
+              <a:schemeClr val="accent1"/>
+            </a:lnRef>
+            <a:fillRef idx="0">
+              <a:schemeClr val="accent1"/>
+            </a:fillRef>
+            <a:effectRef idx="0">
+              <a:schemeClr val="accent1"/>
+            </a:effectRef>
+            <a:fontRef idx="minor">
               <a:schemeClr val="tx1"/>
+            </a:fontRef>
+          </p:style>
+          <p:txBody>
+            <a:bodyPr rtlCol="0" anchor="ctr"/>
+            <a:lstStyle/>
+            <a:p>
+              <a:pPr algn="ctr"/>
+              <a:endParaRPr lang="en-US" sz="1200"/>
+            </a:p>
+          </p:txBody>
+        </p:sp>
+        <p:sp>
+          <p:nvSpPr>
+            <p:cNvPr id="35" name="Right Brace 34">
+              <a:extLst>
+                <a:ext uri="{FF2B5EF4-FFF2-40B4-BE49-F238E27FC236}">
+                  <a16:creationId xmlns:a16="http://schemas.microsoft.com/office/drawing/2014/main" id="{0B3F2EC1-CFCC-88F9-4A56-2E30E1B67C1C}"/>
+                </a:ext>
+              </a:extLst>
+            </p:cNvPr>
+            <p:cNvSpPr/>
+            <p:nvPr/>
+          </p:nvSpPr>
+          <p:spPr>
+            <a:xfrm rot="16200000">
+              <a:off x="3288643" y="2863074"/>
+              <a:ext cx="276147" cy="1461243"/>
+            </a:xfrm>
+            <a:prstGeom prst="rightBrace">
+              <a:avLst>
+                <a:gd name="adj1" fmla="val 8333"/>
+                <a:gd name="adj2" fmla="val 79495"/>
+              </a:avLst>
+            </a:prstGeom>
+            <a:ln w="25400">
+              <a:solidFill>
+                <a:schemeClr val="tx1"/>
+              </a:solidFill>
+            </a:ln>
+          </p:spPr>
+          <p:style>
+            <a:lnRef idx="1">
+              <a:schemeClr val="accent1"/>
+            </a:lnRef>
+            <a:fillRef idx="0">
+              <a:schemeClr val="accent1"/>
+            </a:fillRef>
+            <a:effectRef idx="0">
+              <a:schemeClr val="accent1"/>
+            </a:effectRef>
+            <a:fontRef idx="minor">
+              <a:schemeClr val="tx1"/>
+            </a:fontRef>
+          </p:style>
+          <p:txBody>
+            <a:bodyPr rtlCol="0" anchor="ctr"/>
+            <a:lstStyle/>
+            <a:p>
+              <a:pPr algn="ctr"/>
+              <a:endParaRPr lang="en-US" sz="1200"/>
+            </a:p>
+          </p:txBody>
+        </p:sp>
+        <p:sp>
+          <p:nvSpPr>
+            <p:cNvPr id="36" name="Can 35">
+              <a:extLst>
+                <a:ext uri="{FF2B5EF4-FFF2-40B4-BE49-F238E27FC236}">
+                  <a16:creationId xmlns:a16="http://schemas.microsoft.com/office/drawing/2014/main" id="{8C5725E1-C544-2271-A198-8EF8E8A09EB9}"/>
+                </a:ext>
+              </a:extLst>
+            </p:cNvPr>
+            <p:cNvSpPr/>
+            <p:nvPr/>
+          </p:nvSpPr>
+          <p:spPr>
+            <a:xfrm>
+              <a:off x="2458103" y="4164267"/>
+              <a:ext cx="750638" cy="801607"/>
+            </a:xfrm>
+            <a:prstGeom prst="can">
+              <a:avLst/>
+            </a:prstGeom>
+            <a:solidFill>
+              <a:schemeClr val="bg2">
+                <a:lumMod val="90000"/>
+              </a:schemeClr>
             </a:solidFill>
-          </a:ln>
-          <a:effectLst>
-            <a:outerShdw blurRad="50800" dist="38100" dir="2700000" algn="tl" rotWithShape="0">
-              <a:prstClr val="black">
-                <a:alpha val="40000"/>
-              </a:prstClr>
-            </a:outerShdw>
-          </a:effectLst>
-        </p:spPr>
-        <p:style>
-          <a:lnRef idx="1">
-            <a:schemeClr val="accent4"/>
-          </a:lnRef>
-          <a:fillRef idx="2">
-            <a:schemeClr val="accent4"/>
-          </a:fillRef>
-          <a:effectRef idx="1">
-            <a:schemeClr val="accent4"/>
-          </a:effectRef>
-          <a:fontRef idx="minor">
-            <a:schemeClr val="dk1"/>
-          </a:fontRef>
-        </p:style>
-        <p:txBody>
-          <a:bodyPr rtlCol="0" anchor="ctr"/>
-          <a:lstStyle/>
-          <a:p>
-            <a:pPr algn="ctr"/>
-            <a:r>
-              <a:rPr lang="en-US" sz="1600" dirty="0"/>
-              <a:t>Workflow </a:t>
-            </a:r>
-          </a:p>
-          <a:p>
-            <a:pPr algn="ctr"/>
-            <a:r>
-              <a:rPr lang="en-US" sz="1600" dirty="0"/>
-              <a:t>Monitor</a:t>
-            </a:r>
-          </a:p>
-        </p:txBody>
-      </p:sp>
-      <p:sp>
-        <p:nvSpPr>
-          <p:cNvPr id="18" name="Rounded Rectangle 17">
-            <a:extLst>
-              <a:ext uri="{FF2B5EF4-FFF2-40B4-BE49-F238E27FC236}">
-                <a16:creationId xmlns:a16="http://schemas.microsoft.com/office/drawing/2014/main" id="{D3146123-79CF-A646-FA93-A4ED51D14D0E}"/>
-              </a:ext>
-            </a:extLst>
-          </p:cNvPr>
-          <p:cNvSpPr/>
-          <p:nvPr/>
-        </p:nvSpPr>
-        <p:spPr>
-          <a:xfrm rot="16200000">
-            <a:off x="3738022" y="5215357"/>
-            <a:ext cx="1920805" cy="387435"/>
-          </a:xfrm>
-          <a:prstGeom prst="roundRect">
-            <a:avLst/>
-          </a:prstGeom>
-          <a:solidFill>
-            <a:schemeClr val="accent5">
-              <a:lumMod val="20000"/>
-              <a:lumOff val="80000"/>
-            </a:schemeClr>
-          </a:solidFill>
-          <a:ln w="12700">
+            <a:effectLst>
+              <a:outerShdw blurRad="50800" dist="38100" dir="2700000" algn="tl" rotWithShape="0">
+                <a:prstClr val="black">
+                  <a:alpha val="40000"/>
+                </a:prstClr>
+              </a:outerShdw>
+            </a:effectLst>
+          </p:spPr>
+          <p:style>
+            <a:lnRef idx="1">
+              <a:schemeClr val="accent2"/>
+            </a:lnRef>
+            <a:fillRef idx="2">
+              <a:schemeClr val="accent2"/>
+            </a:fillRef>
+            <a:effectRef idx="1">
+              <a:schemeClr val="accent2"/>
+            </a:effectRef>
+            <a:fontRef idx="minor">
+              <a:schemeClr val="dk1"/>
+            </a:fontRef>
+          </p:style>
+          <p:txBody>
+            <a:bodyPr rtlCol="0" anchor="ctr"/>
+            <a:lstStyle/>
+            <a:p>
+              <a:pPr algn="ctr"/>
+              <a:r>
+                <a:rPr lang="en-US" sz="1200" dirty="0"/>
+                <a:t>Mongo</a:t>
+              </a:r>
+            </a:p>
+            <a:p>
+              <a:pPr algn="ctr"/>
+              <a:r>
+                <a:rPr lang="en-US" sz="1200" dirty="0"/>
+                <a:t>DB</a:t>
+              </a:r>
+            </a:p>
+          </p:txBody>
+        </p:sp>
+        <p:sp>
+          <p:nvSpPr>
+            <p:cNvPr id="37" name="TextBox 36">
+              <a:extLst>
+                <a:ext uri="{FF2B5EF4-FFF2-40B4-BE49-F238E27FC236}">
+                  <a16:creationId xmlns:a16="http://schemas.microsoft.com/office/drawing/2014/main" id="{F845D3F1-3292-2E27-C86C-9EC143927E51}"/>
+                </a:ext>
+              </a:extLst>
+            </p:cNvPr>
+            <p:cNvSpPr txBox="1"/>
+            <p:nvPr/>
+          </p:nvSpPr>
+          <p:spPr>
+            <a:xfrm>
+              <a:off x="2417370" y="3779023"/>
+              <a:ext cx="2094163" cy="276999"/>
+            </a:xfrm>
+            <a:prstGeom prst="rect">
+              <a:avLst/>
+            </a:prstGeom>
+            <a:noFill/>
+          </p:spPr>
+          <p:txBody>
+            <a:bodyPr wrap="none" rtlCol="0">
+              <a:spAutoFit/>
+            </a:bodyPr>
+            <a:lstStyle/>
+            <a:p>
+              <a:r>
+                <a:rPr lang="en-US" sz="1200" dirty="0"/>
+                <a:t>Possible Database Alternatives</a:t>
+              </a:r>
+            </a:p>
+          </p:txBody>
+        </p:sp>
+        <p:sp>
+          <p:nvSpPr>
+            <p:cNvPr id="39" name="TextBox 38">
+              <a:extLst>
+                <a:ext uri="{FF2B5EF4-FFF2-40B4-BE49-F238E27FC236}">
+                  <a16:creationId xmlns:a16="http://schemas.microsoft.com/office/drawing/2014/main" id="{4C7A17B1-B6CD-FA81-DA70-2BC79D918E36}"/>
+                </a:ext>
+              </a:extLst>
+            </p:cNvPr>
+            <p:cNvSpPr txBox="1"/>
+            <p:nvPr/>
+          </p:nvSpPr>
+          <p:spPr>
+            <a:xfrm>
+              <a:off x="8157897" y="3745569"/>
+              <a:ext cx="1422529" cy="276999"/>
+            </a:xfrm>
+            <a:prstGeom prst="rect">
+              <a:avLst/>
+            </a:prstGeom>
+            <a:noFill/>
+          </p:spPr>
+          <p:txBody>
+            <a:bodyPr wrap="square" rtlCol="0">
+              <a:spAutoFit/>
+            </a:bodyPr>
+            <a:lstStyle/>
+            <a:p>
+              <a:r>
+                <a:rPr lang="en-US" sz="1200" dirty="0"/>
+                <a:t>Visualization</a:t>
+              </a:r>
+              <a:endParaRPr lang="en-US" dirty="0"/>
+            </a:p>
+          </p:txBody>
+        </p:sp>
+        <p:sp>
+          <p:nvSpPr>
+            <p:cNvPr id="40" name="Rounded Rectangle 39">
+              <a:extLst>
+                <a:ext uri="{FF2B5EF4-FFF2-40B4-BE49-F238E27FC236}">
+                  <a16:creationId xmlns:a16="http://schemas.microsoft.com/office/drawing/2014/main" id="{D0DEEC2D-1F56-B79C-80E1-C6C0300619A7}"/>
+                </a:ext>
+              </a:extLst>
+            </p:cNvPr>
+            <p:cNvSpPr/>
+            <p:nvPr/>
+          </p:nvSpPr>
+          <p:spPr>
+            <a:xfrm rot="16200000">
+              <a:off x="8451673" y="4633334"/>
+              <a:ext cx="1423007" cy="387437"/>
+            </a:xfrm>
+            <a:prstGeom prst="roundRect">
+              <a:avLst/>
+            </a:prstGeom>
             <a:solidFill>
-              <a:schemeClr val="tx1"/>
+              <a:schemeClr val="accent2">
+                <a:lumMod val="20000"/>
+                <a:lumOff val="80000"/>
+              </a:schemeClr>
             </a:solidFill>
-          </a:ln>
-          <a:effectLst>
-            <a:outerShdw blurRad="50800" dist="38100" dir="2700000" algn="tl" rotWithShape="0">
-              <a:prstClr val="black">
-                <a:alpha val="40000"/>
-              </a:prstClr>
-            </a:outerShdw>
-          </a:effectLst>
-        </p:spPr>
-        <p:style>
-          <a:lnRef idx="1">
-            <a:schemeClr val="accent4"/>
-          </a:lnRef>
-          <a:fillRef idx="2">
-            <a:schemeClr val="accent4"/>
-          </a:fillRef>
-          <a:effectRef idx="1">
-            <a:schemeClr val="accent4"/>
-          </a:effectRef>
-          <a:fontRef idx="minor">
-            <a:schemeClr val="dk1"/>
-          </a:fontRef>
-        </p:style>
-        <p:txBody>
-          <a:bodyPr rtlCol="0" anchor="ctr"/>
-          <a:lstStyle/>
-          <a:p>
-            <a:pPr algn="ctr"/>
-            <a:r>
-              <a:rPr lang="en-US" sz="1200" dirty="0"/>
-              <a:t>Localhost (Linux)</a:t>
-            </a:r>
-          </a:p>
-        </p:txBody>
-      </p:sp>
-      <p:sp>
-        <p:nvSpPr>
-          <p:cNvPr id="19" name="Right Brace 18">
-            <a:extLst>
-              <a:ext uri="{FF2B5EF4-FFF2-40B4-BE49-F238E27FC236}">
-                <a16:creationId xmlns:a16="http://schemas.microsoft.com/office/drawing/2014/main" id="{310CF117-4962-3881-6F2D-16F1FB7FA46A}"/>
-              </a:ext>
-            </a:extLst>
-          </p:cNvPr>
-          <p:cNvSpPr/>
-          <p:nvPr/>
-        </p:nvSpPr>
-        <p:spPr>
-          <a:xfrm rot="16200000">
-            <a:off x="5798797" y="2572867"/>
-            <a:ext cx="276146" cy="2021755"/>
-          </a:xfrm>
-          <a:prstGeom prst="rightBrace">
-            <a:avLst/>
-          </a:prstGeom>
-          <a:ln w="25400">
+            <a:ln w="12700">
+              <a:solidFill>
+                <a:schemeClr val="tx1"/>
+              </a:solidFill>
+            </a:ln>
+            <a:effectLst>
+              <a:outerShdw blurRad="50800" dist="38100" dir="2700000" algn="tl" rotWithShape="0">
+                <a:prstClr val="black">
+                  <a:alpha val="40000"/>
+                </a:prstClr>
+              </a:outerShdw>
+            </a:effectLst>
+          </p:spPr>
+          <p:style>
+            <a:lnRef idx="1">
+              <a:schemeClr val="accent4"/>
+            </a:lnRef>
+            <a:fillRef idx="2">
+              <a:schemeClr val="accent4"/>
+            </a:fillRef>
+            <a:effectRef idx="1">
+              <a:schemeClr val="accent4"/>
+            </a:effectRef>
+            <a:fontRef idx="minor">
+              <a:schemeClr val="dk1"/>
+            </a:fontRef>
+          </p:style>
+          <p:txBody>
+            <a:bodyPr rtlCol="0" anchor="ctr"/>
+            <a:lstStyle/>
+            <a:p>
+              <a:pPr algn="ctr"/>
+              <a:r>
+                <a:rPr lang="en-US" sz="2400" dirty="0"/>
+                <a:t>…</a:t>
+              </a:r>
+            </a:p>
+          </p:txBody>
+        </p:sp>
+        <p:sp>
+          <p:nvSpPr>
+            <p:cNvPr id="14" name="Rounded Rectangle 13">
+              <a:extLst>
+                <a:ext uri="{FF2B5EF4-FFF2-40B4-BE49-F238E27FC236}">
+                  <a16:creationId xmlns:a16="http://schemas.microsoft.com/office/drawing/2014/main" id="{77A6B58A-C317-2D73-FEC5-87F9994839D9}"/>
+                </a:ext>
+              </a:extLst>
+            </p:cNvPr>
+            <p:cNvSpPr/>
+            <p:nvPr/>
+          </p:nvSpPr>
+          <p:spPr>
+            <a:xfrm>
+              <a:off x="3502702" y="1632597"/>
+              <a:ext cx="4759820" cy="619001"/>
+            </a:xfrm>
+            <a:prstGeom prst="roundRect">
+              <a:avLst/>
+            </a:prstGeom>
             <a:solidFill>
-              <a:schemeClr val="tx1"/>
+              <a:schemeClr val="accent4">
+                <a:lumMod val="20000"/>
+                <a:lumOff val="80000"/>
+              </a:schemeClr>
             </a:solidFill>
-          </a:ln>
-        </p:spPr>
-        <p:style>
-          <a:lnRef idx="1">
-            <a:schemeClr val="accent1"/>
-          </a:lnRef>
-          <a:fillRef idx="0">
-            <a:schemeClr val="accent1"/>
-          </a:fillRef>
-          <a:effectRef idx="0">
-            <a:schemeClr val="accent1"/>
-          </a:effectRef>
-          <a:fontRef idx="minor">
-            <a:schemeClr val="tx1"/>
-          </a:fontRef>
-        </p:style>
-        <p:txBody>
-          <a:bodyPr rtlCol="0" anchor="ctr"/>
-          <a:lstStyle/>
-          <a:p>
-            <a:pPr algn="ctr"/>
-            <a:endParaRPr lang="en-US" sz="1200"/>
-          </a:p>
-        </p:txBody>
-      </p:sp>
-      <p:sp>
-        <p:nvSpPr>
-          <p:cNvPr id="20" name="Rounded Rectangle 19">
-            <a:extLst>
-              <a:ext uri="{FF2B5EF4-FFF2-40B4-BE49-F238E27FC236}">
-                <a16:creationId xmlns:a16="http://schemas.microsoft.com/office/drawing/2014/main" id="{FD925B87-C932-CEDD-530F-1CB2ADF42EF1}"/>
-              </a:ext>
-            </a:extLst>
-          </p:cNvPr>
-          <p:cNvSpPr/>
-          <p:nvPr/>
-        </p:nvSpPr>
-        <p:spPr>
-          <a:xfrm rot="16200000">
-            <a:off x="4133558" y="5212419"/>
-            <a:ext cx="1920805" cy="387435"/>
-          </a:xfrm>
-          <a:prstGeom prst="roundRect">
-            <a:avLst/>
-          </a:prstGeom>
-          <a:solidFill>
-            <a:schemeClr val="accent5">
-              <a:lumMod val="20000"/>
-              <a:lumOff val="80000"/>
-            </a:schemeClr>
-          </a:solidFill>
-          <a:ln w="12700">
+            <a:ln w="12700">
+              <a:solidFill>
+                <a:schemeClr val="tx1"/>
+              </a:solidFill>
+            </a:ln>
+            <a:effectLst>
+              <a:outerShdw blurRad="50800" dist="38100" dir="2700000" algn="tl" rotWithShape="0">
+                <a:prstClr val="black">
+                  <a:alpha val="40000"/>
+                </a:prstClr>
+              </a:outerShdw>
+            </a:effectLst>
+          </p:spPr>
+          <p:style>
+            <a:lnRef idx="1">
+              <a:schemeClr val="accent4"/>
+            </a:lnRef>
+            <a:fillRef idx="2">
+              <a:schemeClr val="accent4"/>
+            </a:fillRef>
+            <a:effectRef idx="1">
+              <a:schemeClr val="accent4"/>
+            </a:effectRef>
+            <a:fontRef idx="minor">
+              <a:schemeClr val="dk1"/>
+            </a:fontRef>
+          </p:style>
+          <p:txBody>
+            <a:bodyPr rtlCol="0" anchor="ctr"/>
+            <a:lstStyle/>
+            <a:p>
+              <a:pPr algn="ctr"/>
+              <a:r>
+                <a:rPr lang="en-US" sz="1600" dirty="0"/>
+                <a:t>REST Service </a:t>
+              </a:r>
+            </a:p>
+            <a:p>
+              <a:pPr algn="ctr"/>
+              <a:r>
+                <a:rPr lang="en-US" sz="1600" dirty="0"/>
+                <a:t>&amp; Python API</a:t>
+              </a:r>
+            </a:p>
+          </p:txBody>
+        </p:sp>
+        <p:sp>
+          <p:nvSpPr>
+            <p:cNvPr id="13" name="Rounded Rectangle 12">
+              <a:extLst>
+                <a:ext uri="{FF2B5EF4-FFF2-40B4-BE49-F238E27FC236}">
+                  <a16:creationId xmlns:a16="http://schemas.microsoft.com/office/drawing/2014/main" id="{F7F3DCD7-4B0B-9766-572E-4CC36207D958}"/>
+                </a:ext>
+              </a:extLst>
+            </p:cNvPr>
+            <p:cNvSpPr/>
+            <p:nvPr/>
+          </p:nvSpPr>
+          <p:spPr>
+            <a:xfrm>
+              <a:off x="3502702" y="879699"/>
+              <a:ext cx="2408994" cy="619001"/>
+            </a:xfrm>
+            <a:prstGeom prst="roundRect">
+              <a:avLst/>
+            </a:prstGeom>
             <a:solidFill>
-              <a:schemeClr val="tx1"/>
+              <a:schemeClr val="accent6">
+                <a:lumMod val="20000"/>
+                <a:lumOff val="80000"/>
+              </a:schemeClr>
             </a:solidFill>
-          </a:ln>
-          <a:effectLst>
-            <a:outerShdw blurRad="50800" dist="38100" dir="2700000" algn="tl" rotWithShape="0">
-              <a:prstClr val="black">
-                <a:alpha val="40000"/>
-              </a:prstClr>
-            </a:outerShdw>
-          </a:effectLst>
-        </p:spPr>
-        <p:style>
-          <a:lnRef idx="1">
-            <a:schemeClr val="accent4"/>
-          </a:lnRef>
-          <a:fillRef idx="2">
-            <a:schemeClr val="accent4"/>
-          </a:fillRef>
-          <a:effectRef idx="1">
-            <a:schemeClr val="accent4"/>
-          </a:effectRef>
-          <a:fontRef idx="minor">
-            <a:schemeClr val="dk1"/>
-          </a:fontRef>
-        </p:style>
-        <p:txBody>
-          <a:bodyPr rtlCol="0" anchor="ctr"/>
-          <a:lstStyle/>
-          <a:p>
-            <a:pPr algn="ctr"/>
-            <a:r>
-              <a:rPr lang="en-US" sz="1200" dirty="0"/>
-              <a:t>Localhost (</a:t>
-            </a:r>
-            <a:r>
-              <a:rPr lang="en-US" sz="1200" dirty="0" err="1"/>
-              <a:t>MacOs</a:t>
-            </a:r>
-            <a:r>
-              <a:rPr lang="en-US" sz="1200" dirty="0"/>
-              <a:t>)</a:t>
-            </a:r>
-          </a:p>
-        </p:txBody>
-      </p:sp>
-      <p:sp>
-        <p:nvSpPr>
-          <p:cNvPr id="21" name="Rounded Rectangle 20">
-            <a:extLst>
-              <a:ext uri="{FF2B5EF4-FFF2-40B4-BE49-F238E27FC236}">
-                <a16:creationId xmlns:a16="http://schemas.microsoft.com/office/drawing/2014/main" id="{95C7D0B3-25D9-BE08-0DE1-FCC18C1C9195}"/>
-              </a:ext>
-            </a:extLst>
-          </p:cNvPr>
-          <p:cNvSpPr/>
-          <p:nvPr/>
-        </p:nvSpPr>
-        <p:spPr>
-          <a:xfrm rot="16200000">
-            <a:off x="4540152" y="5212418"/>
-            <a:ext cx="1920805" cy="387435"/>
-          </a:xfrm>
-          <a:prstGeom prst="roundRect">
-            <a:avLst/>
-          </a:prstGeom>
-          <a:solidFill>
-            <a:schemeClr val="accent5">
-              <a:lumMod val="20000"/>
-              <a:lumOff val="80000"/>
-            </a:schemeClr>
-          </a:solidFill>
-          <a:ln w="12700">
-            <a:solidFill>
-              <a:schemeClr val="tx1"/>
-            </a:solidFill>
-          </a:ln>
-          <a:effectLst>
-            <a:outerShdw blurRad="50800" dist="38100" dir="2700000" algn="tl" rotWithShape="0">
-              <a:prstClr val="black">
-                <a:alpha val="40000"/>
-              </a:prstClr>
-            </a:outerShdw>
-          </a:effectLst>
-        </p:spPr>
-        <p:style>
-          <a:lnRef idx="1">
-            <a:schemeClr val="accent4"/>
-          </a:lnRef>
-          <a:fillRef idx="2">
-            <a:schemeClr val="accent4"/>
-          </a:fillRef>
-          <a:effectRef idx="1">
-            <a:schemeClr val="accent4"/>
-          </a:effectRef>
-          <a:fontRef idx="minor">
-            <a:schemeClr val="dk1"/>
-          </a:fontRef>
-        </p:style>
-        <p:txBody>
-          <a:bodyPr rtlCol="0" anchor="ctr"/>
-          <a:lstStyle/>
-          <a:p>
-            <a:pPr algn="ctr"/>
-            <a:r>
-              <a:rPr lang="en-US" sz="1200" dirty="0"/>
-              <a:t>Localhost (Windows)</a:t>
-            </a:r>
-          </a:p>
-        </p:txBody>
-      </p:sp>
-      <p:sp>
-        <p:nvSpPr>
-          <p:cNvPr id="22" name="Right Brace 21">
-            <a:extLst>
-              <a:ext uri="{FF2B5EF4-FFF2-40B4-BE49-F238E27FC236}">
-                <a16:creationId xmlns:a16="http://schemas.microsoft.com/office/drawing/2014/main" id="{26F5C990-FEE0-33B3-5311-32F1A6109135}"/>
-              </a:ext>
-            </a:extLst>
-          </p:cNvPr>
-          <p:cNvSpPr/>
-          <p:nvPr/>
-        </p:nvSpPr>
-        <p:spPr>
-          <a:xfrm rot="16200000">
-            <a:off x="5132122" y="3376136"/>
-            <a:ext cx="276146" cy="1638480"/>
-          </a:xfrm>
-          <a:prstGeom prst="rightBrace">
-            <a:avLst>
-              <a:gd name="adj1" fmla="val 8333"/>
-              <a:gd name="adj2" fmla="val 29351"/>
-            </a:avLst>
-          </a:prstGeom>
-          <a:ln w="25400">
-            <a:solidFill>
-              <a:schemeClr val="tx1"/>
-            </a:solidFill>
-          </a:ln>
-        </p:spPr>
-        <p:style>
-          <a:lnRef idx="1">
-            <a:schemeClr val="accent1"/>
-          </a:lnRef>
-          <a:fillRef idx="0">
-            <a:schemeClr val="accent1"/>
-          </a:fillRef>
-          <a:effectRef idx="0">
-            <a:schemeClr val="accent1"/>
-          </a:effectRef>
-          <a:fontRef idx="minor">
-            <a:schemeClr val="tx1"/>
-          </a:fontRef>
-        </p:style>
-        <p:txBody>
-          <a:bodyPr rtlCol="0" anchor="ctr"/>
-          <a:lstStyle/>
-          <a:p>
-            <a:pPr algn="ctr"/>
-            <a:endParaRPr lang="en-US" sz="1200"/>
-          </a:p>
-        </p:txBody>
-      </p:sp>
-      <p:sp>
-        <p:nvSpPr>
-          <p:cNvPr id="23" name="TextBox 22">
-            <a:extLst>
-              <a:ext uri="{FF2B5EF4-FFF2-40B4-BE49-F238E27FC236}">
-                <a16:creationId xmlns:a16="http://schemas.microsoft.com/office/drawing/2014/main" id="{701B916A-335C-476F-BCA7-E0663E979534}"/>
-              </a:ext>
-            </a:extLst>
-          </p:cNvPr>
-          <p:cNvSpPr txBox="1"/>
-          <p:nvPr/>
-        </p:nvSpPr>
-        <p:spPr>
-          <a:xfrm>
-            <a:off x="4655654" y="3767840"/>
-            <a:ext cx="776366" cy="276999"/>
-          </a:xfrm>
-          <a:prstGeom prst="rect">
-            <a:avLst/>
-          </a:prstGeom>
-          <a:noFill/>
-        </p:spPr>
-        <p:txBody>
-          <a:bodyPr wrap="none" rtlCol="0">
-            <a:spAutoFit/>
-          </a:bodyPr>
-          <a:lstStyle/>
-          <a:p>
-            <a:r>
-              <a:rPr lang="en-US" sz="1200" dirty="0"/>
-              <a:t>Localhost</a:t>
-            </a:r>
-          </a:p>
-        </p:txBody>
-      </p:sp>
-      <p:sp>
-        <p:nvSpPr>
-          <p:cNvPr id="24" name="Rounded Rectangle 23">
-            <a:extLst>
-              <a:ext uri="{FF2B5EF4-FFF2-40B4-BE49-F238E27FC236}">
-                <a16:creationId xmlns:a16="http://schemas.microsoft.com/office/drawing/2014/main" id="{4850FF8B-2968-18A7-CCF1-8AE608ED5486}"/>
-              </a:ext>
-            </a:extLst>
-          </p:cNvPr>
-          <p:cNvSpPr/>
-          <p:nvPr/>
-        </p:nvSpPr>
-        <p:spPr>
-          <a:xfrm rot="16200000">
-            <a:off x="5645405" y="5215357"/>
-            <a:ext cx="1920805" cy="387435"/>
-          </a:xfrm>
-          <a:prstGeom prst="roundRect">
-            <a:avLst/>
-          </a:prstGeom>
-          <a:solidFill>
-            <a:schemeClr val="accent5">
-              <a:lumMod val="20000"/>
-              <a:lumOff val="80000"/>
-            </a:schemeClr>
-          </a:solidFill>
-          <a:ln w="12700">
-            <a:solidFill>
-              <a:schemeClr val="tx1"/>
-            </a:solidFill>
-          </a:ln>
-          <a:effectLst>
-            <a:outerShdw blurRad="50800" dist="38100" dir="2700000" algn="tl" rotWithShape="0">
-              <a:prstClr val="black">
-                <a:alpha val="40000"/>
-              </a:prstClr>
-            </a:outerShdw>
-          </a:effectLst>
-        </p:spPr>
-        <p:style>
-          <a:lnRef idx="1">
-            <a:schemeClr val="accent4"/>
-          </a:lnRef>
-          <a:fillRef idx="2">
-            <a:schemeClr val="accent4"/>
-          </a:fillRef>
-          <a:effectRef idx="1">
-            <a:schemeClr val="accent4"/>
-          </a:effectRef>
-          <a:fontRef idx="minor">
-            <a:schemeClr val="dk1"/>
-          </a:fontRef>
-        </p:style>
-        <p:txBody>
-          <a:bodyPr rtlCol="0" anchor="ctr"/>
-          <a:lstStyle/>
-          <a:p>
-            <a:pPr algn="ctr"/>
-            <a:r>
-              <a:rPr lang="en-US" sz="1200" dirty="0"/>
-              <a:t>SLURM</a:t>
-            </a:r>
-          </a:p>
-        </p:txBody>
-      </p:sp>
-      <p:sp>
-        <p:nvSpPr>
-          <p:cNvPr id="25" name="Rounded Rectangle 24">
-            <a:extLst>
-              <a:ext uri="{FF2B5EF4-FFF2-40B4-BE49-F238E27FC236}">
-                <a16:creationId xmlns:a16="http://schemas.microsoft.com/office/drawing/2014/main" id="{C28FA37A-DFD1-6508-FA21-152AE9B921D1}"/>
-              </a:ext>
-            </a:extLst>
-          </p:cNvPr>
-          <p:cNvSpPr/>
-          <p:nvPr/>
-        </p:nvSpPr>
-        <p:spPr>
-          <a:xfrm rot="16200000">
-            <a:off x="6040942" y="5212419"/>
-            <a:ext cx="1920805" cy="387435"/>
-          </a:xfrm>
-          <a:prstGeom prst="roundRect">
-            <a:avLst/>
-          </a:prstGeom>
-          <a:solidFill>
-            <a:schemeClr val="accent5">
-              <a:lumMod val="20000"/>
-              <a:lumOff val="80000"/>
-            </a:schemeClr>
-          </a:solidFill>
-          <a:ln w="12700">
-            <a:solidFill>
-              <a:schemeClr val="tx1"/>
-            </a:solidFill>
-          </a:ln>
-          <a:effectLst>
-            <a:outerShdw blurRad="50800" dist="38100" dir="2700000" algn="tl" rotWithShape="0">
-              <a:prstClr val="black">
-                <a:alpha val="40000"/>
-              </a:prstClr>
-            </a:outerShdw>
-          </a:effectLst>
-        </p:spPr>
-        <p:style>
-          <a:lnRef idx="1">
-            <a:schemeClr val="accent4"/>
-          </a:lnRef>
-          <a:fillRef idx="2">
-            <a:schemeClr val="accent4"/>
-          </a:fillRef>
-          <a:effectRef idx="1">
-            <a:schemeClr val="accent4"/>
-          </a:effectRef>
-          <a:fontRef idx="minor">
-            <a:schemeClr val="dk1"/>
-          </a:fontRef>
-        </p:style>
-        <p:txBody>
-          <a:bodyPr rtlCol="0" anchor="ctr"/>
-          <a:lstStyle/>
-          <a:p>
-            <a:pPr algn="ctr"/>
-            <a:r>
-              <a:rPr lang="en-US" sz="1200" dirty="0"/>
-              <a:t>LSF</a:t>
-            </a:r>
-          </a:p>
-        </p:txBody>
-      </p:sp>
-      <p:sp>
-        <p:nvSpPr>
-          <p:cNvPr id="26" name="Rounded Rectangle 25">
-            <a:extLst>
-              <a:ext uri="{FF2B5EF4-FFF2-40B4-BE49-F238E27FC236}">
-                <a16:creationId xmlns:a16="http://schemas.microsoft.com/office/drawing/2014/main" id="{E2C645B6-5DDF-CA5F-523F-00C34F91D035}"/>
-              </a:ext>
-            </a:extLst>
-          </p:cNvPr>
-          <p:cNvSpPr/>
-          <p:nvPr/>
-        </p:nvSpPr>
-        <p:spPr>
-          <a:xfrm rot="16200000">
-            <a:off x="6447535" y="5212418"/>
-            <a:ext cx="1920805" cy="387435"/>
-          </a:xfrm>
-          <a:prstGeom prst="roundRect">
-            <a:avLst/>
-          </a:prstGeom>
-          <a:solidFill>
-            <a:schemeClr val="accent5">
-              <a:lumMod val="20000"/>
-              <a:lumOff val="80000"/>
-            </a:schemeClr>
-          </a:solidFill>
-          <a:ln w="12700">
-            <a:solidFill>
-              <a:schemeClr val="tx1"/>
-            </a:solidFill>
-          </a:ln>
-          <a:effectLst>
-            <a:outerShdw blurRad="50800" dist="38100" dir="2700000" algn="tl" rotWithShape="0">
-              <a:prstClr val="black">
-                <a:alpha val="40000"/>
-              </a:prstClr>
-            </a:outerShdw>
-          </a:effectLst>
-        </p:spPr>
-        <p:style>
-          <a:lnRef idx="1">
-            <a:schemeClr val="accent4"/>
-          </a:lnRef>
-          <a:fillRef idx="2">
-            <a:schemeClr val="accent4"/>
-          </a:fillRef>
-          <a:effectRef idx="1">
-            <a:schemeClr val="accent4"/>
-          </a:effectRef>
-          <a:fontRef idx="minor">
-            <a:schemeClr val="dk1"/>
-          </a:fontRef>
-        </p:style>
-        <p:txBody>
-          <a:bodyPr rtlCol="0" anchor="ctr"/>
-          <a:lstStyle/>
-          <a:p>
-            <a:pPr algn="ctr"/>
-            <a:r>
-              <a:rPr lang="en-US" sz="1200" dirty="0"/>
-              <a:t>SSH</a:t>
-            </a:r>
-          </a:p>
-        </p:txBody>
-      </p:sp>
-      <p:sp>
-        <p:nvSpPr>
-          <p:cNvPr id="27" name="Right Brace 26">
-            <a:extLst>
-              <a:ext uri="{FF2B5EF4-FFF2-40B4-BE49-F238E27FC236}">
-                <a16:creationId xmlns:a16="http://schemas.microsoft.com/office/drawing/2014/main" id="{115B55E5-0F88-757C-7044-018011C15840}"/>
-              </a:ext>
-            </a:extLst>
-          </p:cNvPr>
-          <p:cNvSpPr/>
-          <p:nvPr/>
-        </p:nvSpPr>
-        <p:spPr>
-          <a:xfrm rot="16200000">
-            <a:off x="6841924" y="3573717"/>
-            <a:ext cx="276146" cy="1243318"/>
-          </a:xfrm>
-          <a:prstGeom prst="rightBrace">
-            <a:avLst/>
-          </a:prstGeom>
-          <a:ln w="25400">
-            <a:solidFill>
-              <a:schemeClr val="tx1"/>
-            </a:solidFill>
-          </a:ln>
-        </p:spPr>
-        <p:style>
-          <a:lnRef idx="1">
-            <a:schemeClr val="accent1"/>
-          </a:lnRef>
-          <a:fillRef idx="0">
-            <a:schemeClr val="accent1"/>
-          </a:fillRef>
-          <a:effectRef idx="0">
-            <a:schemeClr val="accent1"/>
-          </a:effectRef>
-          <a:fontRef idx="minor">
-            <a:schemeClr val="tx1"/>
-          </a:fontRef>
-        </p:style>
-        <p:txBody>
-          <a:bodyPr rtlCol="0" anchor="ctr"/>
-          <a:lstStyle/>
-          <a:p>
-            <a:pPr algn="ctr"/>
-            <a:endParaRPr lang="en-US" sz="1200"/>
-          </a:p>
-        </p:txBody>
-      </p:sp>
-      <p:sp>
-        <p:nvSpPr>
-          <p:cNvPr id="28" name="TextBox 27">
-            <a:extLst>
-              <a:ext uri="{FF2B5EF4-FFF2-40B4-BE49-F238E27FC236}">
-                <a16:creationId xmlns:a16="http://schemas.microsoft.com/office/drawing/2014/main" id="{EEAEEA8B-DEA4-4E26-FE85-A915754213AB}"/>
-              </a:ext>
-            </a:extLst>
-          </p:cNvPr>
-          <p:cNvSpPr txBox="1"/>
-          <p:nvPr/>
-        </p:nvSpPr>
-        <p:spPr>
-          <a:xfrm>
-            <a:off x="6600049" y="3721819"/>
-            <a:ext cx="997709" cy="276999"/>
-          </a:xfrm>
-          <a:prstGeom prst="rect">
-            <a:avLst/>
-          </a:prstGeom>
-          <a:noFill/>
-        </p:spPr>
-        <p:txBody>
-          <a:bodyPr wrap="none" rtlCol="0">
-            <a:spAutoFit/>
-          </a:bodyPr>
-          <a:lstStyle/>
-          <a:p>
-            <a:r>
-              <a:rPr lang="en-US" sz="1200" dirty="0"/>
-              <a:t>Remote Host</a:t>
-            </a:r>
-          </a:p>
-        </p:txBody>
-      </p:sp>
-      <p:sp>
-        <p:nvSpPr>
-          <p:cNvPr id="29" name="Rounded Rectangle 28">
-            <a:extLst>
-              <a:ext uri="{FF2B5EF4-FFF2-40B4-BE49-F238E27FC236}">
-                <a16:creationId xmlns:a16="http://schemas.microsoft.com/office/drawing/2014/main" id="{E00CEEC0-6B39-2690-D5FA-BC4675D60252}"/>
-              </a:ext>
-            </a:extLst>
-          </p:cNvPr>
-          <p:cNvSpPr/>
-          <p:nvPr/>
-        </p:nvSpPr>
-        <p:spPr>
-          <a:xfrm rot="16200000">
-            <a:off x="4955765" y="5212418"/>
-            <a:ext cx="1920805" cy="387435"/>
-          </a:xfrm>
-          <a:prstGeom prst="roundRect">
-            <a:avLst/>
-          </a:prstGeom>
-          <a:solidFill>
-            <a:schemeClr val="accent5">
-              <a:lumMod val="20000"/>
-              <a:lumOff val="80000"/>
-            </a:schemeClr>
-          </a:solidFill>
-          <a:ln w="12700">
-            <a:solidFill>
-              <a:schemeClr val="tx1"/>
-            </a:solidFill>
-          </a:ln>
-          <a:effectLst>
-            <a:outerShdw blurRad="50800" dist="38100" dir="2700000" algn="tl" rotWithShape="0">
-              <a:prstClr val="black">
-                <a:alpha val="40000"/>
-              </a:prstClr>
-            </a:outerShdw>
-          </a:effectLst>
-        </p:spPr>
-        <p:style>
-          <a:lnRef idx="1">
-            <a:schemeClr val="accent4"/>
-          </a:lnRef>
-          <a:fillRef idx="2">
-            <a:schemeClr val="accent4"/>
-          </a:fillRef>
-          <a:effectRef idx="1">
-            <a:schemeClr val="accent4"/>
-          </a:effectRef>
-          <a:fontRef idx="minor">
-            <a:schemeClr val="dk1"/>
-          </a:fontRef>
-        </p:style>
-        <p:txBody>
-          <a:bodyPr rtlCol="0" anchor="ctr"/>
-          <a:lstStyle/>
-          <a:p>
-            <a:pPr algn="ctr"/>
-            <a:r>
-              <a:rPr lang="en-US" sz="1200" dirty="0"/>
-              <a:t>Localhost (WSL, Windows)</a:t>
-            </a:r>
-          </a:p>
-        </p:txBody>
-      </p:sp>
-      <p:sp>
-        <p:nvSpPr>
-          <p:cNvPr id="32" name="Rounded Rectangle 31">
-            <a:extLst>
-              <a:ext uri="{FF2B5EF4-FFF2-40B4-BE49-F238E27FC236}">
-                <a16:creationId xmlns:a16="http://schemas.microsoft.com/office/drawing/2014/main" id="{6FC16B69-4852-0E0C-69F5-0CC9E3C2FCDE}"/>
-              </a:ext>
-            </a:extLst>
-          </p:cNvPr>
-          <p:cNvSpPr/>
-          <p:nvPr/>
-        </p:nvSpPr>
-        <p:spPr>
-          <a:xfrm rot="16200000">
-            <a:off x="7516878" y="4623093"/>
-            <a:ext cx="1423007" cy="387437"/>
-          </a:xfrm>
-          <a:prstGeom prst="roundRect">
-            <a:avLst/>
-          </a:prstGeom>
-          <a:solidFill>
-            <a:schemeClr val="accent2">
-              <a:lumMod val="20000"/>
-              <a:lumOff val="80000"/>
-            </a:schemeClr>
-          </a:solidFill>
-          <a:ln w="12700">
-            <a:solidFill>
-              <a:schemeClr val="tx1"/>
-            </a:solidFill>
-          </a:ln>
-          <a:effectLst>
-            <a:outerShdw blurRad="50800" dist="38100" dir="2700000" algn="tl" rotWithShape="0">
-              <a:prstClr val="black">
-                <a:alpha val="40000"/>
-              </a:prstClr>
-            </a:outerShdw>
-          </a:effectLst>
-        </p:spPr>
-        <p:style>
-          <a:lnRef idx="1">
-            <a:schemeClr val="accent4"/>
-          </a:lnRef>
-          <a:fillRef idx="2">
-            <a:schemeClr val="accent4"/>
-          </a:fillRef>
-          <a:effectRef idx="1">
-            <a:schemeClr val="accent4"/>
-          </a:effectRef>
-          <a:fontRef idx="minor">
-            <a:schemeClr val="dk1"/>
-          </a:fontRef>
-        </p:style>
-        <p:txBody>
-          <a:bodyPr rtlCol="0" anchor="ctr"/>
-          <a:lstStyle/>
-          <a:p>
-            <a:pPr algn="ctr"/>
-            <a:r>
-              <a:rPr lang="en-US" sz="1200" dirty="0"/>
-              <a:t>Workflow </a:t>
-            </a:r>
-            <a:r>
-              <a:rPr lang="en-US" sz="1200" dirty="0" err="1"/>
-              <a:t>Graoh</a:t>
-            </a:r>
-            <a:endParaRPr lang="en-US" sz="1200" dirty="0"/>
-          </a:p>
-        </p:txBody>
-      </p:sp>
-      <p:sp>
-        <p:nvSpPr>
-          <p:cNvPr id="33" name="Rounded Rectangle 32">
-            <a:extLst>
-              <a:ext uri="{FF2B5EF4-FFF2-40B4-BE49-F238E27FC236}">
-                <a16:creationId xmlns:a16="http://schemas.microsoft.com/office/drawing/2014/main" id="{718C4BB6-1A6F-E1E8-B777-3305B6E6762B}"/>
-              </a:ext>
-            </a:extLst>
-          </p:cNvPr>
-          <p:cNvSpPr/>
-          <p:nvPr/>
-        </p:nvSpPr>
-        <p:spPr>
-          <a:xfrm rot="16200000">
-            <a:off x="7963940" y="4630464"/>
-            <a:ext cx="1423007" cy="387437"/>
-          </a:xfrm>
-          <a:prstGeom prst="roundRect">
-            <a:avLst/>
-          </a:prstGeom>
-          <a:solidFill>
-            <a:schemeClr val="accent2">
-              <a:lumMod val="20000"/>
-              <a:lumOff val="80000"/>
-            </a:schemeClr>
-          </a:solidFill>
-          <a:ln w="12700">
-            <a:solidFill>
-              <a:schemeClr val="tx1"/>
-            </a:solidFill>
-          </a:ln>
-          <a:effectLst>
-            <a:outerShdw blurRad="50800" dist="38100" dir="2700000" algn="tl" rotWithShape="0">
-              <a:prstClr val="black">
-                <a:alpha val="40000"/>
-              </a:prstClr>
-            </a:outerShdw>
-          </a:effectLst>
-        </p:spPr>
-        <p:style>
-          <a:lnRef idx="1">
-            <a:schemeClr val="accent4"/>
-          </a:lnRef>
-          <a:fillRef idx="2">
-            <a:schemeClr val="accent4"/>
-          </a:fillRef>
-          <a:effectRef idx="1">
-            <a:schemeClr val="accent4"/>
-          </a:effectRef>
-          <a:fontRef idx="minor">
-            <a:schemeClr val="dk1"/>
-          </a:fontRef>
-        </p:style>
-        <p:txBody>
-          <a:bodyPr rtlCol="0" anchor="ctr"/>
-          <a:lstStyle/>
-          <a:p>
-            <a:pPr algn="ctr"/>
-            <a:r>
-              <a:rPr lang="en-US" sz="1200" dirty="0"/>
-              <a:t>Workflow Table</a:t>
-            </a:r>
-          </a:p>
-        </p:txBody>
-      </p:sp>
-      <p:sp>
-        <p:nvSpPr>
-          <p:cNvPr id="34" name="Right Brace 33">
-            <a:extLst>
-              <a:ext uri="{FF2B5EF4-FFF2-40B4-BE49-F238E27FC236}">
-                <a16:creationId xmlns:a16="http://schemas.microsoft.com/office/drawing/2014/main" id="{DB9D825A-4049-C800-9A74-C85A6A9178A2}"/>
-              </a:ext>
-            </a:extLst>
-          </p:cNvPr>
-          <p:cNvSpPr/>
-          <p:nvPr/>
-        </p:nvSpPr>
-        <p:spPr>
-          <a:xfrm rot="16200000">
-            <a:off x="8480825" y="2938379"/>
-            <a:ext cx="329393" cy="1237153"/>
-          </a:xfrm>
-          <a:prstGeom prst="rightBrace">
-            <a:avLst>
-              <a:gd name="adj1" fmla="val 8333"/>
-              <a:gd name="adj2" fmla="val 7225"/>
-            </a:avLst>
-          </a:prstGeom>
-          <a:ln w="25400">
-            <a:solidFill>
-              <a:schemeClr val="tx1"/>
-            </a:solidFill>
-          </a:ln>
-        </p:spPr>
-        <p:style>
-          <a:lnRef idx="1">
-            <a:schemeClr val="accent1"/>
-          </a:lnRef>
-          <a:fillRef idx="0">
-            <a:schemeClr val="accent1"/>
-          </a:fillRef>
-          <a:effectRef idx="0">
-            <a:schemeClr val="accent1"/>
-          </a:effectRef>
-          <a:fontRef idx="minor">
-            <a:schemeClr val="tx1"/>
-          </a:fontRef>
-        </p:style>
-        <p:txBody>
-          <a:bodyPr rtlCol="0" anchor="ctr"/>
-          <a:lstStyle/>
-          <a:p>
-            <a:pPr algn="ctr"/>
-            <a:endParaRPr lang="en-US" sz="1200"/>
-          </a:p>
-        </p:txBody>
-      </p:sp>
-      <p:sp>
-        <p:nvSpPr>
-          <p:cNvPr id="35" name="Right Brace 34">
-            <a:extLst>
-              <a:ext uri="{FF2B5EF4-FFF2-40B4-BE49-F238E27FC236}">
-                <a16:creationId xmlns:a16="http://schemas.microsoft.com/office/drawing/2014/main" id="{0B3F2EC1-CFCC-88F9-4A56-2E30E1B67C1C}"/>
-              </a:ext>
-            </a:extLst>
-          </p:cNvPr>
-          <p:cNvSpPr/>
-          <p:nvPr/>
-        </p:nvSpPr>
-        <p:spPr>
-          <a:xfrm rot="16200000">
-            <a:off x="3288643" y="2863074"/>
-            <a:ext cx="276147" cy="1461243"/>
-          </a:xfrm>
-          <a:prstGeom prst="rightBrace">
-            <a:avLst>
-              <a:gd name="adj1" fmla="val 8333"/>
-              <a:gd name="adj2" fmla="val 79495"/>
-            </a:avLst>
-          </a:prstGeom>
-          <a:ln w="25400">
-            <a:solidFill>
-              <a:schemeClr val="tx1"/>
-            </a:solidFill>
-          </a:ln>
-        </p:spPr>
-        <p:style>
-          <a:lnRef idx="1">
-            <a:schemeClr val="accent1"/>
-          </a:lnRef>
-          <a:fillRef idx="0">
-            <a:schemeClr val="accent1"/>
-          </a:fillRef>
-          <a:effectRef idx="0">
-            <a:schemeClr val="accent1"/>
-          </a:effectRef>
-          <a:fontRef idx="minor">
-            <a:schemeClr val="tx1"/>
-          </a:fontRef>
-        </p:style>
-        <p:txBody>
-          <a:bodyPr rtlCol="0" anchor="ctr"/>
-          <a:lstStyle/>
-          <a:p>
-            <a:pPr algn="ctr"/>
-            <a:endParaRPr lang="en-US" sz="1200"/>
-          </a:p>
-        </p:txBody>
-      </p:sp>
-      <p:sp>
-        <p:nvSpPr>
-          <p:cNvPr id="36" name="Can 35">
-            <a:extLst>
-              <a:ext uri="{FF2B5EF4-FFF2-40B4-BE49-F238E27FC236}">
-                <a16:creationId xmlns:a16="http://schemas.microsoft.com/office/drawing/2014/main" id="{8C5725E1-C544-2271-A198-8EF8E8A09EB9}"/>
-              </a:ext>
-            </a:extLst>
-          </p:cNvPr>
-          <p:cNvSpPr/>
-          <p:nvPr/>
-        </p:nvSpPr>
-        <p:spPr>
-          <a:xfrm>
-            <a:off x="2458103" y="4164267"/>
-            <a:ext cx="750638" cy="801607"/>
-          </a:xfrm>
-          <a:prstGeom prst="can">
-            <a:avLst/>
-          </a:prstGeom>
-          <a:solidFill>
-            <a:schemeClr val="bg2">
-              <a:lumMod val="90000"/>
-            </a:schemeClr>
-          </a:solidFill>
-          <a:effectLst>
-            <a:outerShdw blurRad="50800" dist="38100" dir="2700000" algn="tl" rotWithShape="0">
-              <a:prstClr val="black">
-                <a:alpha val="40000"/>
-              </a:prstClr>
-            </a:outerShdw>
-          </a:effectLst>
-        </p:spPr>
-        <p:style>
-          <a:lnRef idx="1">
-            <a:schemeClr val="accent2"/>
-          </a:lnRef>
-          <a:fillRef idx="2">
-            <a:schemeClr val="accent2"/>
-          </a:fillRef>
-          <a:effectRef idx="1">
-            <a:schemeClr val="accent2"/>
-          </a:effectRef>
-          <a:fontRef idx="minor">
-            <a:schemeClr val="dk1"/>
-          </a:fontRef>
-        </p:style>
-        <p:txBody>
-          <a:bodyPr rtlCol="0" anchor="ctr"/>
-          <a:lstStyle/>
-          <a:p>
-            <a:pPr algn="ctr"/>
-            <a:r>
-              <a:rPr lang="en-US" sz="1200" dirty="0"/>
-              <a:t>Mongo</a:t>
-            </a:r>
-          </a:p>
-          <a:p>
-            <a:pPr algn="ctr"/>
-            <a:r>
-              <a:rPr lang="en-US" sz="1200" dirty="0"/>
-              <a:t>DB</a:t>
-            </a:r>
-          </a:p>
-        </p:txBody>
-      </p:sp>
-      <p:sp>
-        <p:nvSpPr>
-          <p:cNvPr id="37" name="TextBox 36">
-            <a:extLst>
-              <a:ext uri="{FF2B5EF4-FFF2-40B4-BE49-F238E27FC236}">
-                <a16:creationId xmlns:a16="http://schemas.microsoft.com/office/drawing/2014/main" id="{F845D3F1-3292-2E27-C86C-9EC143927E51}"/>
-              </a:ext>
-            </a:extLst>
-          </p:cNvPr>
-          <p:cNvSpPr txBox="1"/>
-          <p:nvPr/>
-        </p:nvSpPr>
-        <p:spPr>
-          <a:xfrm>
-            <a:off x="2417370" y="3779023"/>
-            <a:ext cx="2094163" cy="276999"/>
-          </a:xfrm>
-          <a:prstGeom prst="rect">
-            <a:avLst/>
-          </a:prstGeom>
-          <a:noFill/>
-        </p:spPr>
-        <p:txBody>
-          <a:bodyPr wrap="none" rtlCol="0">
-            <a:spAutoFit/>
-          </a:bodyPr>
-          <a:lstStyle/>
-          <a:p>
-            <a:r>
-              <a:rPr lang="en-US" sz="1200" dirty="0"/>
-              <a:t>Possible Database Alternatives</a:t>
-            </a:r>
-          </a:p>
-        </p:txBody>
-      </p:sp>
-      <p:sp>
-        <p:nvSpPr>
-          <p:cNvPr id="39" name="TextBox 38">
-            <a:extLst>
-              <a:ext uri="{FF2B5EF4-FFF2-40B4-BE49-F238E27FC236}">
-                <a16:creationId xmlns:a16="http://schemas.microsoft.com/office/drawing/2014/main" id="{4C7A17B1-B6CD-FA81-DA70-2BC79D918E36}"/>
-              </a:ext>
-            </a:extLst>
-          </p:cNvPr>
-          <p:cNvSpPr txBox="1"/>
-          <p:nvPr/>
-        </p:nvSpPr>
-        <p:spPr>
-          <a:xfrm>
-            <a:off x="8157897" y="3745569"/>
-            <a:ext cx="1422529" cy="276999"/>
-          </a:xfrm>
-          <a:prstGeom prst="rect">
-            <a:avLst/>
-          </a:prstGeom>
-          <a:noFill/>
-        </p:spPr>
-        <p:txBody>
-          <a:bodyPr wrap="square" rtlCol="0">
-            <a:spAutoFit/>
-          </a:bodyPr>
-          <a:lstStyle/>
-          <a:p>
-            <a:r>
-              <a:rPr lang="en-US" sz="1200" dirty="0"/>
-              <a:t>Visualization</a:t>
-            </a:r>
-            <a:endParaRPr lang="en-US" dirty="0"/>
-          </a:p>
-        </p:txBody>
-      </p:sp>
-      <p:sp>
-        <p:nvSpPr>
-          <p:cNvPr id="40" name="Rounded Rectangle 39">
-            <a:extLst>
-              <a:ext uri="{FF2B5EF4-FFF2-40B4-BE49-F238E27FC236}">
-                <a16:creationId xmlns:a16="http://schemas.microsoft.com/office/drawing/2014/main" id="{D0DEEC2D-1F56-B79C-80E1-C6C0300619A7}"/>
-              </a:ext>
-            </a:extLst>
-          </p:cNvPr>
-          <p:cNvSpPr/>
-          <p:nvPr/>
-        </p:nvSpPr>
-        <p:spPr>
-          <a:xfrm rot="16200000">
-            <a:off x="8451673" y="4633334"/>
-            <a:ext cx="1423007" cy="387437"/>
-          </a:xfrm>
-          <a:prstGeom prst="roundRect">
-            <a:avLst/>
-          </a:prstGeom>
-          <a:solidFill>
-            <a:schemeClr val="accent2">
-              <a:lumMod val="20000"/>
-              <a:lumOff val="80000"/>
-            </a:schemeClr>
-          </a:solidFill>
-          <a:ln w="12700">
-            <a:solidFill>
-              <a:schemeClr val="tx1"/>
-            </a:solidFill>
-          </a:ln>
-          <a:effectLst>
-            <a:outerShdw blurRad="50800" dist="38100" dir="2700000" algn="tl" rotWithShape="0">
-              <a:prstClr val="black">
-                <a:alpha val="40000"/>
-              </a:prstClr>
-            </a:outerShdw>
-          </a:effectLst>
-        </p:spPr>
-        <p:style>
-          <a:lnRef idx="1">
-            <a:schemeClr val="accent4"/>
-          </a:lnRef>
-          <a:fillRef idx="2">
-            <a:schemeClr val="accent4"/>
-          </a:fillRef>
-          <a:effectRef idx="1">
-            <a:schemeClr val="accent4"/>
-          </a:effectRef>
-          <a:fontRef idx="minor">
-            <a:schemeClr val="dk1"/>
-          </a:fontRef>
-        </p:style>
-        <p:txBody>
-          <a:bodyPr rtlCol="0" anchor="ctr"/>
-          <a:lstStyle/>
-          <a:p>
-            <a:pPr algn="ctr"/>
-            <a:r>
-              <a:rPr lang="en-US" sz="2400" dirty="0"/>
-              <a:t>…</a:t>
-            </a:r>
-          </a:p>
-        </p:txBody>
-      </p:sp>
-      <p:sp>
-        <p:nvSpPr>
-          <p:cNvPr id="14" name="Rounded Rectangle 13">
-            <a:extLst>
-              <a:ext uri="{FF2B5EF4-FFF2-40B4-BE49-F238E27FC236}">
-                <a16:creationId xmlns:a16="http://schemas.microsoft.com/office/drawing/2014/main" id="{77A6B58A-C317-2D73-FEC5-87F9994839D9}"/>
-              </a:ext>
-            </a:extLst>
-          </p:cNvPr>
-          <p:cNvSpPr/>
-          <p:nvPr/>
-        </p:nvSpPr>
-        <p:spPr>
-          <a:xfrm>
-            <a:off x="3502702" y="1632597"/>
-            <a:ext cx="4759820" cy="619001"/>
-          </a:xfrm>
-          <a:prstGeom prst="roundRect">
-            <a:avLst/>
-          </a:prstGeom>
-          <a:solidFill>
-            <a:schemeClr val="accent4">
-              <a:lumMod val="20000"/>
-              <a:lumOff val="80000"/>
-            </a:schemeClr>
-          </a:solidFill>
-          <a:ln w="12700">
-            <a:solidFill>
-              <a:schemeClr val="tx1"/>
-            </a:solidFill>
-          </a:ln>
-          <a:effectLst>
-            <a:outerShdw blurRad="50800" dist="38100" dir="2700000" algn="tl" rotWithShape="0">
-              <a:prstClr val="black">
-                <a:alpha val="40000"/>
-              </a:prstClr>
-            </a:outerShdw>
-          </a:effectLst>
-        </p:spPr>
-        <p:style>
-          <a:lnRef idx="1">
-            <a:schemeClr val="accent4"/>
-          </a:lnRef>
-          <a:fillRef idx="2">
-            <a:schemeClr val="accent4"/>
-          </a:fillRef>
-          <a:effectRef idx="1">
-            <a:schemeClr val="accent4"/>
-          </a:effectRef>
-          <a:fontRef idx="minor">
-            <a:schemeClr val="dk1"/>
-          </a:fontRef>
-        </p:style>
-        <p:txBody>
-          <a:bodyPr rtlCol="0" anchor="ctr"/>
-          <a:lstStyle/>
-          <a:p>
-            <a:pPr algn="ctr"/>
-            <a:r>
-              <a:rPr lang="en-US" sz="1600" dirty="0"/>
-              <a:t>REST Service </a:t>
-            </a:r>
-          </a:p>
-          <a:p>
-            <a:pPr algn="ctr"/>
-            <a:r>
-              <a:rPr lang="en-US" sz="1600" dirty="0"/>
-              <a:t>&amp; Python API</a:t>
-            </a:r>
-          </a:p>
-        </p:txBody>
-      </p:sp>
-      <p:sp>
-        <p:nvSpPr>
-          <p:cNvPr id="13" name="Rounded Rectangle 12">
-            <a:extLst>
-              <a:ext uri="{FF2B5EF4-FFF2-40B4-BE49-F238E27FC236}">
-                <a16:creationId xmlns:a16="http://schemas.microsoft.com/office/drawing/2014/main" id="{F7F3DCD7-4B0B-9766-572E-4CC36207D958}"/>
-              </a:ext>
-            </a:extLst>
-          </p:cNvPr>
-          <p:cNvSpPr/>
-          <p:nvPr/>
-        </p:nvSpPr>
-        <p:spPr>
-          <a:xfrm>
-            <a:off x="3502702" y="879699"/>
-            <a:ext cx="2408994" cy="619001"/>
-          </a:xfrm>
-          <a:prstGeom prst="roundRect">
-            <a:avLst/>
-          </a:prstGeom>
-          <a:solidFill>
-            <a:schemeClr val="accent6">
-              <a:lumMod val="20000"/>
-              <a:lumOff val="80000"/>
-            </a:schemeClr>
-          </a:solidFill>
-          <a:ln w="12700">
-            <a:solidFill>
-              <a:schemeClr val="tx1"/>
-            </a:solidFill>
-          </a:ln>
-          <a:effectLst>
-            <a:outerShdw blurRad="50800" dist="38100" dir="2700000" algn="tl" rotWithShape="0">
-              <a:prstClr val="black">
-                <a:alpha val="40000"/>
-              </a:prstClr>
-            </a:outerShdw>
-          </a:effectLst>
-        </p:spPr>
-        <p:style>
-          <a:lnRef idx="1">
-            <a:schemeClr val="accent4"/>
-          </a:lnRef>
-          <a:fillRef idx="2">
-            <a:schemeClr val="accent4"/>
-          </a:fillRef>
-          <a:effectRef idx="1">
-            <a:schemeClr val="accent4"/>
-          </a:effectRef>
-          <a:fontRef idx="minor">
-            <a:schemeClr val="dk1"/>
-          </a:fontRef>
-        </p:style>
-        <p:txBody>
-          <a:bodyPr rtlCol="0" anchor="ctr"/>
-          <a:lstStyle/>
-          <a:p>
-            <a:pPr algn="ctr"/>
-            <a:r>
-              <a:rPr lang="en-US" sz="1600" dirty="0"/>
-              <a:t>Workflow Script </a:t>
-            </a:r>
-          </a:p>
-          <a:p>
-            <a:pPr algn="ctr"/>
-            <a:r>
-              <a:rPr lang="en-US" sz="1600" dirty="0"/>
-              <a:t>Batch Generator</a:t>
-            </a:r>
-          </a:p>
-        </p:txBody>
-      </p:sp>
+            <a:ln w="12700">
+              <a:solidFill>
+                <a:schemeClr val="tx1"/>
+              </a:solidFill>
+            </a:ln>
+            <a:effectLst>
+              <a:outerShdw blurRad="50800" dist="38100" dir="2700000" algn="tl" rotWithShape="0">
+                <a:prstClr val="black">
+                  <a:alpha val="40000"/>
+                </a:prstClr>
+              </a:outerShdw>
+            </a:effectLst>
+          </p:spPr>
+          <p:style>
+            <a:lnRef idx="1">
+              <a:schemeClr val="accent4"/>
+            </a:lnRef>
+            <a:fillRef idx="2">
+              <a:schemeClr val="accent4"/>
+            </a:fillRef>
+            <a:effectRef idx="1">
+              <a:schemeClr val="accent4"/>
+            </a:effectRef>
+            <a:fontRef idx="minor">
+              <a:schemeClr val="dk1"/>
+            </a:fontRef>
+          </p:style>
+          <p:txBody>
+            <a:bodyPr rtlCol="0" anchor="ctr"/>
+            <a:lstStyle/>
+            <a:p>
+              <a:pPr algn="ctr"/>
+              <a:r>
+                <a:rPr lang="en-US" sz="1600" dirty="0"/>
+                <a:t>Workflow Script </a:t>
+              </a:r>
+            </a:p>
+            <a:p>
+              <a:pPr algn="ctr"/>
+              <a:r>
+                <a:rPr lang="en-US" sz="1600" dirty="0"/>
+                <a:t>Batch Generator</a:t>
+              </a:r>
+            </a:p>
+          </p:txBody>
+        </p:sp>
+      </p:grpSp>
     </p:spTree>
     <p:extLst>
       <p:ext uri="{BB962C8B-B14F-4D97-AF65-F5344CB8AC3E}">
@@ -5452,2216 +5473,2237 @@
           <a:chExt cx="0" cy="0"/>
         </a:xfrm>
       </p:grpSpPr>
-      <p:sp>
-        <p:nvSpPr>
-          <p:cNvPr id="19" name="Rounded Rectangle 18">
+      <p:grpSp>
+        <p:nvGrpSpPr>
+          <p:cNvPr id="71" name="Group 70">
             <a:extLst>
               <a:ext uri="{FF2B5EF4-FFF2-40B4-BE49-F238E27FC236}">
-                <a16:creationId xmlns:a16="http://schemas.microsoft.com/office/drawing/2014/main" id="{A9084FDA-990F-9B66-15ED-B5C353840F30}"/>
+                <a16:creationId xmlns:a16="http://schemas.microsoft.com/office/drawing/2014/main" id="{07AE41A2-9C2D-A23F-2DDC-F822B46EA04F}"/>
               </a:ext>
             </a:extLst>
           </p:cNvPr>
-          <p:cNvSpPr/>
+          <p:cNvGrpSpPr/>
           <p:nvPr/>
-        </p:nvSpPr>
-        <p:spPr>
+        </p:nvGrpSpPr>
+        <p:grpSpPr>
           <a:xfrm>
-            <a:off x="10438358" y="559156"/>
-            <a:ext cx="1743018" cy="2407231"/>
+            <a:off x="367982" y="360858"/>
+            <a:ext cx="11813394" cy="4226509"/>
+            <a:chOff x="367982" y="360858"/>
+            <a:chExt cx="11813394" cy="4226509"/>
           </a:xfrm>
-          <a:prstGeom prst="roundRect">
-            <a:avLst/>
-          </a:prstGeom>
-          <a:solidFill>
-            <a:schemeClr val="bg2">
-              <a:lumMod val="90000"/>
-            </a:schemeClr>
-          </a:solidFill>
-          <a:ln w="12700">
+        </p:grpSpPr>
+        <p:sp>
+          <p:nvSpPr>
+            <p:cNvPr id="19" name="Rounded Rectangle 18">
+              <a:extLst>
+                <a:ext uri="{FF2B5EF4-FFF2-40B4-BE49-F238E27FC236}">
+                  <a16:creationId xmlns:a16="http://schemas.microsoft.com/office/drawing/2014/main" id="{A9084FDA-990F-9B66-15ED-B5C353840F30}"/>
+                </a:ext>
+              </a:extLst>
+            </p:cNvPr>
+            <p:cNvSpPr/>
+            <p:nvPr/>
+          </p:nvSpPr>
+          <p:spPr>
+            <a:xfrm>
+              <a:off x="10438358" y="559156"/>
+              <a:ext cx="1743018" cy="2407231"/>
+            </a:xfrm>
+            <a:prstGeom prst="roundRect">
+              <a:avLst/>
+            </a:prstGeom>
             <a:solidFill>
+              <a:schemeClr val="bg2">
+                <a:lumMod val="90000"/>
+              </a:schemeClr>
+            </a:solidFill>
+            <a:ln w="12700">
+              <a:solidFill>
+                <a:schemeClr val="tx1"/>
+              </a:solidFill>
+            </a:ln>
+            <a:effectLst>
+              <a:outerShdw blurRad="50800" dist="38100" dir="2700000" algn="tl" rotWithShape="0">
+                <a:prstClr val="black">
+                  <a:alpha val="40000"/>
+                </a:prstClr>
+              </a:outerShdw>
+            </a:effectLst>
+          </p:spPr>
+          <p:style>
+            <a:lnRef idx="1">
+              <a:schemeClr val="accent4"/>
+            </a:lnRef>
+            <a:fillRef idx="2">
+              <a:schemeClr val="accent4"/>
+            </a:fillRef>
+            <a:effectRef idx="1">
+              <a:schemeClr val="accent4"/>
+            </a:effectRef>
+            <a:fontRef idx="minor">
+              <a:schemeClr val="dk1"/>
+            </a:fontRef>
+          </p:style>
+          <p:txBody>
+            <a:bodyPr rtlCol="0" anchor="b"/>
+            <a:lstStyle/>
+            <a:p>
+              <a:pPr algn="ctr"/>
+              <a:r>
+                <a:rPr lang="en-US" sz="1600" b="1" dirty="0"/>
+                <a:t>Workflow </a:t>
+              </a:r>
+            </a:p>
+            <a:p>
+              <a:pPr algn="ctr"/>
+              <a:r>
+                <a:rPr lang="en-US" sz="1600" b="1" dirty="0"/>
+                <a:t>Monitor</a:t>
+              </a:r>
+            </a:p>
+            <a:p>
+              <a:pPr algn="ctr"/>
+              <a:endParaRPr lang="en-US" sz="1600" dirty="0"/>
+            </a:p>
+            <a:p>
+              <a:pPr algn="ctr"/>
+              <a:endParaRPr lang="en-US" sz="1600" dirty="0"/>
+            </a:p>
+            <a:p>
+              <a:pPr algn="ctr"/>
+              <a:endParaRPr lang="en-US" sz="1600" dirty="0"/>
+            </a:p>
+            <a:p>
+              <a:pPr algn="ctr"/>
+              <a:endParaRPr lang="en-US" sz="1600" dirty="0"/>
+            </a:p>
+            <a:p>
+              <a:pPr algn="ctr"/>
+              <a:endParaRPr lang="en-US" sz="1600" dirty="0"/>
+            </a:p>
+            <a:p>
+              <a:pPr algn="ctr"/>
+              <a:endParaRPr lang="en-US" sz="1600" dirty="0"/>
+            </a:p>
+            <a:p>
+              <a:pPr algn="ctr"/>
+              <a:r>
+                <a:rPr lang="en-US" sz="1600" dirty="0"/>
+                <a:t>(</a:t>
+              </a:r>
+              <a:r>
+                <a:rPr lang="en-US" sz="1600" dirty="0" err="1"/>
+                <a:t>coudmesh</a:t>
+              </a:r>
+              <a:r>
+                <a:rPr lang="en-US" sz="1600" dirty="0"/>
+                <a:t>-cc)</a:t>
+              </a:r>
+            </a:p>
+          </p:txBody>
+        </p:sp>
+        <p:sp>
+          <p:nvSpPr>
+            <p:cNvPr id="2" name="Rounded Rectangle 1">
+              <a:extLst>
+                <a:ext uri="{FF2B5EF4-FFF2-40B4-BE49-F238E27FC236}">
+                  <a16:creationId xmlns:a16="http://schemas.microsoft.com/office/drawing/2014/main" id="{9C994B88-FBC8-EE94-F34C-A9D5DE15BE2A}"/>
+                </a:ext>
+              </a:extLst>
+            </p:cNvPr>
+            <p:cNvSpPr/>
+            <p:nvPr/>
+          </p:nvSpPr>
+          <p:spPr>
+            <a:xfrm>
+              <a:off x="367982" y="624794"/>
+              <a:ext cx="2523521" cy="3962573"/>
+            </a:xfrm>
+            <a:prstGeom prst="roundRect">
+              <a:avLst/>
+            </a:prstGeom>
+            <a:solidFill>
+              <a:schemeClr val="accent6">
+                <a:lumMod val="20000"/>
+                <a:lumOff val="80000"/>
+              </a:schemeClr>
+            </a:solidFill>
+            <a:ln w="12700">
+              <a:solidFill>
+                <a:schemeClr val="tx1"/>
+              </a:solidFill>
+            </a:ln>
+            <a:effectLst>
+              <a:outerShdw blurRad="50800" dist="38100" dir="2700000" algn="tl" rotWithShape="0">
+                <a:prstClr val="black">
+                  <a:alpha val="40000"/>
+                </a:prstClr>
+              </a:outerShdw>
+            </a:effectLst>
+          </p:spPr>
+          <p:style>
+            <a:lnRef idx="1">
+              <a:schemeClr val="accent4"/>
+            </a:lnRef>
+            <a:fillRef idx="2">
+              <a:schemeClr val="accent4"/>
+            </a:fillRef>
+            <a:effectRef idx="1">
+              <a:schemeClr val="accent4"/>
+            </a:effectRef>
+            <a:fontRef idx="minor">
+              <a:schemeClr val="dk1"/>
+            </a:fontRef>
+          </p:style>
+          <p:txBody>
+            <a:bodyPr rtlCol="0" anchor="b"/>
+            <a:lstStyle/>
+            <a:p>
+              <a:pPr algn="ctr"/>
+              <a:r>
+                <a:rPr lang="en-US" sz="1600" b="1" dirty="0"/>
+                <a:t>Workflow </a:t>
+              </a:r>
+            </a:p>
+            <a:p>
+              <a:pPr algn="ctr"/>
+              <a:r>
+                <a:rPr lang="en-US" sz="1600" b="1" dirty="0"/>
+                <a:t>Script Batch </a:t>
+              </a:r>
+            </a:p>
+            <a:p>
+              <a:pPr algn="ctr"/>
+              <a:r>
+                <a:rPr lang="en-US" sz="1600" b="1" dirty="0"/>
+                <a:t>Job Generator</a:t>
+              </a:r>
+            </a:p>
+            <a:p>
+              <a:pPr algn="ctr"/>
+              <a:endParaRPr lang="en-US" sz="1600" b="1" dirty="0"/>
+            </a:p>
+            <a:p>
+              <a:pPr algn="ctr"/>
+              <a:endParaRPr lang="en-US" sz="1600" b="1" dirty="0"/>
+            </a:p>
+            <a:p>
+              <a:pPr algn="ctr"/>
+              <a:endParaRPr lang="en-US" sz="1600" b="1" dirty="0"/>
+            </a:p>
+            <a:p>
+              <a:pPr algn="ctr"/>
+              <a:endParaRPr lang="en-US" sz="1600" b="1" dirty="0"/>
+            </a:p>
+            <a:p>
+              <a:pPr algn="ctr"/>
+              <a:endParaRPr lang="en-US" sz="1600" b="1" dirty="0"/>
+            </a:p>
+            <a:p>
+              <a:pPr algn="ctr"/>
+              <a:endParaRPr lang="en-US" sz="1600" b="1" dirty="0"/>
+            </a:p>
+            <a:p>
+              <a:pPr algn="ctr"/>
+              <a:endParaRPr lang="en-US" sz="1600" b="1" dirty="0"/>
+            </a:p>
+            <a:p>
+              <a:pPr algn="ctr"/>
+              <a:endParaRPr lang="en-US" sz="1600" b="1" dirty="0"/>
+            </a:p>
+            <a:p>
+              <a:pPr algn="ctr"/>
+              <a:endParaRPr lang="en-US" sz="1600" b="1" dirty="0"/>
+            </a:p>
+            <a:p>
+              <a:pPr algn="ctr"/>
+              <a:r>
+                <a:rPr lang="en-US" sz="1600" b="1" dirty="0"/>
+                <a:t> </a:t>
+              </a:r>
+            </a:p>
+            <a:p>
+              <a:pPr algn="ctr"/>
+              <a:endParaRPr lang="en-US" sz="1600" dirty="0"/>
+            </a:p>
+            <a:p>
+              <a:pPr algn="ctr"/>
+              <a:r>
+                <a:rPr lang="en-US" sz="1600" dirty="0"/>
+                <a:t>(</a:t>
+              </a:r>
+              <a:r>
+                <a:rPr lang="en-US" sz="1600" dirty="0" err="1"/>
+                <a:t>cloudmesh-sbatch</a:t>
+              </a:r>
+              <a:r>
+                <a:rPr lang="en-US" sz="1600" dirty="0"/>
+                <a:t>)</a:t>
+              </a:r>
+            </a:p>
+          </p:txBody>
+        </p:sp>
+        <p:sp>
+          <p:nvSpPr>
+            <p:cNvPr id="3" name="Rounded Rectangle 2">
+              <a:extLst>
+                <a:ext uri="{FF2B5EF4-FFF2-40B4-BE49-F238E27FC236}">
+                  <a16:creationId xmlns:a16="http://schemas.microsoft.com/office/drawing/2014/main" id="{833601EE-297A-A2CE-00EE-1745E5EAB9B7}"/>
+                </a:ext>
+              </a:extLst>
+            </p:cNvPr>
+            <p:cNvSpPr/>
+            <p:nvPr/>
+          </p:nvSpPr>
+          <p:spPr>
+            <a:xfrm>
+              <a:off x="3175546" y="624794"/>
+              <a:ext cx="2201948" cy="3962573"/>
+            </a:xfrm>
+            <a:prstGeom prst="roundRect">
+              <a:avLst/>
+            </a:prstGeom>
+            <a:solidFill>
+              <a:schemeClr val="bg2">
+                <a:lumMod val="90000"/>
+              </a:schemeClr>
+            </a:solidFill>
+            <a:ln w="12700">
+              <a:solidFill>
+                <a:schemeClr val="tx1"/>
+              </a:solidFill>
+            </a:ln>
+            <a:effectLst>
+              <a:outerShdw blurRad="50800" dist="38100" dir="2700000" algn="tl" rotWithShape="0">
+                <a:prstClr val="black">
+                  <a:alpha val="40000"/>
+                </a:prstClr>
+              </a:outerShdw>
+            </a:effectLst>
+          </p:spPr>
+          <p:style>
+            <a:lnRef idx="1">
+              <a:schemeClr val="accent4"/>
+            </a:lnRef>
+            <a:fillRef idx="2">
+              <a:schemeClr val="accent4"/>
+            </a:fillRef>
+            <a:effectRef idx="1">
+              <a:schemeClr val="accent4"/>
+            </a:effectRef>
+            <a:fontRef idx="minor">
+              <a:schemeClr val="dk1"/>
+            </a:fontRef>
+          </p:style>
+          <p:txBody>
+            <a:bodyPr rtlCol="0" anchor="b"/>
+            <a:lstStyle/>
+            <a:p>
+              <a:pPr algn="ctr"/>
+              <a:r>
+                <a:rPr lang="en-US" sz="1600" b="1" dirty="0"/>
+                <a:t>Workflow </a:t>
+              </a:r>
+            </a:p>
+            <a:p>
+              <a:pPr algn="ctr"/>
+              <a:r>
+                <a:rPr lang="en-US" sz="1600" b="1" dirty="0"/>
+                <a:t>Storage</a:t>
+              </a:r>
+            </a:p>
+            <a:p>
+              <a:pPr algn="ctr"/>
+              <a:endParaRPr lang="en-US" sz="1600" b="1" dirty="0"/>
+            </a:p>
+            <a:p>
+              <a:pPr algn="ctr"/>
+              <a:endParaRPr lang="en-US" sz="1600" b="1" dirty="0"/>
+            </a:p>
+            <a:p>
+              <a:pPr algn="ctr"/>
+              <a:endParaRPr lang="en-US" sz="1600" b="1" dirty="0"/>
+            </a:p>
+            <a:p>
+              <a:pPr algn="ctr"/>
+              <a:endParaRPr lang="en-US" sz="1600" b="1" dirty="0"/>
+            </a:p>
+            <a:p>
+              <a:pPr algn="ctr"/>
+              <a:endParaRPr lang="en-US" sz="1600" b="1" dirty="0"/>
+            </a:p>
+            <a:p>
+              <a:pPr algn="ctr"/>
+              <a:endParaRPr lang="en-US" sz="1600" b="1" dirty="0"/>
+            </a:p>
+            <a:p>
+              <a:pPr algn="ctr"/>
+              <a:endParaRPr lang="en-US" sz="1600" b="1" dirty="0"/>
+            </a:p>
+            <a:p>
+              <a:pPr algn="ctr"/>
+              <a:endParaRPr lang="en-US" sz="1600" b="1" dirty="0"/>
+            </a:p>
+            <a:p>
+              <a:pPr algn="ctr"/>
+              <a:endParaRPr lang="en-US" sz="1600" b="1" dirty="0"/>
+            </a:p>
+            <a:p>
+              <a:pPr algn="ctr"/>
+              <a:endParaRPr lang="en-US" sz="1600" b="1" dirty="0"/>
+            </a:p>
+            <a:p>
+              <a:pPr algn="ctr"/>
+              <a:endParaRPr lang="en-US" sz="1600" b="1" dirty="0"/>
+            </a:p>
+            <a:p>
+              <a:pPr algn="ctr"/>
+              <a:endParaRPr lang="en-US" sz="1600" dirty="0"/>
+            </a:p>
+            <a:p>
+              <a:pPr algn="ctr"/>
+              <a:r>
+                <a:rPr lang="en-US" sz="1600" dirty="0"/>
+                <a:t>(</a:t>
+              </a:r>
+              <a:r>
+                <a:rPr lang="en-US" sz="1600" dirty="0" err="1"/>
+                <a:t>cloudmesh</a:t>
+              </a:r>
+              <a:r>
+                <a:rPr lang="en-US" sz="1600" dirty="0"/>
+                <a:t> </a:t>
+              </a:r>
+              <a:r>
+                <a:rPr lang="en-US" sz="1600" dirty="0" err="1"/>
+                <a:t>YamlDB</a:t>
+              </a:r>
+              <a:r>
+                <a:rPr lang="en-US" sz="1600" dirty="0"/>
+                <a:t>)</a:t>
+              </a:r>
+            </a:p>
+          </p:txBody>
+        </p:sp>
+        <p:sp>
+          <p:nvSpPr>
+            <p:cNvPr id="4" name="Rounded Rectangle 3">
+              <a:extLst>
+                <a:ext uri="{FF2B5EF4-FFF2-40B4-BE49-F238E27FC236}">
+                  <a16:creationId xmlns:a16="http://schemas.microsoft.com/office/drawing/2014/main" id="{8331628A-C8D6-2AF5-C3BC-8DC341057813}"/>
+                </a:ext>
+              </a:extLst>
+            </p:cNvPr>
+            <p:cNvSpPr/>
+            <p:nvPr/>
+          </p:nvSpPr>
+          <p:spPr>
+            <a:xfrm>
+              <a:off x="539224" y="2009244"/>
+              <a:ext cx="2169826" cy="619001"/>
+            </a:xfrm>
+            <a:prstGeom prst="roundRect">
+              <a:avLst/>
+            </a:prstGeom>
+            <a:solidFill>
+              <a:schemeClr val="bg2">
+                <a:lumMod val="90000"/>
+              </a:schemeClr>
+            </a:solidFill>
+            <a:ln w="12700">
+              <a:solidFill>
+                <a:schemeClr val="tx1"/>
+              </a:solidFill>
+            </a:ln>
+            <a:effectLst>
+              <a:outerShdw blurRad="50800" dist="38100" dir="2700000" algn="tl" rotWithShape="0">
+                <a:prstClr val="black">
+                  <a:alpha val="40000"/>
+                </a:prstClr>
+              </a:outerShdw>
+            </a:effectLst>
+          </p:spPr>
+          <p:style>
+            <a:lnRef idx="1">
+              <a:schemeClr val="accent4"/>
+            </a:lnRef>
+            <a:fillRef idx="2">
+              <a:schemeClr val="accent4"/>
+            </a:fillRef>
+            <a:effectRef idx="1">
+              <a:schemeClr val="accent4"/>
+            </a:effectRef>
+            <a:fontRef idx="minor">
+              <a:schemeClr val="dk1"/>
+            </a:fontRef>
+          </p:style>
+          <p:txBody>
+            <a:bodyPr rtlCol="0" anchor="ctr"/>
+            <a:lstStyle/>
+            <a:p>
+              <a:pPr algn="ctr"/>
+              <a:r>
+                <a:rPr lang="en-US" sz="1600" dirty="0"/>
+                <a:t>Experiment 1 … n Specification</a:t>
+              </a:r>
+            </a:p>
+          </p:txBody>
+        </p:sp>
+        <p:sp>
+          <p:nvSpPr>
+            <p:cNvPr id="5" name="Snip Single Corner Rectangle 4">
+              <a:extLst>
+                <a:ext uri="{FF2B5EF4-FFF2-40B4-BE49-F238E27FC236}">
+                  <a16:creationId xmlns:a16="http://schemas.microsoft.com/office/drawing/2014/main" id="{04796ACC-239D-CD59-F479-5B272A3D6544}"/>
+                </a:ext>
+              </a:extLst>
+            </p:cNvPr>
+            <p:cNvSpPr/>
+            <p:nvPr/>
+          </p:nvSpPr>
+          <p:spPr>
+            <a:xfrm>
+              <a:off x="589423" y="2764757"/>
+              <a:ext cx="310346" cy="1197862"/>
+            </a:xfrm>
+            <a:prstGeom prst="snip1Rect">
+              <a:avLst/>
+            </a:prstGeom>
+            <a:ln w="12700">
+              <a:solidFill>
+                <a:schemeClr val="tx1"/>
+              </a:solidFill>
+            </a:ln>
+            <a:effectLst>
+              <a:outerShdw blurRad="50800" dist="38100" dir="2700000" algn="tl" rotWithShape="0">
+                <a:prstClr val="black">
+                  <a:alpha val="40000"/>
+                </a:prstClr>
+              </a:outerShdw>
+            </a:effectLst>
+          </p:spPr>
+          <p:style>
+            <a:lnRef idx="1">
+              <a:schemeClr val="accent4"/>
+            </a:lnRef>
+            <a:fillRef idx="2">
+              <a:schemeClr val="accent4"/>
+            </a:fillRef>
+            <a:effectRef idx="1">
+              <a:schemeClr val="accent4"/>
+            </a:effectRef>
+            <a:fontRef idx="minor">
+              <a:schemeClr val="dk1"/>
+            </a:fontRef>
+          </p:style>
+          <p:txBody>
+            <a:bodyPr vert="vert270" rtlCol="0" anchor="ctr"/>
+            <a:lstStyle/>
+            <a:p>
+              <a:pPr algn="ctr"/>
+              <a:r>
+                <a:rPr lang="en-US" sz="1200" dirty="0" err="1"/>
+                <a:t>Config.yaml</a:t>
+              </a:r>
+              <a:endParaRPr lang="en-US" sz="1200" dirty="0"/>
+            </a:p>
+          </p:txBody>
+        </p:sp>
+        <p:sp>
+          <p:nvSpPr>
+            <p:cNvPr id="8" name="Snip Single Corner Rectangle 7">
+              <a:extLst>
+                <a:ext uri="{FF2B5EF4-FFF2-40B4-BE49-F238E27FC236}">
+                  <a16:creationId xmlns:a16="http://schemas.microsoft.com/office/drawing/2014/main" id="{777958D2-46B0-CC00-085B-34B76622AA87}"/>
+                </a:ext>
+              </a:extLst>
+            </p:cNvPr>
+            <p:cNvSpPr/>
+            <p:nvPr/>
+          </p:nvSpPr>
+          <p:spPr>
+            <a:xfrm>
+              <a:off x="1007349" y="2764754"/>
+              <a:ext cx="310346" cy="1197862"/>
+            </a:xfrm>
+            <a:prstGeom prst="snip1Rect">
+              <a:avLst/>
+            </a:prstGeom>
+            <a:ln w="12700">
+              <a:solidFill>
+                <a:schemeClr val="tx1"/>
+              </a:solidFill>
+            </a:ln>
+            <a:effectLst>
+              <a:outerShdw blurRad="50800" dist="38100" dir="2700000" algn="tl" rotWithShape="0">
+                <a:prstClr val="black">
+                  <a:alpha val="40000"/>
+                </a:prstClr>
+              </a:outerShdw>
+            </a:effectLst>
+          </p:spPr>
+          <p:style>
+            <a:lnRef idx="1">
+              <a:schemeClr val="accent4"/>
+            </a:lnRef>
+            <a:fillRef idx="2">
+              <a:schemeClr val="accent4"/>
+            </a:fillRef>
+            <a:effectRef idx="1">
+              <a:schemeClr val="accent4"/>
+            </a:effectRef>
+            <a:fontRef idx="minor">
+              <a:schemeClr val="dk1"/>
+            </a:fontRef>
+          </p:style>
+          <p:txBody>
+            <a:bodyPr vert="vert270" rtlCol="0" anchor="ctr"/>
+            <a:lstStyle/>
+            <a:p>
+              <a:pPr algn="ctr"/>
+              <a:r>
+                <a:rPr lang="en-US" sz="1200" dirty="0" err="1"/>
+                <a:t>Config.py</a:t>
+              </a:r>
+              <a:endParaRPr lang="en-US" sz="1200" dirty="0"/>
+            </a:p>
+          </p:txBody>
+        </p:sp>
+        <p:sp>
+          <p:nvSpPr>
+            <p:cNvPr id="9" name="Snip Single Corner Rectangle 8">
+              <a:extLst>
+                <a:ext uri="{FF2B5EF4-FFF2-40B4-BE49-F238E27FC236}">
+                  <a16:creationId xmlns:a16="http://schemas.microsoft.com/office/drawing/2014/main" id="{AAC380C8-CDD5-5BF0-80E7-BDE4B195BBA4}"/>
+                </a:ext>
+              </a:extLst>
+            </p:cNvPr>
+            <p:cNvSpPr/>
+            <p:nvPr/>
+          </p:nvSpPr>
+          <p:spPr>
+            <a:xfrm>
+              <a:off x="1425275" y="2764754"/>
+              <a:ext cx="310346" cy="1197862"/>
+            </a:xfrm>
+            <a:prstGeom prst="snip1Rect">
+              <a:avLst/>
+            </a:prstGeom>
+            <a:ln w="12700">
+              <a:solidFill>
+                <a:schemeClr val="tx1"/>
+              </a:solidFill>
+            </a:ln>
+            <a:effectLst>
+              <a:outerShdw blurRad="50800" dist="38100" dir="2700000" algn="tl" rotWithShape="0">
+                <a:prstClr val="black">
+                  <a:alpha val="40000"/>
+                </a:prstClr>
+              </a:outerShdw>
+            </a:effectLst>
+          </p:spPr>
+          <p:style>
+            <a:lnRef idx="1">
+              <a:schemeClr val="accent4"/>
+            </a:lnRef>
+            <a:fillRef idx="2">
+              <a:schemeClr val="accent4"/>
+            </a:fillRef>
+            <a:effectRef idx="1">
+              <a:schemeClr val="accent4"/>
+            </a:effectRef>
+            <a:fontRef idx="minor">
+              <a:schemeClr val="dk1"/>
+            </a:fontRef>
+          </p:style>
+          <p:txBody>
+            <a:bodyPr vert="vert270" rtlCol="0" anchor="ctr"/>
+            <a:lstStyle/>
+            <a:p>
+              <a:pPr algn="ctr"/>
+              <a:r>
+                <a:rPr lang="en-US" sz="1200" dirty="0" err="1"/>
+                <a:t>Config.ipynb</a:t>
+              </a:r>
+              <a:endParaRPr lang="en-US" sz="1200" dirty="0"/>
+            </a:p>
+          </p:txBody>
+        </p:sp>
+        <p:sp>
+          <p:nvSpPr>
+            <p:cNvPr id="10" name="Snip Single Corner Rectangle 9">
+              <a:extLst>
+                <a:ext uri="{FF2B5EF4-FFF2-40B4-BE49-F238E27FC236}">
+                  <a16:creationId xmlns:a16="http://schemas.microsoft.com/office/drawing/2014/main" id="{DE675605-85E4-F61B-6E13-A71132002C5D}"/>
+                </a:ext>
+              </a:extLst>
+            </p:cNvPr>
+            <p:cNvSpPr/>
+            <p:nvPr/>
+          </p:nvSpPr>
+          <p:spPr>
+            <a:xfrm>
+              <a:off x="1843173" y="2764754"/>
+              <a:ext cx="310346" cy="1197862"/>
+            </a:xfrm>
+            <a:prstGeom prst="snip1Rect">
+              <a:avLst/>
+            </a:prstGeom>
+            <a:ln w="12700">
+              <a:solidFill>
+                <a:schemeClr val="tx1"/>
+              </a:solidFill>
+            </a:ln>
+            <a:effectLst>
+              <a:outerShdw blurRad="50800" dist="38100" dir="2700000" algn="tl" rotWithShape="0">
+                <a:prstClr val="black">
+                  <a:alpha val="40000"/>
+                </a:prstClr>
+              </a:outerShdw>
+            </a:effectLst>
+          </p:spPr>
+          <p:style>
+            <a:lnRef idx="1">
+              <a:schemeClr val="accent4"/>
+            </a:lnRef>
+            <a:fillRef idx="2">
+              <a:schemeClr val="accent4"/>
+            </a:fillRef>
+            <a:effectRef idx="1">
+              <a:schemeClr val="accent4"/>
+            </a:effectRef>
+            <a:fontRef idx="minor">
+              <a:schemeClr val="dk1"/>
+            </a:fontRef>
+          </p:style>
+          <p:txBody>
+            <a:bodyPr vert="vert270" rtlCol="0" anchor="ctr"/>
+            <a:lstStyle/>
+            <a:p>
+              <a:pPr algn="ctr"/>
+              <a:r>
+                <a:rPr lang="en-US" sz="1200" dirty="0"/>
+                <a:t>CLI Attributes</a:t>
+              </a:r>
+            </a:p>
+          </p:txBody>
+        </p:sp>
+        <p:sp>
+          <p:nvSpPr>
+            <p:cNvPr id="11" name="Rounded Rectangle 10">
+              <a:extLst>
+                <a:ext uri="{FF2B5EF4-FFF2-40B4-BE49-F238E27FC236}">
+                  <a16:creationId xmlns:a16="http://schemas.microsoft.com/office/drawing/2014/main" id="{79D42F00-DF77-451C-0D19-FC584E9B32F4}"/>
+                </a:ext>
+              </a:extLst>
+            </p:cNvPr>
+            <p:cNvSpPr/>
+            <p:nvPr/>
+          </p:nvSpPr>
+          <p:spPr>
+            <a:xfrm>
+              <a:off x="5642479" y="586590"/>
+              <a:ext cx="4497785" cy="2427412"/>
+            </a:xfrm>
+            <a:prstGeom prst="roundRect">
+              <a:avLst/>
+            </a:prstGeom>
+            <a:solidFill>
+              <a:schemeClr val="accent6">
+                <a:lumMod val="20000"/>
+                <a:lumOff val="80000"/>
+              </a:schemeClr>
+            </a:solidFill>
+            <a:ln w="12700">
+              <a:solidFill>
+                <a:schemeClr val="tx1"/>
+              </a:solidFill>
+            </a:ln>
+            <a:effectLst>
+              <a:outerShdw blurRad="50800" dist="38100" dir="2700000" algn="tl" rotWithShape="0">
+                <a:prstClr val="black">
+                  <a:alpha val="40000"/>
+                </a:prstClr>
+              </a:outerShdw>
+            </a:effectLst>
+          </p:spPr>
+          <p:style>
+            <a:lnRef idx="1">
+              <a:schemeClr val="accent4"/>
+            </a:lnRef>
+            <a:fillRef idx="2">
+              <a:schemeClr val="accent4"/>
+            </a:fillRef>
+            <a:effectRef idx="1">
+              <a:schemeClr val="accent4"/>
+            </a:effectRef>
+            <a:fontRef idx="minor">
+              <a:schemeClr val="dk1"/>
+            </a:fontRef>
+          </p:style>
+          <p:txBody>
+            <a:bodyPr rtlCol="0" anchor="b"/>
+            <a:lstStyle/>
+            <a:p>
+              <a:r>
+                <a:rPr lang="en-US" sz="1600" b="1" dirty="0"/>
+                <a:t>         Workflow </a:t>
+              </a:r>
+            </a:p>
+            <a:p>
+              <a:r>
+                <a:rPr lang="en-US" sz="1600" b="1" dirty="0"/>
+                <a:t>Compute Coordinator</a:t>
+              </a:r>
+            </a:p>
+            <a:p>
+              <a:endParaRPr lang="en-US" sz="1600" b="1" dirty="0"/>
+            </a:p>
+            <a:p>
+              <a:endParaRPr lang="en-US" sz="1600" b="1" dirty="0"/>
+            </a:p>
+            <a:p>
+              <a:endParaRPr lang="en-US" sz="1600" b="1" dirty="0"/>
+            </a:p>
+            <a:p>
+              <a:endParaRPr lang="en-US" sz="1600" b="1" dirty="0"/>
+            </a:p>
+            <a:p>
+              <a:endParaRPr lang="en-US" sz="1600" b="1" dirty="0"/>
+            </a:p>
+            <a:p>
+              <a:endParaRPr lang="en-US" sz="1600" b="1" dirty="0"/>
+            </a:p>
+            <a:p>
+              <a:r>
+                <a:rPr lang="en-US" sz="1600" dirty="0"/>
+                <a:t>(</a:t>
+              </a:r>
+              <a:r>
+                <a:rPr lang="en-US" sz="1600" dirty="0" err="1"/>
+                <a:t>cloudmesh</a:t>
+              </a:r>
+              <a:r>
+                <a:rPr lang="en-US" sz="1600" dirty="0"/>
+                <a:t>-cc, Compute Coordinator) </a:t>
+              </a:r>
+            </a:p>
+          </p:txBody>
+        </p:sp>
+        <p:sp>
+          <p:nvSpPr>
+            <p:cNvPr id="12" name="Rounded Rectangle 11">
+              <a:extLst>
+                <a:ext uri="{FF2B5EF4-FFF2-40B4-BE49-F238E27FC236}">
+                  <a16:creationId xmlns:a16="http://schemas.microsoft.com/office/drawing/2014/main" id="{0B1C3D7B-2BD1-A7D5-A381-0098549B4E01}"/>
+                </a:ext>
+              </a:extLst>
+            </p:cNvPr>
+            <p:cNvSpPr/>
+            <p:nvPr/>
+          </p:nvSpPr>
+          <p:spPr>
+            <a:xfrm rot="16200000">
+              <a:off x="7678384" y="3832732"/>
+              <a:ext cx="1121833" cy="387435"/>
+            </a:xfrm>
+            <a:prstGeom prst="roundRect">
+              <a:avLst/>
+            </a:prstGeom>
+            <a:solidFill>
+              <a:schemeClr val="accent5">
+                <a:lumMod val="20000"/>
+                <a:lumOff val="80000"/>
+              </a:schemeClr>
+            </a:solidFill>
+            <a:ln w="12700">
+              <a:solidFill>
+                <a:schemeClr val="tx1"/>
+              </a:solidFill>
+            </a:ln>
+            <a:effectLst>
+              <a:outerShdw blurRad="50800" dist="38100" dir="2700000" algn="tl" rotWithShape="0">
+                <a:prstClr val="black">
+                  <a:alpha val="40000"/>
+                </a:prstClr>
+              </a:outerShdw>
+            </a:effectLst>
+          </p:spPr>
+          <p:style>
+            <a:lnRef idx="1">
+              <a:schemeClr val="accent4"/>
+            </a:lnRef>
+            <a:fillRef idx="2">
+              <a:schemeClr val="accent4"/>
+            </a:fillRef>
+            <a:effectRef idx="1">
+              <a:schemeClr val="accent4"/>
+            </a:effectRef>
+            <a:fontRef idx="minor">
+              <a:schemeClr val="dk1"/>
+            </a:fontRef>
+          </p:style>
+          <p:txBody>
+            <a:bodyPr rtlCol="0" anchor="ctr"/>
+            <a:lstStyle/>
+            <a:p>
+              <a:pPr algn="ctr"/>
+              <a:r>
+                <a:rPr lang="en-US" sz="1200" dirty="0"/>
+                <a:t>SLURM</a:t>
+              </a:r>
+            </a:p>
+          </p:txBody>
+        </p:sp>
+        <p:sp>
+          <p:nvSpPr>
+            <p:cNvPr id="13" name="Rounded Rectangle 12">
+              <a:extLst>
+                <a:ext uri="{FF2B5EF4-FFF2-40B4-BE49-F238E27FC236}">
+                  <a16:creationId xmlns:a16="http://schemas.microsoft.com/office/drawing/2014/main" id="{897147B4-A317-CA44-1170-2BC09C21025F}"/>
+                </a:ext>
+              </a:extLst>
+            </p:cNvPr>
+            <p:cNvSpPr/>
+            <p:nvPr/>
+          </p:nvSpPr>
+          <p:spPr>
+            <a:xfrm rot="16200000">
+              <a:off x="8134856" y="3832732"/>
+              <a:ext cx="1121831" cy="387435"/>
+            </a:xfrm>
+            <a:prstGeom prst="roundRect">
+              <a:avLst/>
+            </a:prstGeom>
+            <a:solidFill>
+              <a:schemeClr val="accent5">
+                <a:lumMod val="20000"/>
+                <a:lumOff val="80000"/>
+              </a:schemeClr>
+            </a:solidFill>
+            <a:ln w="12700">
+              <a:solidFill>
+                <a:schemeClr val="tx1"/>
+              </a:solidFill>
+            </a:ln>
+            <a:effectLst>
+              <a:outerShdw blurRad="50800" dist="38100" dir="2700000" algn="tl" rotWithShape="0">
+                <a:prstClr val="black">
+                  <a:alpha val="40000"/>
+                </a:prstClr>
+              </a:outerShdw>
+            </a:effectLst>
+          </p:spPr>
+          <p:style>
+            <a:lnRef idx="1">
+              <a:schemeClr val="accent4"/>
+            </a:lnRef>
+            <a:fillRef idx="2">
+              <a:schemeClr val="accent4"/>
+            </a:fillRef>
+            <a:effectRef idx="1">
+              <a:schemeClr val="accent4"/>
+            </a:effectRef>
+            <a:fontRef idx="minor">
+              <a:schemeClr val="dk1"/>
+            </a:fontRef>
+          </p:style>
+          <p:txBody>
+            <a:bodyPr rtlCol="0" anchor="ctr"/>
+            <a:lstStyle/>
+            <a:p>
+              <a:pPr algn="ctr"/>
+              <a:r>
+                <a:rPr lang="en-US" sz="1200" dirty="0"/>
+                <a:t>LSF</a:t>
+              </a:r>
+            </a:p>
+          </p:txBody>
+        </p:sp>
+        <p:sp>
+          <p:nvSpPr>
+            <p:cNvPr id="14" name="Rounded Rectangle 13">
+              <a:extLst>
+                <a:ext uri="{FF2B5EF4-FFF2-40B4-BE49-F238E27FC236}">
+                  <a16:creationId xmlns:a16="http://schemas.microsoft.com/office/drawing/2014/main" id="{CD777C0E-85BE-1BF8-41D3-87CEE7D7AF51}"/>
+                </a:ext>
+              </a:extLst>
+            </p:cNvPr>
+            <p:cNvSpPr/>
+            <p:nvPr/>
+          </p:nvSpPr>
+          <p:spPr>
+            <a:xfrm rot="16200000">
+              <a:off x="8591327" y="3832731"/>
+              <a:ext cx="1121830" cy="387435"/>
+            </a:xfrm>
+            <a:prstGeom prst="roundRect">
+              <a:avLst/>
+            </a:prstGeom>
+            <a:solidFill>
+              <a:schemeClr val="accent5">
+                <a:lumMod val="20000"/>
+                <a:lumOff val="80000"/>
+              </a:schemeClr>
+            </a:solidFill>
+            <a:ln w="12700">
+              <a:solidFill>
+                <a:schemeClr val="tx1"/>
+              </a:solidFill>
+            </a:ln>
+            <a:effectLst>
+              <a:outerShdw blurRad="50800" dist="38100" dir="2700000" algn="tl" rotWithShape="0">
+                <a:prstClr val="black">
+                  <a:alpha val="40000"/>
+                </a:prstClr>
+              </a:outerShdw>
+            </a:effectLst>
+          </p:spPr>
+          <p:style>
+            <a:lnRef idx="1">
+              <a:schemeClr val="accent4"/>
+            </a:lnRef>
+            <a:fillRef idx="2">
+              <a:schemeClr val="accent4"/>
+            </a:fillRef>
+            <a:effectRef idx="1">
+              <a:schemeClr val="accent4"/>
+            </a:effectRef>
+            <a:fontRef idx="minor">
+              <a:schemeClr val="dk1"/>
+            </a:fontRef>
+          </p:style>
+          <p:txBody>
+            <a:bodyPr rtlCol="0" anchor="ctr"/>
+            <a:lstStyle/>
+            <a:p>
+              <a:pPr algn="ctr"/>
+              <a:r>
+                <a:rPr lang="en-US" sz="1200" dirty="0"/>
+                <a:t>SSH</a:t>
+              </a:r>
+            </a:p>
+          </p:txBody>
+        </p:sp>
+        <p:sp>
+          <p:nvSpPr>
+            <p:cNvPr id="15" name="Rounded Rectangle 14">
+              <a:extLst>
+                <a:ext uri="{FF2B5EF4-FFF2-40B4-BE49-F238E27FC236}">
+                  <a16:creationId xmlns:a16="http://schemas.microsoft.com/office/drawing/2014/main" id="{6A837752-886C-B152-8B82-00C8AD4446E5}"/>
+                </a:ext>
+              </a:extLst>
+            </p:cNvPr>
+            <p:cNvSpPr/>
+            <p:nvPr/>
+          </p:nvSpPr>
+          <p:spPr>
+            <a:xfrm rot="16200000">
+              <a:off x="9045224" y="3839206"/>
+              <a:ext cx="1121830" cy="374485"/>
+            </a:xfrm>
+            <a:prstGeom prst="roundRect">
+              <a:avLst/>
+            </a:prstGeom>
+            <a:solidFill>
+              <a:schemeClr val="accent5">
+                <a:lumMod val="20000"/>
+                <a:lumOff val="80000"/>
+              </a:schemeClr>
+            </a:solidFill>
+            <a:ln w="12700">
+              <a:solidFill>
+                <a:schemeClr val="tx1"/>
+              </a:solidFill>
+            </a:ln>
+            <a:effectLst>
+              <a:outerShdw blurRad="50800" dist="38100" dir="2700000" algn="tl" rotWithShape="0">
+                <a:prstClr val="black">
+                  <a:alpha val="40000"/>
+                </a:prstClr>
+              </a:outerShdw>
+            </a:effectLst>
+          </p:spPr>
+          <p:style>
+            <a:lnRef idx="1">
+              <a:schemeClr val="accent4"/>
+            </a:lnRef>
+            <a:fillRef idx="2">
+              <a:schemeClr val="accent4"/>
+            </a:fillRef>
+            <a:effectRef idx="1">
+              <a:schemeClr val="accent4"/>
+            </a:effectRef>
+            <a:fontRef idx="minor">
+              <a:schemeClr val="dk1"/>
+            </a:fontRef>
+          </p:style>
+          <p:txBody>
+            <a:bodyPr rtlCol="0" anchor="ctr"/>
+            <a:lstStyle/>
+            <a:p>
+              <a:pPr algn="ctr"/>
+              <a:r>
+                <a:rPr lang="en-US" sz="1200" dirty="0"/>
+                <a:t>localhost</a:t>
+              </a:r>
+            </a:p>
+          </p:txBody>
+        </p:sp>
+        <p:sp>
+          <p:nvSpPr>
+            <p:cNvPr id="17" name="Snip Single Corner Rectangle 16">
+              <a:extLst>
+                <a:ext uri="{FF2B5EF4-FFF2-40B4-BE49-F238E27FC236}">
+                  <a16:creationId xmlns:a16="http://schemas.microsoft.com/office/drawing/2014/main" id="{7C2F500F-DBFB-B1A4-18E4-46036F0425E8}"/>
+                </a:ext>
+              </a:extLst>
+            </p:cNvPr>
+            <p:cNvSpPr/>
+            <p:nvPr/>
+          </p:nvSpPr>
+          <p:spPr>
+            <a:xfrm>
+              <a:off x="2261071" y="2764754"/>
+              <a:ext cx="506558" cy="1197862"/>
+            </a:xfrm>
+            <a:prstGeom prst="snip1Rect">
+              <a:avLst/>
+            </a:prstGeom>
+            <a:solidFill>
+              <a:schemeClr val="accent2">
+                <a:lumMod val="20000"/>
+                <a:lumOff val="80000"/>
+              </a:schemeClr>
+            </a:solidFill>
+            <a:ln w="12700">
+              <a:solidFill>
+                <a:schemeClr val="tx1"/>
+              </a:solidFill>
+            </a:ln>
+            <a:effectLst>
+              <a:outerShdw blurRad="50800" dist="38100" dir="2700000" algn="tl" rotWithShape="0">
+                <a:prstClr val="black">
+                  <a:alpha val="40000"/>
+                </a:prstClr>
+              </a:outerShdw>
+            </a:effectLst>
+          </p:spPr>
+          <p:style>
+            <a:lnRef idx="1">
+              <a:schemeClr val="accent4"/>
+            </a:lnRef>
+            <a:fillRef idx="2">
+              <a:schemeClr val="accent4"/>
+            </a:fillRef>
+            <a:effectRef idx="1">
+              <a:schemeClr val="accent4"/>
+            </a:effectRef>
+            <a:fontRef idx="minor">
+              <a:schemeClr val="dk1"/>
+            </a:fontRef>
+          </p:style>
+          <p:txBody>
+            <a:bodyPr vert="vert270" rtlCol="0" anchor="ctr"/>
+            <a:lstStyle/>
+            <a:p>
+              <a:pPr algn="ctr"/>
+              <a:r>
+                <a:rPr lang="en-US" sz="1200" dirty="0"/>
+                <a:t>Execution</a:t>
+              </a:r>
+            </a:p>
+            <a:p>
+              <a:pPr algn="ctr"/>
+              <a:r>
+                <a:rPr lang="en-US" sz="1200" dirty="0"/>
+                <a:t>Template</a:t>
+              </a:r>
+            </a:p>
+          </p:txBody>
+        </p:sp>
+        <p:sp>
+          <p:nvSpPr>
+            <p:cNvPr id="18" name="Snip Single Corner Rectangle 17">
+              <a:extLst>
+                <a:ext uri="{FF2B5EF4-FFF2-40B4-BE49-F238E27FC236}">
+                  <a16:creationId xmlns:a16="http://schemas.microsoft.com/office/drawing/2014/main" id="{784AC3FA-9C04-0825-3D30-B2E7115A4E83}"/>
+                </a:ext>
+              </a:extLst>
+            </p:cNvPr>
+            <p:cNvSpPr/>
+            <p:nvPr/>
+          </p:nvSpPr>
+          <p:spPr>
+            <a:xfrm>
+              <a:off x="3639921" y="1721032"/>
+              <a:ext cx="555934" cy="1197862"/>
+            </a:xfrm>
+            <a:prstGeom prst="snip1Rect">
+              <a:avLst/>
+            </a:prstGeom>
+            <a:solidFill>
+              <a:schemeClr val="bg2"/>
+            </a:solidFill>
+            <a:ln w="12700">
+              <a:solidFill>
+                <a:schemeClr val="tx1"/>
+              </a:solidFill>
+            </a:ln>
+            <a:effectLst>
+              <a:outerShdw blurRad="50800" dist="38100" dir="2700000" algn="tl" rotWithShape="0">
+                <a:prstClr val="black">
+                  <a:alpha val="40000"/>
+                </a:prstClr>
+              </a:outerShdw>
+            </a:effectLst>
+          </p:spPr>
+          <p:style>
+            <a:lnRef idx="1">
+              <a:schemeClr val="accent4"/>
+            </a:lnRef>
+            <a:fillRef idx="2">
+              <a:schemeClr val="accent4"/>
+            </a:fillRef>
+            <a:effectRef idx="1">
+              <a:schemeClr val="accent4"/>
+            </a:effectRef>
+            <a:fontRef idx="minor">
+              <a:schemeClr val="dk1"/>
+            </a:fontRef>
+          </p:style>
+          <p:txBody>
+            <a:bodyPr vert="vert270" rtlCol="0" anchor="ctr"/>
+            <a:lstStyle/>
+            <a:p>
+              <a:pPr algn="ctr"/>
+              <a:r>
+                <a:rPr lang="en-US" sz="1200" dirty="0"/>
+                <a:t>Execution</a:t>
+              </a:r>
+            </a:p>
+            <a:p>
+              <a:pPr algn="ctr"/>
+              <a:r>
+                <a:rPr lang="en-US" sz="1200" dirty="0"/>
+                <a:t>Description</a:t>
+              </a:r>
+            </a:p>
+          </p:txBody>
+        </p:sp>
+        <p:sp>
+          <p:nvSpPr>
+            <p:cNvPr id="20" name="Right Arrow 19">
+              <a:extLst>
+                <a:ext uri="{FF2B5EF4-FFF2-40B4-BE49-F238E27FC236}">
+                  <a16:creationId xmlns:a16="http://schemas.microsoft.com/office/drawing/2014/main" id="{02EB2E44-C6DF-1C8E-0D03-EA3555EE7CB6}"/>
+                </a:ext>
+              </a:extLst>
+            </p:cNvPr>
+            <p:cNvSpPr/>
+            <p:nvPr/>
+          </p:nvSpPr>
+          <p:spPr>
+            <a:xfrm>
+              <a:off x="10249852" y="3874226"/>
+              <a:ext cx="565817" cy="329834"/>
+            </a:xfrm>
+            <a:prstGeom prst="rightArrow">
+              <a:avLst/>
+            </a:prstGeom>
+            <a:solidFill>
+              <a:schemeClr val="bg2"/>
+            </a:solidFill>
+            <a:effectLst>
+              <a:outerShdw blurRad="50800" dist="38100" dir="2700000" algn="tl" rotWithShape="0">
+                <a:prstClr val="black">
+                  <a:alpha val="40000"/>
+                </a:prstClr>
+              </a:outerShdw>
+            </a:effectLst>
+          </p:spPr>
+          <p:style>
+            <a:lnRef idx="2">
+              <a:schemeClr val="accent1">
+                <a:shade val="50000"/>
+              </a:schemeClr>
+            </a:lnRef>
+            <a:fillRef idx="1">
+              <a:schemeClr val="accent1"/>
+            </a:fillRef>
+            <a:effectRef idx="0">
+              <a:schemeClr val="accent1"/>
+            </a:effectRef>
+            <a:fontRef idx="minor">
+              <a:schemeClr val="lt1"/>
+            </a:fontRef>
+          </p:style>
+          <p:txBody>
+            <a:bodyPr rtlCol="0" anchor="ctr"/>
+            <a:lstStyle/>
+            <a:p>
+              <a:pPr algn="ctr"/>
+              <a:endParaRPr lang="en-US"/>
+            </a:p>
+          </p:txBody>
+        </p:sp>
+        <p:sp>
+          <p:nvSpPr>
+            <p:cNvPr id="21" name="Snip Single Corner Rectangle 20">
+              <a:extLst>
+                <a:ext uri="{FF2B5EF4-FFF2-40B4-BE49-F238E27FC236}">
+                  <a16:creationId xmlns:a16="http://schemas.microsoft.com/office/drawing/2014/main" id="{D3CD0924-D14E-C5FA-F1DF-9EBF2B74478D}"/>
+                </a:ext>
+              </a:extLst>
+            </p:cNvPr>
+            <p:cNvSpPr/>
+            <p:nvPr/>
+          </p:nvSpPr>
+          <p:spPr>
+            <a:xfrm>
+              <a:off x="4755885" y="1730175"/>
+              <a:ext cx="555934" cy="1197862"/>
+            </a:xfrm>
+            <a:prstGeom prst="snip1Rect">
+              <a:avLst/>
+            </a:prstGeom>
+            <a:solidFill>
+              <a:schemeClr val="bg2"/>
+            </a:solidFill>
+            <a:ln w="12700">
+              <a:solidFill>
+                <a:schemeClr val="tx1"/>
+              </a:solidFill>
+            </a:ln>
+            <a:effectLst>
+              <a:outerShdw blurRad="50800" dist="38100" dir="2700000" algn="tl" rotWithShape="0">
+                <a:prstClr val="black">
+                  <a:alpha val="40000"/>
+                </a:prstClr>
+              </a:outerShdw>
+            </a:effectLst>
+          </p:spPr>
+          <p:style>
+            <a:lnRef idx="1">
+              <a:schemeClr val="accent4"/>
+            </a:lnRef>
+            <a:fillRef idx="2">
+              <a:schemeClr val="accent4"/>
+            </a:fillRef>
+            <a:effectRef idx="1">
+              <a:schemeClr val="accent4"/>
+            </a:effectRef>
+            <a:fontRef idx="minor">
+              <a:schemeClr val="dk1"/>
+            </a:fontRef>
+          </p:style>
+          <p:txBody>
+            <a:bodyPr vert="vert270" rtlCol="0" anchor="ctr"/>
+            <a:lstStyle/>
+            <a:p>
+              <a:pPr algn="ctr"/>
+              <a:r>
+                <a:rPr lang="en-US" sz="1200" dirty="0"/>
+                <a:t>Batch Job Permutations </a:t>
+              </a:r>
+            </a:p>
+          </p:txBody>
+        </p:sp>
+        <p:sp>
+          <p:nvSpPr>
+            <p:cNvPr id="22" name="Right Arrow 21">
+              <a:extLst>
+                <a:ext uri="{FF2B5EF4-FFF2-40B4-BE49-F238E27FC236}">
+                  <a16:creationId xmlns:a16="http://schemas.microsoft.com/office/drawing/2014/main" id="{42870520-8F4D-CFEE-D3DD-B2CFBE7A6F9C}"/>
+                </a:ext>
+              </a:extLst>
+            </p:cNvPr>
+            <p:cNvSpPr/>
+            <p:nvPr/>
+          </p:nvSpPr>
+          <p:spPr>
+            <a:xfrm>
+              <a:off x="2989065" y="2138954"/>
+              <a:ext cx="627617" cy="335373"/>
+            </a:xfrm>
+            <a:prstGeom prst="rightArrow">
+              <a:avLst/>
+            </a:prstGeom>
+            <a:solidFill>
+              <a:schemeClr val="bg2"/>
+            </a:solidFill>
+            <a:effectLst>
+              <a:outerShdw blurRad="50800" dist="38100" dir="2700000" algn="tl" rotWithShape="0">
+                <a:prstClr val="black">
+                  <a:alpha val="40000"/>
+                </a:prstClr>
+              </a:outerShdw>
+            </a:effectLst>
+          </p:spPr>
+          <p:style>
+            <a:lnRef idx="2">
+              <a:schemeClr val="accent1">
+                <a:shade val="50000"/>
+              </a:schemeClr>
+            </a:lnRef>
+            <a:fillRef idx="1">
+              <a:schemeClr val="accent1"/>
+            </a:fillRef>
+            <a:effectRef idx="0">
+              <a:schemeClr val="accent1"/>
+            </a:effectRef>
+            <a:fontRef idx="minor">
+              <a:schemeClr val="lt1"/>
+            </a:fontRef>
+          </p:style>
+          <p:txBody>
+            <a:bodyPr rtlCol="0" anchor="ctr"/>
+            <a:lstStyle/>
+            <a:p>
+              <a:pPr algn="ctr"/>
+              <a:endParaRPr lang="en-US"/>
+            </a:p>
+          </p:txBody>
+        </p:sp>
+        <p:sp>
+          <p:nvSpPr>
+            <p:cNvPr id="24" name="Right Arrow 23">
+              <a:extLst>
+                <a:ext uri="{FF2B5EF4-FFF2-40B4-BE49-F238E27FC236}">
+                  <a16:creationId xmlns:a16="http://schemas.microsoft.com/office/drawing/2014/main" id="{A5AA4556-5C52-53F8-8F86-AA7068AF9E30}"/>
+                </a:ext>
+              </a:extLst>
+            </p:cNvPr>
+            <p:cNvSpPr/>
+            <p:nvPr/>
+          </p:nvSpPr>
+          <p:spPr>
+            <a:xfrm>
+              <a:off x="4219095" y="2138734"/>
+              <a:ext cx="526906" cy="330053"/>
+            </a:xfrm>
+            <a:prstGeom prst="rightArrow">
+              <a:avLst/>
+            </a:prstGeom>
+            <a:solidFill>
+              <a:schemeClr val="bg2"/>
+            </a:solidFill>
+            <a:effectLst>
+              <a:outerShdw blurRad="50800" dist="38100" dir="2700000" algn="tl" rotWithShape="0">
+                <a:prstClr val="black">
+                  <a:alpha val="40000"/>
+                </a:prstClr>
+              </a:outerShdw>
+            </a:effectLst>
+          </p:spPr>
+          <p:style>
+            <a:lnRef idx="2">
+              <a:schemeClr val="accent1">
+                <a:shade val="50000"/>
+              </a:schemeClr>
+            </a:lnRef>
+            <a:fillRef idx="1">
+              <a:schemeClr val="accent1"/>
+            </a:fillRef>
+            <a:effectRef idx="0">
+              <a:schemeClr val="accent1"/>
+            </a:effectRef>
+            <a:fontRef idx="minor">
+              <a:schemeClr val="lt1"/>
+            </a:fontRef>
+          </p:style>
+          <p:txBody>
+            <a:bodyPr rtlCol="0" anchor="ctr"/>
+            <a:lstStyle/>
+            <a:p>
+              <a:pPr algn="ctr"/>
+              <a:endParaRPr lang="en-US"/>
+            </a:p>
+          </p:txBody>
+        </p:sp>
+        <p:sp>
+          <p:nvSpPr>
+            <p:cNvPr id="26" name="Snip Single Corner Rectangle 25">
+              <a:extLst>
+                <a:ext uri="{FF2B5EF4-FFF2-40B4-BE49-F238E27FC236}">
+                  <a16:creationId xmlns:a16="http://schemas.microsoft.com/office/drawing/2014/main" id="{5E4893B8-B7D6-540F-9D68-6DC1709ABF69}"/>
+                </a:ext>
+              </a:extLst>
+            </p:cNvPr>
+            <p:cNvSpPr/>
+            <p:nvPr/>
+          </p:nvSpPr>
+          <p:spPr>
+            <a:xfrm rot="5400000">
+              <a:off x="9450625" y="833592"/>
+              <a:ext cx="318152" cy="706166"/>
+            </a:xfrm>
+            <a:prstGeom prst="snip1Rect">
+              <a:avLst/>
+            </a:prstGeom>
+            <a:solidFill>
+              <a:schemeClr val="accent2">
+                <a:lumMod val="20000"/>
+                <a:lumOff val="80000"/>
+              </a:schemeClr>
+            </a:solidFill>
+            <a:ln w="12700">
+              <a:solidFill>
+                <a:schemeClr val="tx1"/>
+              </a:solidFill>
+            </a:ln>
+            <a:effectLst>
+              <a:outerShdw blurRad="50800" dist="38100" dir="2700000" algn="tl" rotWithShape="0">
+                <a:prstClr val="black">
+                  <a:alpha val="40000"/>
+                </a:prstClr>
+              </a:outerShdw>
+            </a:effectLst>
+          </p:spPr>
+          <p:style>
+            <a:lnRef idx="1">
+              <a:schemeClr val="accent4"/>
+            </a:lnRef>
+            <a:fillRef idx="2">
+              <a:schemeClr val="accent4"/>
+            </a:fillRef>
+            <a:effectRef idx="1">
+              <a:schemeClr val="accent4"/>
+            </a:effectRef>
+            <a:fontRef idx="minor">
+              <a:schemeClr val="dk1"/>
+            </a:fontRef>
+          </p:style>
+          <p:txBody>
+            <a:bodyPr vert="vert270" rtlCol="0" anchor="ctr"/>
+            <a:lstStyle/>
+            <a:p>
+              <a:pPr algn="ctr"/>
+              <a:r>
+                <a:rPr lang="en-US" sz="1200" dirty="0"/>
+                <a:t>Result 1</a:t>
+              </a:r>
+            </a:p>
+          </p:txBody>
+        </p:sp>
+        <p:sp>
+          <p:nvSpPr>
+            <p:cNvPr id="27" name="Snip Single Corner Rectangle 26">
+              <a:extLst>
+                <a:ext uri="{FF2B5EF4-FFF2-40B4-BE49-F238E27FC236}">
+                  <a16:creationId xmlns:a16="http://schemas.microsoft.com/office/drawing/2014/main" id="{2E508BE1-31C9-8688-CDFB-80D080DC2EED}"/>
+                </a:ext>
+              </a:extLst>
+            </p:cNvPr>
+            <p:cNvSpPr/>
+            <p:nvPr/>
+          </p:nvSpPr>
+          <p:spPr>
+            <a:xfrm rot="5400000">
+              <a:off x="9449753" y="1954181"/>
+              <a:ext cx="319896" cy="706166"/>
+            </a:xfrm>
+            <a:prstGeom prst="snip1Rect">
+              <a:avLst/>
+            </a:prstGeom>
+            <a:solidFill>
+              <a:schemeClr val="accent2">
+                <a:lumMod val="20000"/>
+                <a:lumOff val="80000"/>
+              </a:schemeClr>
+            </a:solidFill>
+            <a:ln w="12700">
+              <a:solidFill>
+                <a:schemeClr val="tx1"/>
+              </a:solidFill>
+            </a:ln>
+            <a:effectLst>
+              <a:outerShdw blurRad="50800" dist="38100" dir="2700000" algn="tl" rotWithShape="0">
+                <a:prstClr val="black">
+                  <a:alpha val="40000"/>
+                </a:prstClr>
+              </a:outerShdw>
+            </a:effectLst>
+          </p:spPr>
+          <p:style>
+            <a:lnRef idx="1">
+              <a:schemeClr val="accent4"/>
+            </a:lnRef>
+            <a:fillRef idx="2">
+              <a:schemeClr val="accent4"/>
+            </a:fillRef>
+            <a:effectRef idx="1">
+              <a:schemeClr val="accent4"/>
+            </a:effectRef>
+            <a:fontRef idx="minor">
+              <a:schemeClr val="dk1"/>
+            </a:fontRef>
+          </p:style>
+          <p:txBody>
+            <a:bodyPr vert="vert270" rtlCol="0" anchor="ctr"/>
+            <a:lstStyle/>
+            <a:p>
+              <a:pPr algn="ctr"/>
+              <a:r>
+                <a:rPr lang="en-US" sz="1200" dirty="0"/>
+                <a:t>Result n</a:t>
+              </a:r>
+            </a:p>
+          </p:txBody>
+        </p:sp>
+        <p:sp>
+          <p:nvSpPr>
+            <p:cNvPr id="28" name="TextBox 27">
+              <a:extLst>
+                <a:ext uri="{FF2B5EF4-FFF2-40B4-BE49-F238E27FC236}">
+                  <a16:creationId xmlns:a16="http://schemas.microsoft.com/office/drawing/2014/main" id="{8C96DCA6-4B25-7658-CF14-38625DFBE587}"/>
+                </a:ext>
+              </a:extLst>
+            </p:cNvPr>
+            <p:cNvSpPr txBox="1"/>
+            <p:nvPr/>
+          </p:nvSpPr>
+          <p:spPr>
+            <a:xfrm>
+              <a:off x="9455712" y="1507968"/>
+              <a:ext cx="343364" cy="369332"/>
+            </a:xfrm>
+            <a:prstGeom prst="rect">
+              <a:avLst/>
+            </a:prstGeom>
+            <a:noFill/>
+          </p:spPr>
+          <p:txBody>
+            <a:bodyPr wrap="none" rtlCol="0">
+              <a:spAutoFit/>
+            </a:bodyPr>
+            <a:lstStyle/>
+            <a:p>
+              <a:r>
+                <a:rPr lang="en-US" dirty="0"/>
+                <a:t>…</a:t>
+              </a:r>
+            </a:p>
+          </p:txBody>
+        </p:sp>
+        <p:cxnSp>
+          <p:nvCxnSpPr>
+            <p:cNvPr id="30" name="Elbow Connector 29">
+              <a:extLst>
+                <a:ext uri="{FF2B5EF4-FFF2-40B4-BE49-F238E27FC236}">
+                  <a16:creationId xmlns:a16="http://schemas.microsoft.com/office/drawing/2014/main" id="{281F86EC-513F-BB43-B7DC-8A6ADBEF4EC3}"/>
+                </a:ext>
+              </a:extLst>
+            </p:cNvPr>
+            <p:cNvCxnSpPr>
+              <a:cxnSpLocks/>
+              <a:stCxn id="3" idx="0"/>
+              <a:endCxn id="25" idx="2"/>
+            </p:cNvCxnSpPr>
+            <p:nvPr/>
+          </p:nvCxnSpPr>
+          <p:spPr>
+            <a:xfrm rot="5400000" flipH="1" flipV="1">
+              <a:off x="6149336" y="-1511956"/>
+              <a:ext cx="263935" cy="4009566"/>
+            </a:xfrm>
+            <a:prstGeom prst="bentConnector3">
+              <a:avLst>
+                <a:gd name="adj1" fmla="val 215073"/>
+              </a:avLst>
+            </a:prstGeom>
+            <a:ln w="12700">
+              <a:solidFill>
+                <a:schemeClr val="tx1"/>
+              </a:solidFill>
+              <a:tailEnd type="triangle"/>
+            </a:ln>
+          </p:spPr>
+          <p:style>
+            <a:lnRef idx="1">
+              <a:schemeClr val="accent1"/>
+            </a:lnRef>
+            <a:fillRef idx="0">
+              <a:schemeClr val="accent1"/>
+            </a:fillRef>
+            <a:effectRef idx="0">
+              <a:schemeClr val="accent1"/>
+            </a:effectRef>
+            <a:fontRef idx="minor">
               <a:schemeClr val="tx1"/>
+            </a:fontRef>
+          </p:style>
+        </p:cxnSp>
+        <p:sp>
+          <p:nvSpPr>
+            <p:cNvPr id="32" name="Snip Single Corner Rectangle 31">
+              <a:extLst>
+                <a:ext uri="{FF2B5EF4-FFF2-40B4-BE49-F238E27FC236}">
+                  <a16:creationId xmlns:a16="http://schemas.microsoft.com/office/drawing/2014/main" id="{CE028FEB-2536-B814-FABA-6E15F6CE2DA4}"/>
+                </a:ext>
+              </a:extLst>
+            </p:cNvPr>
+            <p:cNvSpPr/>
+            <p:nvPr/>
+          </p:nvSpPr>
+          <p:spPr>
+            <a:xfrm rot="5400000">
+              <a:off x="8200516" y="616165"/>
+              <a:ext cx="318154" cy="1197862"/>
+            </a:xfrm>
+            <a:prstGeom prst="snip1Rect">
+              <a:avLst/>
+            </a:prstGeom>
+            <a:solidFill>
+              <a:schemeClr val="bg2"/>
             </a:solidFill>
-          </a:ln>
-          <a:effectLst>
-            <a:outerShdw blurRad="50800" dist="38100" dir="2700000" algn="tl" rotWithShape="0">
-              <a:prstClr val="black">
-                <a:alpha val="40000"/>
-              </a:prstClr>
-            </a:outerShdw>
-          </a:effectLst>
-        </p:spPr>
-        <p:style>
-          <a:lnRef idx="1">
-            <a:schemeClr val="accent4"/>
-          </a:lnRef>
-          <a:fillRef idx="2">
-            <a:schemeClr val="accent4"/>
-          </a:fillRef>
-          <a:effectRef idx="1">
-            <a:schemeClr val="accent4"/>
-          </a:effectRef>
-          <a:fontRef idx="minor">
-            <a:schemeClr val="dk1"/>
-          </a:fontRef>
-        </p:style>
-        <p:txBody>
-          <a:bodyPr rtlCol="0" anchor="b"/>
-          <a:lstStyle/>
-          <a:p>
-            <a:pPr algn="ctr"/>
-            <a:r>
-              <a:rPr lang="en-US" sz="1600" b="1" dirty="0"/>
-              <a:t>Workflow </a:t>
-            </a:r>
-          </a:p>
-          <a:p>
-            <a:pPr algn="ctr"/>
-            <a:r>
-              <a:rPr lang="en-US" sz="1600" b="1" dirty="0"/>
-              <a:t>Monitor</a:t>
-            </a:r>
-          </a:p>
-          <a:p>
-            <a:pPr algn="ctr"/>
-            <a:endParaRPr lang="en-US" sz="1600" dirty="0"/>
-          </a:p>
-          <a:p>
-            <a:pPr algn="ctr"/>
-            <a:endParaRPr lang="en-US" sz="1600" dirty="0"/>
-          </a:p>
-          <a:p>
-            <a:pPr algn="ctr"/>
-            <a:endParaRPr lang="en-US" sz="1600" dirty="0"/>
-          </a:p>
-          <a:p>
-            <a:pPr algn="ctr"/>
-            <a:endParaRPr lang="en-US" sz="1600" dirty="0"/>
-          </a:p>
-          <a:p>
-            <a:pPr algn="ctr"/>
-            <a:endParaRPr lang="en-US" sz="1600" dirty="0"/>
-          </a:p>
-          <a:p>
-            <a:pPr algn="ctr"/>
-            <a:endParaRPr lang="en-US" sz="1600" dirty="0"/>
-          </a:p>
-          <a:p>
-            <a:pPr algn="ctr"/>
-            <a:r>
-              <a:rPr lang="en-US" sz="1600" dirty="0"/>
-              <a:t>(</a:t>
-            </a:r>
-            <a:r>
-              <a:rPr lang="en-US" sz="1600" dirty="0" err="1"/>
-              <a:t>coudmesh</a:t>
-            </a:r>
-            <a:r>
-              <a:rPr lang="en-US" sz="1600" dirty="0"/>
-              <a:t>-cc)</a:t>
-            </a:r>
-          </a:p>
-        </p:txBody>
-      </p:sp>
-      <p:sp>
-        <p:nvSpPr>
-          <p:cNvPr id="2" name="Rounded Rectangle 1">
-            <a:extLst>
-              <a:ext uri="{FF2B5EF4-FFF2-40B4-BE49-F238E27FC236}">
-                <a16:creationId xmlns:a16="http://schemas.microsoft.com/office/drawing/2014/main" id="{9C994B88-FBC8-EE94-F34C-A9D5DE15BE2A}"/>
-              </a:ext>
-            </a:extLst>
-          </p:cNvPr>
-          <p:cNvSpPr/>
-          <p:nvPr/>
-        </p:nvSpPr>
-        <p:spPr>
-          <a:xfrm>
-            <a:off x="367982" y="624794"/>
-            <a:ext cx="2523521" cy="3962573"/>
-          </a:xfrm>
-          <a:prstGeom prst="roundRect">
-            <a:avLst/>
-          </a:prstGeom>
-          <a:solidFill>
-            <a:schemeClr val="accent6">
-              <a:lumMod val="20000"/>
-              <a:lumOff val="80000"/>
-            </a:schemeClr>
-          </a:solidFill>
-          <a:ln w="12700">
+            <a:ln w="12700">
+              <a:solidFill>
+                <a:schemeClr val="tx1"/>
+              </a:solidFill>
+            </a:ln>
+            <a:effectLst>
+              <a:outerShdw blurRad="50800" dist="38100" dir="2700000" algn="tl" rotWithShape="0">
+                <a:prstClr val="black">
+                  <a:alpha val="40000"/>
+                </a:prstClr>
+              </a:outerShdw>
+            </a:effectLst>
+          </p:spPr>
+          <p:style>
+            <a:lnRef idx="1">
+              <a:schemeClr val="accent4"/>
+            </a:lnRef>
+            <a:fillRef idx="2">
+              <a:schemeClr val="accent4"/>
+            </a:fillRef>
+            <a:effectRef idx="1">
+              <a:schemeClr val="accent4"/>
+            </a:effectRef>
+            <a:fontRef idx="minor">
+              <a:schemeClr val="dk1"/>
+            </a:fontRef>
+          </p:style>
+          <p:txBody>
+            <a:bodyPr vert="vert270" rtlCol="0" anchor="ctr"/>
+            <a:lstStyle/>
+            <a:p>
+              <a:pPr algn="ctr"/>
+              <a:r>
+                <a:rPr lang="en-US" sz="1200" dirty="0"/>
+                <a:t>Configuration 1</a:t>
+              </a:r>
+            </a:p>
+          </p:txBody>
+        </p:sp>
+        <p:cxnSp>
+          <p:nvCxnSpPr>
+            <p:cNvPr id="33" name="Elbow Connector 32">
+              <a:extLst>
+                <a:ext uri="{FF2B5EF4-FFF2-40B4-BE49-F238E27FC236}">
+                  <a16:creationId xmlns:a16="http://schemas.microsoft.com/office/drawing/2014/main" id="{B341FD20-C469-6DC0-CD5D-6A900A932D29}"/>
+                </a:ext>
+              </a:extLst>
+            </p:cNvPr>
+            <p:cNvCxnSpPr>
+              <a:cxnSpLocks/>
+              <a:stCxn id="2" idx="0"/>
+              <a:endCxn id="25" idx="2"/>
+            </p:cNvCxnSpPr>
+            <p:nvPr/>
+          </p:nvCxnSpPr>
+          <p:spPr>
+            <a:xfrm rot="5400000" flipH="1" flipV="1">
+              <a:off x="4825947" y="-2835344"/>
+              <a:ext cx="263935" cy="6656343"/>
+            </a:xfrm>
+            <a:prstGeom prst="bentConnector3">
+              <a:avLst>
+                <a:gd name="adj1" fmla="val 215073"/>
+              </a:avLst>
+            </a:prstGeom>
+            <a:ln w="12700">
+              <a:solidFill>
+                <a:schemeClr val="tx1"/>
+              </a:solidFill>
+              <a:tailEnd type="triangle"/>
+            </a:ln>
+          </p:spPr>
+          <p:style>
+            <a:lnRef idx="1">
+              <a:schemeClr val="accent1"/>
+            </a:lnRef>
+            <a:fillRef idx="0">
+              <a:schemeClr val="accent1"/>
+            </a:fillRef>
+            <a:effectRef idx="0">
+              <a:schemeClr val="accent1"/>
+            </a:effectRef>
+            <a:fontRef idx="minor">
+              <a:schemeClr val="tx1"/>
+            </a:fontRef>
+          </p:style>
+        </p:cxnSp>
+        <p:sp>
+          <p:nvSpPr>
+            <p:cNvPr id="36" name="Snip Single Corner Rectangle 35">
+              <a:extLst>
+                <a:ext uri="{FF2B5EF4-FFF2-40B4-BE49-F238E27FC236}">
+                  <a16:creationId xmlns:a16="http://schemas.microsoft.com/office/drawing/2014/main" id="{B3CAC580-FD33-58B2-A309-82E848638C61}"/>
+                </a:ext>
+              </a:extLst>
+            </p:cNvPr>
+            <p:cNvSpPr/>
+            <p:nvPr/>
+          </p:nvSpPr>
+          <p:spPr>
+            <a:xfrm rot="5400000">
+              <a:off x="8200516" y="1710780"/>
+              <a:ext cx="318154" cy="1197862"/>
+            </a:xfrm>
+            <a:prstGeom prst="snip1Rect">
+              <a:avLst/>
+            </a:prstGeom>
             <a:solidFill>
-              <a:schemeClr val="tx1"/>
+              <a:schemeClr val="bg2"/>
             </a:solidFill>
-          </a:ln>
-          <a:effectLst>
-            <a:outerShdw blurRad="50800" dist="38100" dir="2700000" algn="tl" rotWithShape="0">
-              <a:prstClr val="black">
-                <a:alpha val="40000"/>
-              </a:prstClr>
-            </a:outerShdw>
-          </a:effectLst>
-        </p:spPr>
-        <p:style>
-          <a:lnRef idx="1">
-            <a:schemeClr val="accent4"/>
-          </a:lnRef>
-          <a:fillRef idx="2">
-            <a:schemeClr val="accent4"/>
-          </a:fillRef>
-          <a:effectRef idx="1">
-            <a:schemeClr val="accent4"/>
-          </a:effectRef>
-          <a:fontRef idx="minor">
-            <a:schemeClr val="dk1"/>
-          </a:fontRef>
-        </p:style>
-        <p:txBody>
-          <a:bodyPr rtlCol="0" anchor="b"/>
-          <a:lstStyle/>
-          <a:p>
-            <a:pPr algn="ctr"/>
-            <a:r>
-              <a:rPr lang="en-US" sz="1600" b="1" dirty="0"/>
-              <a:t>Workflow </a:t>
-            </a:r>
-          </a:p>
-          <a:p>
-            <a:pPr algn="ctr"/>
-            <a:r>
-              <a:rPr lang="en-US" sz="1600" b="1" dirty="0"/>
-              <a:t>Script Batch </a:t>
-            </a:r>
-          </a:p>
-          <a:p>
-            <a:pPr algn="ctr"/>
-            <a:r>
-              <a:rPr lang="en-US" sz="1600" b="1" dirty="0"/>
-              <a:t>Job Generator</a:t>
-            </a:r>
-          </a:p>
-          <a:p>
-            <a:pPr algn="ctr"/>
-            <a:endParaRPr lang="en-US" sz="1600" b="1" dirty="0"/>
-          </a:p>
-          <a:p>
-            <a:pPr algn="ctr"/>
-            <a:endParaRPr lang="en-US" sz="1600" b="1" dirty="0"/>
-          </a:p>
-          <a:p>
-            <a:pPr algn="ctr"/>
-            <a:endParaRPr lang="en-US" sz="1600" b="1" dirty="0"/>
-          </a:p>
-          <a:p>
-            <a:pPr algn="ctr"/>
-            <a:endParaRPr lang="en-US" sz="1600" b="1" dirty="0"/>
-          </a:p>
-          <a:p>
-            <a:pPr algn="ctr"/>
-            <a:endParaRPr lang="en-US" sz="1600" b="1" dirty="0"/>
-          </a:p>
-          <a:p>
-            <a:pPr algn="ctr"/>
-            <a:endParaRPr lang="en-US" sz="1600" b="1" dirty="0"/>
-          </a:p>
-          <a:p>
-            <a:pPr algn="ctr"/>
-            <a:endParaRPr lang="en-US" sz="1600" b="1" dirty="0"/>
-          </a:p>
-          <a:p>
-            <a:pPr algn="ctr"/>
-            <a:endParaRPr lang="en-US" sz="1600" b="1" dirty="0"/>
-          </a:p>
-          <a:p>
-            <a:pPr algn="ctr"/>
-            <a:endParaRPr lang="en-US" sz="1600" b="1" dirty="0"/>
-          </a:p>
-          <a:p>
-            <a:pPr algn="ctr"/>
-            <a:r>
-              <a:rPr lang="en-US" sz="1600" b="1" dirty="0"/>
-              <a:t> </a:t>
-            </a:r>
-          </a:p>
-          <a:p>
-            <a:pPr algn="ctr"/>
-            <a:endParaRPr lang="en-US" sz="1600" dirty="0"/>
-          </a:p>
-          <a:p>
-            <a:pPr algn="ctr"/>
-            <a:r>
-              <a:rPr lang="en-US" sz="1600" dirty="0"/>
-              <a:t>(</a:t>
-            </a:r>
-            <a:r>
-              <a:rPr lang="en-US" sz="1600" dirty="0" err="1"/>
-              <a:t>cloudmesh-sbatch</a:t>
-            </a:r>
-            <a:r>
-              <a:rPr lang="en-US" sz="1600" dirty="0"/>
-              <a:t>)</a:t>
-            </a:r>
-          </a:p>
-        </p:txBody>
-      </p:sp>
-      <p:sp>
-        <p:nvSpPr>
-          <p:cNvPr id="3" name="Rounded Rectangle 2">
-            <a:extLst>
-              <a:ext uri="{FF2B5EF4-FFF2-40B4-BE49-F238E27FC236}">
-                <a16:creationId xmlns:a16="http://schemas.microsoft.com/office/drawing/2014/main" id="{833601EE-297A-A2CE-00EE-1745E5EAB9B7}"/>
-              </a:ext>
-            </a:extLst>
-          </p:cNvPr>
-          <p:cNvSpPr/>
-          <p:nvPr/>
-        </p:nvSpPr>
-        <p:spPr>
-          <a:xfrm>
-            <a:off x="3175546" y="624794"/>
-            <a:ext cx="2201948" cy="3962573"/>
-          </a:xfrm>
-          <a:prstGeom prst="roundRect">
-            <a:avLst/>
-          </a:prstGeom>
-          <a:solidFill>
-            <a:schemeClr val="bg2">
-              <a:lumMod val="90000"/>
-            </a:schemeClr>
-          </a:solidFill>
-          <a:ln w="12700">
+            <a:ln w="12700">
+              <a:solidFill>
+                <a:schemeClr val="tx1"/>
+              </a:solidFill>
+            </a:ln>
+            <a:effectLst>
+              <a:outerShdw blurRad="50800" dist="38100" dir="2700000" algn="tl" rotWithShape="0">
+                <a:prstClr val="black">
+                  <a:alpha val="40000"/>
+                </a:prstClr>
+              </a:outerShdw>
+            </a:effectLst>
+          </p:spPr>
+          <p:style>
+            <a:lnRef idx="1">
+              <a:schemeClr val="accent4"/>
+            </a:lnRef>
+            <a:fillRef idx="2">
+              <a:schemeClr val="accent4"/>
+            </a:fillRef>
+            <a:effectRef idx="1">
+              <a:schemeClr val="accent4"/>
+            </a:effectRef>
+            <a:fontRef idx="minor">
+              <a:schemeClr val="dk1"/>
+            </a:fontRef>
+          </p:style>
+          <p:txBody>
+            <a:bodyPr vert="vert270" rtlCol="0" anchor="ctr"/>
+            <a:lstStyle/>
+            <a:p>
+              <a:pPr algn="ctr"/>
+              <a:r>
+                <a:rPr lang="en-US" sz="1200" dirty="0"/>
+                <a:t>Configuration n</a:t>
+              </a:r>
+            </a:p>
+          </p:txBody>
+        </p:sp>
+        <p:sp>
+          <p:nvSpPr>
+            <p:cNvPr id="37" name="TextBox 36">
+              <a:extLst>
+                <a:ext uri="{FF2B5EF4-FFF2-40B4-BE49-F238E27FC236}">
+                  <a16:creationId xmlns:a16="http://schemas.microsoft.com/office/drawing/2014/main" id="{F2ED20D2-655A-773C-FCAF-55138FD45A08}"/>
+                </a:ext>
+              </a:extLst>
+            </p:cNvPr>
+            <p:cNvSpPr txBox="1"/>
+            <p:nvPr/>
+          </p:nvSpPr>
+          <p:spPr>
+            <a:xfrm>
+              <a:off x="7923553" y="1511972"/>
+              <a:ext cx="343364" cy="369332"/>
+            </a:xfrm>
+            <a:prstGeom prst="rect">
+              <a:avLst/>
+            </a:prstGeom>
+            <a:noFill/>
+          </p:spPr>
+          <p:txBody>
+            <a:bodyPr wrap="none" rtlCol="0">
+              <a:spAutoFit/>
+            </a:bodyPr>
+            <a:lstStyle/>
+            <a:p>
+              <a:r>
+                <a:rPr lang="en-US" dirty="0"/>
+                <a:t>…</a:t>
+              </a:r>
+            </a:p>
+          </p:txBody>
+        </p:sp>
+        <p:sp>
+          <p:nvSpPr>
+            <p:cNvPr id="25" name="Snip Single Corner Rectangle 24">
+              <a:extLst>
+                <a:ext uri="{FF2B5EF4-FFF2-40B4-BE49-F238E27FC236}">
+                  <a16:creationId xmlns:a16="http://schemas.microsoft.com/office/drawing/2014/main" id="{0C86C5A1-51F4-339D-CC1A-C644B5AB3C62}"/>
+                </a:ext>
+              </a:extLst>
+            </p:cNvPr>
+            <p:cNvSpPr/>
+            <p:nvPr/>
+          </p:nvSpPr>
+          <p:spPr>
+            <a:xfrm rot="5400000">
+              <a:off x="8008119" y="285742"/>
+              <a:ext cx="555933" cy="706166"/>
+            </a:xfrm>
+            <a:prstGeom prst="snip1Rect">
+              <a:avLst/>
+            </a:prstGeom>
             <a:solidFill>
-              <a:schemeClr val="tx1"/>
+              <a:schemeClr val="accent2">
+                <a:lumMod val="20000"/>
+                <a:lumOff val="80000"/>
+              </a:schemeClr>
             </a:solidFill>
-          </a:ln>
-          <a:effectLst>
-            <a:outerShdw blurRad="50800" dist="38100" dir="2700000" algn="tl" rotWithShape="0">
-              <a:prstClr val="black">
-                <a:alpha val="40000"/>
-              </a:prstClr>
-            </a:outerShdw>
-          </a:effectLst>
-        </p:spPr>
-        <p:style>
-          <a:lnRef idx="1">
-            <a:schemeClr val="accent4"/>
-          </a:lnRef>
-          <a:fillRef idx="2">
-            <a:schemeClr val="accent4"/>
-          </a:fillRef>
-          <a:effectRef idx="1">
-            <a:schemeClr val="accent4"/>
-          </a:effectRef>
-          <a:fontRef idx="minor">
-            <a:schemeClr val="dk1"/>
-          </a:fontRef>
-        </p:style>
-        <p:txBody>
-          <a:bodyPr rtlCol="0" anchor="b"/>
-          <a:lstStyle/>
-          <a:p>
-            <a:pPr algn="ctr"/>
-            <a:r>
-              <a:rPr lang="en-US" sz="1600" b="1" dirty="0"/>
-              <a:t>Workflow </a:t>
-            </a:r>
-          </a:p>
-          <a:p>
-            <a:pPr algn="ctr"/>
-            <a:r>
-              <a:rPr lang="en-US" sz="1600" b="1" dirty="0"/>
-              <a:t>Storage</a:t>
-            </a:r>
-          </a:p>
-          <a:p>
-            <a:pPr algn="ctr"/>
-            <a:endParaRPr lang="en-US" sz="1600" b="1" dirty="0"/>
-          </a:p>
-          <a:p>
-            <a:pPr algn="ctr"/>
-            <a:endParaRPr lang="en-US" sz="1600" b="1" dirty="0"/>
-          </a:p>
-          <a:p>
-            <a:pPr algn="ctr"/>
-            <a:endParaRPr lang="en-US" sz="1600" b="1" dirty="0"/>
-          </a:p>
-          <a:p>
-            <a:pPr algn="ctr"/>
-            <a:endParaRPr lang="en-US" sz="1600" b="1" dirty="0"/>
-          </a:p>
-          <a:p>
-            <a:pPr algn="ctr"/>
-            <a:endParaRPr lang="en-US" sz="1600" b="1" dirty="0"/>
-          </a:p>
-          <a:p>
-            <a:pPr algn="ctr"/>
-            <a:endParaRPr lang="en-US" sz="1600" b="1" dirty="0"/>
-          </a:p>
-          <a:p>
-            <a:pPr algn="ctr"/>
-            <a:endParaRPr lang="en-US" sz="1600" b="1" dirty="0"/>
-          </a:p>
-          <a:p>
-            <a:pPr algn="ctr"/>
-            <a:endParaRPr lang="en-US" sz="1600" b="1" dirty="0"/>
-          </a:p>
-          <a:p>
-            <a:pPr algn="ctr"/>
-            <a:endParaRPr lang="en-US" sz="1600" b="1" dirty="0"/>
-          </a:p>
-          <a:p>
-            <a:pPr algn="ctr"/>
-            <a:endParaRPr lang="en-US" sz="1600" b="1" dirty="0"/>
-          </a:p>
-          <a:p>
-            <a:pPr algn="ctr"/>
-            <a:endParaRPr lang="en-US" sz="1600" b="1" dirty="0"/>
-          </a:p>
-          <a:p>
-            <a:pPr algn="ctr"/>
-            <a:endParaRPr lang="en-US" sz="1600" dirty="0"/>
-          </a:p>
-          <a:p>
-            <a:pPr algn="ctr"/>
-            <a:r>
-              <a:rPr lang="en-US" sz="1600" dirty="0"/>
-              <a:t>(</a:t>
-            </a:r>
-            <a:r>
-              <a:rPr lang="en-US" sz="1600" dirty="0" err="1"/>
-              <a:t>cloudmesh</a:t>
-            </a:r>
-            <a:r>
-              <a:rPr lang="en-US" sz="1600" dirty="0"/>
-              <a:t> </a:t>
-            </a:r>
-            <a:r>
-              <a:rPr lang="en-US" sz="1600" dirty="0" err="1"/>
-              <a:t>YamlDB</a:t>
-            </a:r>
-            <a:r>
-              <a:rPr lang="en-US" sz="1600" dirty="0"/>
-              <a:t>)</a:t>
-            </a:r>
-          </a:p>
-        </p:txBody>
-      </p:sp>
-      <p:sp>
-        <p:nvSpPr>
-          <p:cNvPr id="4" name="Rounded Rectangle 3">
-            <a:extLst>
-              <a:ext uri="{FF2B5EF4-FFF2-40B4-BE49-F238E27FC236}">
-                <a16:creationId xmlns:a16="http://schemas.microsoft.com/office/drawing/2014/main" id="{8331628A-C8D6-2AF5-C3BC-8DC341057813}"/>
-              </a:ext>
-            </a:extLst>
-          </p:cNvPr>
-          <p:cNvSpPr/>
-          <p:nvPr/>
-        </p:nvSpPr>
-        <p:spPr>
-          <a:xfrm>
-            <a:off x="539224" y="2009244"/>
-            <a:ext cx="2169826" cy="619001"/>
-          </a:xfrm>
-          <a:prstGeom prst="roundRect">
-            <a:avLst/>
-          </a:prstGeom>
-          <a:solidFill>
-            <a:schemeClr val="bg2">
-              <a:lumMod val="90000"/>
-            </a:schemeClr>
-          </a:solidFill>
-          <a:ln w="12700">
+            <a:ln w="12700">
+              <a:solidFill>
+                <a:schemeClr val="tx1"/>
+              </a:solidFill>
+            </a:ln>
+            <a:effectLst>
+              <a:outerShdw blurRad="50800" dist="38100" dir="2700000" algn="tl" rotWithShape="0">
+                <a:prstClr val="black">
+                  <a:alpha val="40000"/>
+                </a:prstClr>
+              </a:outerShdw>
+            </a:effectLst>
+          </p:spPr>
+          <p:style>
+            <a:lnRef idx="1">
+              <a:schemeClr val="accent4"/>
+            </a:lnRef>
+            <a:fillRef idx="2">
+              <a:schemeClr val="accent4"/>
+            </a:fillRef>
+            <a:effectRef idx="1">
+              <a:schemeClr val="accent4"/>
+            </a:effectRef>
+            <a:fontRef idx="minor">
+              <a:schemeClr val="dk1"/>
+            </a:fontRef>
+          </p:style>
+          <p:txBody>
+            <a:bodyPr vert="vert270" rtlCol="0" anchor="ctr"/>
+            <a:lstStyle/>
+            <a:p>
+              <a:pPr algn="ctr"/>
+              <a:r>
+                <a:rPr lang="en-US" sz="1200" dirty="0"/>
+                <a:t>Program</a:t>
+              </a:r>
+            </a:p>
+          </p:txBody>
+        </p:sp>
+        <p:sp>
+          <p:nvSpPr>
+            <p:cNvPr id="38" name="Right Arrow 37">
+              <a:extLst>
+                <a:ext uri="{FF2B5EF4-FFF2-40B4-BE49-F238E27FC236}">
+                  <a16:creationId xmlns:a16="http://schemas.microsoft.com/office/drawing/2014/main" id="{4FEC070C-0882-EE15-57A4-5BEFC0892DC7}"/>
+                </a:ext>
+              </a:extLst>
+            </p:cNvPr>
+            <p:cNvSpPr/>
+            <p:nvPr/>
+          </p:nvSpPr>
+          <p:spPr>
+            <a:xfrm>
+              <a:off x="8883069" y="1616485"/>
+              <a:ext cx="299855" cy="309501"/>
+            </a:xfrm>
+            <a:prstGeom prst="rightArrow">
+              <a:avLst/>
+            </a:prstGeom>
             <a:solidFill>
-              <a:schemeClr val="tx1"/>
+              <a:schemeClr val="bg2"/>
             </a:solidFill>
-          </a:ln>
-          <a:effectLst>
-            <a:outerShdw blurRad="50800" dist="38100" dir="2700000" algn="tl" rotWithShape="0">
-              <a:prstClr val="black">
-                <a:alpha val="40000"/>
-              </a:prstClr>
-            </a:outerShdw>
-          </a:effectLst>
-        </p:spPr>
-        <p:style>
-          <a:lnRef idx="1">
-            <a:schemeClr val="accent4"/>
-          </a:lnRef>
-          <a:fillRef idx="2">
-            <a:schemeClr val="accent4"/>
-          </a:fillRef>
-          <a:effectRef idx="1">
-            <a:schemeClr val="accent4"/>
-          </a:effectRef>
-          <a:fontRef idx="minor">
-            <a:schemeClr val="dk1"/>
-          </a:fontRef>
-        </p:style>
-        <p:txBody>
-          <a:bodyPr rtlCol="0" anchor="ctr"/>
-          <a:lstStyle/>
-          <a:p>
-            <a:pPr algn="ctr"/>
-            <a:r>
-              <a:rPr lang="en-US" sz="1600" dirty="0"/>
-              <a:t>Experiment 1 … n Specification</a:t>
-            </a:r>
-          </a:p>
-        </p:txBody>
-      </p:sp>
-      <p:sp>
-        <p:nvSpPr>
-          <p:cNvPr id="5" name="Snip Single Corner Rectangle 4">
-            <a:extLst>
-              <a:ext uri="{FF2B5EF4-FFF2-40B4-BE49-F238E27FC236}">
-                <a16:creationId xmlns:a16="http://schemas.microsoft.com/office/drawing/2014/main" id="{04796ACC-239D-CD59-F479-5B272A3D6544}"/>
-              </a:ext>
-            </a:extLst>
-          </p:cNvPr>
-          <p:cNvSpPr/>
-          <p:nvPr/>
-        </p:nvSpPr>
-        <p:spPr>
-          <a:xfrm>
-            <a:off x="589423" y="2764757"/>
-            <a:ext cx="310346" cy="1197862"/>
-          </a:xfrm>
-          <a:prstGeom prst="snip1Rect">
-            <a:avLst/>
-          </a:prstGeom>
-          <a:ln w="12700">
+            <a:effectLst>
+              <a:outerShdw blurRad="50800" dist="38100" dir="2700000" algn="tl" rotWithShape="0">
+                <a:prstClr val="black">
+                  <a:alpha val="40000"/>
+                </a:prstClr>
+              </a:outerShdw>
+            </a:effectLst>
+          </p:spPr>
+          <p:style>
+            <a:lnRef idx="2">
+              <a:schemeClr val="accent1">
+                <a:shade val="50000"/>
+              </a:schemeClr>
+            </a:lnRef>
+            <a:fillRef idx="1">
+              <a:schemeClr val="accent1"/>
+            </a:fillRef>
+            <a:effectRef idx="0">
+              <a:schemeClr val="accent1"/>
+            </a:effectRef>
+            <a:fontRef idx="minor">
+              <a:schemeClr val="lt1"/>
+            </a:fontRef>
+          </p:style>
+          <p:txBody>
+            <a:bodyPr rtlCol="0" anchor="ctr"/>
+            <a:lstStyle/>
+            <a:p>
+              <a:pPr algn="ctr"/>
+              <a:endParaRPr lang="en-US"/>
+            </a:p>
+          </p:txBody>
+        </p:sp>
+        <p:sp>
+          <p:nvSpPr>
+            <p:cNvPr id="46" name="Right Arrow 45">
+              <a:extLst>
+                <a:ext uri="{FF2B5EF4-FFF2-40B4-BE49-F238E27FC236}">
+                  <a16:creationId xmlns:a16="http://schemas.microsoft.com/office/drawing/2014/main" id="{2A1A0ACA-33D6-7BA3-F039-E63672778273}"/>
+                </a:ext>
+              </a:extLst>
+            </p:cNvPr>
+            <p:cNvSpPr/>
+            <p:nvPr/>
+          </p:nvSpPr>
+          <p:spPr>
+            <a:xfrm rot="5400000">
+              <a:off x="8800277" y="3002612"/>
+              <a:ext cx="329835" cy="374094"/>
+            </a:xfrm>
+            <a:prstGeom prst="rightArrow">
+              <a:avLst/>
+            </a:prstGeom>
             <a:solidFill>
-              <a:schemeClr val="tx1"/>
+              <a:schemeClr val="bg2"/>
             </a:solidFill>
-          </a:ln>
-          <a:effectLst>
-            <a:outerShdw blurRad="50800" dist="38100" dir="2700000" algn="tl" rotWithShape="0">
-              <a:prstClr val="black">
-                <a:alpha val="40000"/>
-              </a:prstClr>
-            </a:outerShdw>
-          </a:effectLst>
-        </p:spPr>
-        <p:style>
-          <a:lnRef idx="1">
-            <a:schemeClr val="accent4"/>
-          </a:lnRef>
-          <a:fillRef idx="2">
-            <a:schemeClr val="accent4"/>
-          </a:fillRef>
-          <a:effectRef idx="1">
-            <a:schemeClr val="accent4"/>
-          </a:effectRef>
-          <a:fontRef idx="minor">
-            <a:schemeClr val="dk1"/>
-          </a:fontRef>
-        </p:style>
-        <p:txBody>
-          <a:bodyPr vert="vert270" rtlCol="0" anchor="ctr"/>
-          <a:lstStyle/>
-          <a:p>
-            <a:pPr algn="ctr"/>
-            <a:r>
-              <a:rPr lang="en-US" sz="1200" dirty="0" err="1"/>
-              <a:t>Config.yaml</a:t>
-            </a:r>
-            <a:endParaRPr lang="en-US" sz="1200" dirty="0"/>
-          </a:p>
-        </p:txBody>
-      </p:sp>
-      <p:sp>
-        <p:nvSpPr>
-          <p:cNvPr id="8" name="Snip Single Corner Rectangle 7">
-            <a:extLst>
-              <a:ext uri="{FF2B5EF4-FFF2-40B4-BE49-F238E27FC236}">
-                <a16:creationId xmlns:a16="http://schemas.microsoft.com/office/drawing/2014/main" id="{777958D2-46B0-CC00-085B-34B76622AA87}"/>
-              </a:ext>
-            </a:extLst>
-          </p:cNvPr>
-          <p:cNvSpPr/>
-          <p:nvPr/>
-        </p:nvSpPr>
-        <p:spPr>
-          <a:xfrm>
-            <a:off x="1007349" y="2764754"/>
-            <a:ext cx="310346" cy="1197862"/>
-          </a:xfrm>
-          <a:prstGeom prst="snip1Rect">
-            <a:avLst/>
-          </a:prstGeom>
-          <a:ln w="12700">
+            <a:effectLst>
+              <a:outerShdw blurRad="50800" dist="38100" dir="2700000" algn="tl" rotWithShape="0">
+                <a:prstClr val="black">
+                  <a:alpha val="40000"/>
+                </a:prstClr>
+              </a:outerShdw>
+            </a:effectLst>
+          </p:spPr>
+          <p:style>
+            <a:lnRef idx="2">
+              <a:schemeClr val="accent1">
+                <a:shade val="50000"/>
+              </a:schemeClr>
+            </a:lnRef>
+            <a:fillRef idx="1">
+              <a:schemeClr val="accent1"/>
+            </a:fillRef>
+            <a:effectRef idx="0">
+              <a:schemeClr val="accent1"/>
+            </a:effectRef>
+            <a:fontRef idx="minor">
+              <a:schemeClr val="lt1"/>
+            </a:fontRef>
+          </p:style>
+          <p:txBody>
+            <a:bodyPr rtlCol="0" anchor="ctr"/>
+            <a:lstStyle/>
+            <a:p>
+              <a:pPr algn="ctr"/>
+              <a:endParaRPr lang="en-US" dirty="0"/>
+            </a:p>
+          </p:txBody>
+        </p:sp>
+        <p:sp>
+          <p:nvSpPr>
+            <p:cNvPr id="63" name="Right Arrow 62">
+              <a:extLst>
+                <a:ext uri="{FF2B5EF4-FFF2-40B4-BE49-F238E27FC236}">
+                  <a16:creationId xmlns:a16="http://schemas.microsoft.com/office/drawing/2014/main" id="{7BE3F51B-030B-304C-F9E1-EB3A0A9D9CD1}"/>
+                </a:ext>
+              </a:extLst>
+            </p:cNvPr>
+            <p:cNvSpPr/>
+            <p:nvPr/>
+          </p:nvSpPr>
+          <p:spPr>
+            <a:xfrm rot="16200000">
+              <a:off x="10947266" y="3544839"/>
+              <a:ext cx="565817" cy="329834"/>
+            </a:xfrm>
+            <a:prstGeom prst="rightArrow">
+              <a:avLst/>
+            </a:prstGeom>
             <a:solidFill>
-              <a:schemeClr val="tx1"/>
+              <a:schemeClr val="bg2"/>
             </a:solidFill>
-          </a:ln>
-          <a:effectLst>
-            <a:outerShdw blurRad="50800" dist="38100" dir="2700000" algn="tl" rotWithShape="0">
-              <a:prstClr val="black">
-                <a:alpha val="40000"/>
-              </a:prstClr>
-            </a:outerShdw>
-          </a:effectLst>
-        </p:spPr>
-        <p:style>
-          <a:lnRef idx="1">
-            <a:schemeClr val="accent4"/>
-          </a:lnRef>
-          <a:fillRef idx="2">
-            <a:schemeClr val="accent4"/>
-          </a:fillRef>
-          <a:effectRef idx="1">
-            <a:schemeClr val="accent4"/>
-          </a:effectRef>
-          <a:fontRef idx="minor">
-            <a:schemeClr val="dk1"/>
-          </a:fontRef>
-        </p:style>
-        <p:txBody>
-          <a:bodyPr vert="vert270" rtlCol="0" anchor="ctr"/>
-          <a:lstStyle/>
-          <a:p>
-            <a:pPr algn="ctr"/>
-            <a:r>
-              <a:rPr lang="en-US" sz="1200" dirty="0" err="1"/>
-              <a:t>Config.py</a:t>
-            </a:r>
-            <a:endParaRPr lang="en-US" sz="1200" dirty="0"/>
-          </a:p>
-        </p:txBody>
-      </p:sp>
-      <p:sp>
-        <p:nvSpPr>
-          <p:cNvPr id="9" name="Snip Single Corner Rectangle 8">
-            <a:extLst>
-              <a:ext uri="{FF2B5EF4-FFF2-40B4-BE49-F238E27FC236}">
-                <a16:creationId xmlns:a16="http://schemas.microsoft.com/office/drawing/2014/main" id="{AAC380C8-CDD5-5BF0-80E7-BDE4B195BBA4}"/>
-              </a:ext>
-            </a:extLst>
-          </p:cNvPr>
-          <p:cNvSpPr/>
-          <p:nvPr/>
-        </p:nvSpPr>
-        <p:spPr>
-          <a:xfrm>
-            <a:off x="1425275" y="2764754"/>
-            <a:ext cx="310346" cy="1197862"/>
-          </a:xfrm>
-          <a:prstGeom prst="snip1Rect">
-            <a:avLst/>
-          </a:prstGeom>
-          <a:ln w="12700">
+            <a:effectLst>
+              <a:outerShdw blurRad="50800" dist="38100" dir="2700000" algn="tl" rotWithShape="0">
+                <a:prstClr val="black">
+                  <a:alpha val="40000"/>
+                </a:prstClr>
+              </a:outerShdw>
+            </a:effectLst>
+          </p:spPr>
+          <p:style>
+            <a:lnRef idx="2">
+              <a:schemeClr val="accent1">
+                <a:shade val="50000"/>
+              </a:schemeClr>
+            </a:lnRef>
+            <a:fillRef idx="1">
+              <a:schemeClr val="accent1"/>
+            </a:fillRef>
+            <a:effectRef idx="0">
+              <a:schemeClr val="accent1"/>
+            </a:effectRef>
+            <a:fontRef idx="minor">
+              <a:schemeClr val="lt1"/>
+            </a:fontRef>
+          </p:style>
+          <p:txBody>
+            <a:bodyPr rtlCol="0" anchor="ctr"/>
+            <a:lstStyle/>
+            <a:p>
+              <a:pPr algn="ctr"/>
+              <a:endParaRPr lang="en-US"/>
+            </a:p>
+          </p:txBody>
+        </p:sp>
+        <p:sp>
+          <p:nvSpPr>
+            <p:cNvPr id="66" name="Right Arrow 65">
+              <a:extLst>
+                <a:ext uri="{FF2B5EF4-FFF2-40B4-BE49-F238E27FC236}">
+                  <a16:creationId xmlns:a16="http://schemas.microsoft.com/office/drawing/2014/main" id="{03AB3ABD-7203-91D9-B2BA-03F2D312BF02}"/>
+                </a:ext>
+              </a:extLst>
+            </p:cNvPr>
+            <p:cNvSpPr/>
+            <p:nvPr/>
+          </p:nvSpPr>
+          <p:spPr>
+            <a:xfrm>
+              <a:off x="9962784" y="1556115"/>
+              <a:ext cx="565817" cy="329834"/>
+            </a:xfrm>
+            <a:prstGeom prst="rightArrow">
+              <a:avLst/>
+            </a:prstGeom>
             <a:solidFill>
-              <a:schemeClr val="tx1"/>
+              <a:schemeClr val="bg2"/>
             </a:solidFill>
-          </a:ln>
-          <a:effectLst>
-            <a:outerShdw blurRad="50800" dist="38100" dir="2700000" algn="tl" rotWithShape="0">
-              <a:prstClr val="black">
-                <a:alpha val="40000"/>
-              </a:prstClr>
-            </a:outerShdw>
-          </a:effectLst>
-        </p:spPr>
-        <p:style>
-          <a:lnRef idx="1">
-            <a:schemeClr val="accent4"/>
-          </a:lnRef>
-          <a:fillRef idx="2">
-            <a:schemeClr val="accent4"/>
-          </a:fillRef>
-          <a:effectRef idx="1">
-            <a:schemeClr val="accent4"/>
-          </a:effectRef>
-          <a:fontRef idx="minor">
-            <a:schemeClr val="dk1"/>
-          </a:fontRef>
-        </p:style>
-        <p:txBody>
-          <a:bodyPr vert="vert270" rtlCol="0" anchor="ctr"/>
-          <a:lstStyle/>
-          <a:p>
-            <a:pPr algn="ctr"/>
-            <a:r>
-              <a:rPr lang="en-US" sz="1200" dirty="0" err="1"/>
-              <a:t>Config.ipynb</a:t>
-            </a:r>
-            <a:endParaRPr lang="en-US" sz="1200" dirty="0"/>
-          </a:p>
-        </p:txBody>
-      </p:sp>
-      <p:sp>
-        <p:nvSpPr>
-          <p:cNvPr id="10" name="Snip Single Corner Rectangle 9">
-            <a:extLst>
-              <a:ext uri="{FF2B5EF4-FFF2-40B4-BE49-F238E27FC236}">
-                <a16:creationId xmlns:a16="http://schemas.microsoft.com/office/drawing/2014/main" id="{DE675605-85E4-F61B-6E13-A71132002C5D}"/>
-              </a:ext>
-            </a:extLst>
-          </p:cNvPr>
-          <p:cNvSpPr/>
-          <p:nvPr/>
-        </p:nvSpPr>
-        <p:spPr>
-          <a:xfrm>
-            <a:off x="1843173" y="2764754"/>
-            <a:ext cx="310346" cy="1197862"/>
-          </a:xfrm>
-          <a:prstGeom prst="snip1Rect">
-            <a:avLst/>
-          </a:prstGeom>
-          <a:ln w="12700">
-            <a:solidFill>
-              <a:schemeClr val="tx1"/>
-            </a:solidFill>
-          </a:ln>
-          <a:effectLst>
-            <a:outerShdw blurRad="50800" dist="38100" dir="2700000" algn="tl" rotWithShape="0">
-              <a:prstClr val="black">
-                <a:alpha val="40000"/>
-              </a:prstClr>
-            </a:outerShdw>
-          </a:effectLst>
-        </p:spPr>
-        <p:style>
-          <a:lnRef idx="1">
-            <a:schemeClr val="accent4"/>
-          </a:lnRef>
-          <a:fillRef idx="2">
-            <a:schemeClr val="accent4"/>
-          </a:fillRef>
-          <a:effectRef idx="1">
-            <a:schemeClr val="accent4"/>
-          </a:effectRef>
-          <a:fontRef idx="minor">
-            <a:schemeClr val="dk1"/>
-          </a:fontRef>
-        </p:style>
-        <p:txBody>
-          <a:bodyPr vert="vert270" rtlCol="0" anchor="ctr"/>
-          <a:lstStyle/>
-          <a:p>
-            <a:pPr algn="ctr"/>
-            <a:r>
-              <a:rPr lang="en-US" sz="1200" dirty="0"/>
-              <a:t>CLI Attributes</a:t>
-            </a:r>
-          </a:p>
-        </p:txBody>
-      </p:sp>
-      <p:sp>
-        <p:nvSpPr>
-          <p:cNvPr id="11" name="Rounded Rectangle 10">
-            <a:extLst>
-              <a:ext uri="{FF2B5EF4-FFF2-40B4-BE49-F238E27FC236}">
-                <a16:creationId xmlns:a16="http://schemas.microsoft.com/office/drawing/2014/main" id="{79D42F00-DF77-451C-0D19-FC584E9B32F4}"/>
-              </a:ext>
-            </a:extLst>
-          </p:cNvPr>
-          <p:cNvSpPr/>
-          <p:nvPr/>
-        </p:nvSpPr>
-        <p:spPr>
-          <a:xfrm>
-            <a:off x="5642479" y="586590"/>
-            <a:ext cx="4497785" cy="2427412"/>
-          </a:xfrm>
-          <a:prstGeom prst="roundRect">
-            <a:avLst/>
-          </a:prstGeom>
-          <a:solidFill>
-            <a:schemeClr val="accent6">
-              <a:lumMod val="20000"/>
-              <a:lumOff val="80000"/>
-            </a:schemeClr>
-          </a:solidFill>
-          <a:ln w="12700">
-            <a:solidFill>
-              <a:schemeClr val="tx1"/>
-            </a:solidFill>
-          </a:ln>
-          <a:effectLst>
-            <a:outerShdw blurRad="50800" dist="38100" dir="2700000" algn="tl" rotWithShape="0">
-              <a:prstClr val="black">
-                <a:alpha val="40000"/>
-              </a:prstClr>
-            </a:outerShdw>
-          </a:effectLst>
-        </p:spPr>
-        <p:style>
-          <a:lnRef idx="1">
-            <a:schemeClr val="accent4"/>
-          </a:lnRef>
-          <a:fillRef idx="2">
-            <a:schemeClr val="accent4"/>
-          </a:fillRef>
-          <a:effectRef idx="1">
-            <a:schemeClr val="accent4"/>
-          </a:effectRef>
-          <a:fontRef idx="minor">
-            <a:schemeClr val="dk1"/>
-          </a:fontRef>
-        </p:style>
-        <p:txBody>
-          <a:bodyPr rtlCol="0" anchor="b"/>
-          <a:lstStyle/>
-          <a:p>
-            <a:r>
-              <a:rPr lang="en-US" sz="1600" b="1" dirty="0"/>
-              <a:t>         Workflow </a:t>
-            </a:r>
-          </a:p>
-          <a:p>
-            <a:r>
-              <a:rPr lang="en-US" sz="1600" b="1" dirty="0"/>
-              <a:t>Compute Coordinator</a:t>
-            </a:r>
-          </a:p>
-          <a:p>
-            <a:endParaRPr lang="en-US" sz="1600" b="1" dirty="0"/>
-          </a:p>
-          <a:p>
-            <a:endParaRPr lang="en-US" sz="1600" b="1" dirty="0"/>
-          </a:p>
-          <a:p>
-            <a:endParaRPr lang="en-US" sz="1600" b="1" dirty="0"/>
-          </a:p>
-          <a:p>
-            <a:endParaRPr lang="en-US" sz="1600" b="1" dirty="0"/>
-          </a:p>
-          <a:p>
-            <a:endParaRPr lang="en-US" sz="1600" b="1" dirty="0"/>
-          </a:p>
-          <a:p>
-            <a:endParaRPr lang="en-US" sz="1600" b="1" dirty="0"/>
-          </a:p>
-          <a:p>
-            <a:r>
-              <a:rPr lang="en-US" sz="1600" dirty="0"/>
-              <a:t>(</a:t>
-            </a:r>
-            <a:r>
-              <a:rPr lang="en-US" sz="1600" dirty="0" err="1"/>
-              <a:t>cloudmesh</a:t>
-            </a:r>
-            <a:r>
-              <a:rPr lang="en-US" sz="1600" dirty="0"/>
-              <a:t>-cc, Compute Coordinator) </a:t>
-            </a:r>
-          </a:p>
-        </p:txBody>
-      </p:sp>
-      <p:sp>
-        <p:nvSpPr>
-          <p:cNvPr id="12" name="Rounded Rectangle 11">
-            <a:extLst>
-              <a:ext uri="{FF2B5EF4-FFF2-40B4-BE49-F238E27FC236}">
-                <a16:creationId xmlns:a16="http://schemas.microsoft.com/office/drawing/2014/main" id="{0B1C3D7B-2BD1-A7D5-A381-0098549B4E01}"/>
-              </a:ext>
-            </a:extLst>
-          </p:cNvPr>
-          <p:cNvSpPr/>
-          <p:nvPr/>
-        </p:nvSpPr>
-        <p:spPr>
-          <a:xfrm rot="16200000">
-            <a:off x="7678384" y="3832732"/>
-            <a:ext cx="1121833" cy="387435"/>
-          </a:xfrm>
-          <a:prstGeom prst="roundRect">
-            <a:avLst/>
-          </a:prstGeom>
-          <a:solidFill>
-            <a:schemeClr val="accent5">
-              <a:lumMod val="20000"/>
-              <a:lumOff val="80000"/>
-            </a:schemeClr>
-          </a:solidFill>
-          <a:ln w="12700">
-            <a:solidFill>
-              <a:schemeClr val="tx1"/>
-            </a:solidFill>
-          </a:ln>
-          <a:effectLst>
-            <a:outerShdw blurRad="50800" dist="38100" dir="2700000" algn="tl" rotWithShape="0">
-              <a:prstClr val="black">
-                <a:alpha val="40000"/>
-              </a:prstClr>
-            </a:outerShdw>
-          </a:effectLst>
-        </p:spPr>
-        <p:style>
-          <a:lnRef idx="1">
-            <a:schemeClr val="accent4"/>
-          </a:lnRef>
-          <a:fillRef idx="2">
-            <a:schemeClr val="accent4"/>
-          </a:fillRef>
-          <a:effectRef idx="1">
-            <a:schemeClr val="accent4"/>
-          </a:effectRef>
-          <a:fontRef idx="minor">
-            <a:schemeClr val="dk1"/>
-          </a:fontRef>
-        </p:style>
-        <p:txBody>
-          <a:bodyPr rtlCol="0" anchor="ctr"/>
-          <a:lstStyle/>
-          <a:p>
-            <a:pPr algn="ctr"/>
-            <a:r>
-              <a:rPr lang="en-US" sz="1200" dirty="0"/>
-              <a:t>SLURM</a:t>
-            </a:r>
-          </a:p>
-        </p:txBody>
-      </p:sp>
-      <p:sp>
-        <p:nvSpPr>
-          <p:cNvPr id="13" name="Rounded Rectangle 12">
-            <a:extLst>
-              <a:ext uri="{FF2B5EF4-FFF2-40B4-BE49-F238E27FC236}">
-                <a16:creationId xmlns:a16="http://schemas.microsoft.com/office/drawing/2014/main" id="{897147B4-A317-CA44-1170-2BC09C21025F}"/>
-              </a:ext>
-            </a:extLst>
-          </p:cNvPr>
-          <p:cNvSpPr/>
-          <p:nvPr/>
-        </p:nvSpPr>
-        <p:spPr>
-          <a:xfrm rot="16200000">
-            <a:off x="8134856" y="3832732"/>
-            <a:ext cx="1121831" cy="387435"/>
-          </a:xfrm>
-          <a:prstGeom prst="roundRect">
-            <a:avLst/>
-          </a:prstGeom>
-          <a:solidFill>
-            <a:schemeClr val="accent5">
-              <a:lumMod val="20000"/>
-              <a:lumOff val="80000"/>
-            </a:schemeClr>
-          </a:solidFill>
-          <a:ln w="12700">
-            <a:solidFill>
-              <a:schemeClr val="tx1"/>
-            </a:solidFill>
-          </a:ln>
-          <a:effectLst>
-            <a:outerShdw blurRad="50800" dist="38100" dir="2700000" algn="tl" rotWithShape="0">
-              <a:prstClr val="black">
-                <a:alpha val="40000"/>
-              </a:prstClr>
-            </a:outerShdw>
-          </a:effectLst>
-        </p:spPr>
-        <p:style>
-          <a:lnRef idx="1">
-            <a:schemeClr val="accent4"/>
-          </a:lnRef>
-          <a:fillRef idx="2">
-            <a:schemeClr val="accent4"/>
-          </a:fillRef>
-          <a:effectRef idx="1">
-            <a:schemeClr val="accent4"/>
-          </a:effectRef>
-          <a:fontRef idx="minor">
-            <a:schemeClr val="dk1"/>
-          </a:fontRef>
-        </p:style>
-        <p:txBody>
-          <a:bodyPr rtlCol="0" anchor="ctr"/>
-          <a:lstStyle/>
-          <a:p>
-            <a:pPr algn="ctr"/>
-            <a:r>
-              <a:rPr lang="en-US" sz="1200" dirty="0"/>
-              <a:t>LSF</a:t>
-            </a:r>
-          </a:p>
-        </p:txBody>
-      </p:sp>
-      <p:sp>
-        <p:nvSpPr>
-          <p:cNvPr id="14" name="Rounded Rectangle 13">
-            <a:extLst>
-              <a:ext uri="{FF2B5EF4-FFF2-40B4-BE49-F238E27FC236}">
-                <a16:creationId xmlns:a16="http://schemas.microsoft.com/office/drawing/2014/main" id="{CD777C0E-85BE-1BF8-41D3-87CEE7D7AF51}"/>
-              </a:ext>
-            </a:extLst>
-          </p:cNvPr>
-          <p:cNvSpPr/>
-          <p:nvPr/>
-        </p:nvSpPr>
-        <p:spPr>
-          <a:xfrm rot="16200000">
-            <a:off x="8591327" y="3832731"/>
-            <a:ext cx="1121830" cy="387435"/>
-          </a:xfrm>
-          <a:prstGeom prst="roundRect">
-            <a:avLst/>
-          </a:prstGeom>
-          <a:solidFill>
-            <a:schemeClr val="accent5">
-              <a:lumMod val="20000"/>
-              <a:lumOff val="80000"/>
-            </a:schemeClr>
-          </a:solidFill>
-          <a:ln w="12700">
-            <a:solidFill>
-              <a:schemeClr val="tx1"/>
-            </a:solidFill>
-          </a:ln>
-          <a:effectLst>
-            <a:outerShdw blurRad="50800" dist="38100" dir="2700000" algn="tl" rotWithShape="0">
-              <a:prstClr val="black">
-                <a:alpha val="40000"/>
-              </a:prstClr>
-            </a:outerShdw>
-          </a:effectLst>
-        </p:spPr>
-        <p:style>
-          <a:lnRef idx="1">
-            <a:schemeClr val="accent4"/>
-          </a:lnRef>
-          <a:fillRef idx="2">
-            <a:schemeClr val="accent4"/>
-          </a:fillRef>
-          <a:effectRef idx="1">
-            <a:schemeClr val="accent4"/>
-          </a:effectRef>
-          <a:fontRef idx="minor">
-            <a:schemeClr val="dk1"/>
-          </a:fontRef>
-        </p:style>
-        <p:txBody>
-          <a:bodyPr rtlCol="0" anchor="ctr"/>
-          <a:lstStyle/>
-          <a:p>
-            <a:pPr algn="ctr"/>
-            <a:r>
-              <a:rPr lang="en-US" sz="1200" dirty="0"/>
-              <a:t>SSH</a:t>
-            </a:r>
-          </a:p>
-        </p:txBody>
-      </p:sp>
-      <p:sp>
-        <p:nvSpPr>
-          <p:cNvPr id="15" name="Rounded Rectangle 14">
-            <a:extLst>
-              <a:ext uri="{FF2B5EF4-FFF2-40B4-BE49-F238E27FC236}">
-                <a16:creationId xmlns:a16="http://schemas.microsoft.com/office/drawing/2014/main" id="{6A837752-886C-B152-8B82-00C8AD4446E5}"/>
-              </a:ext>
-            </a:extLst>
-          </p:cNvPr>
-          <p:cNvSpPr/>
-          <p:nvPr/>
-        </p:nvSpPr>
-        <p:spPr>
-          <a:xfrm rot="16200000">
-            <a:off x="9045224" y="3839206"/>
-            <a:ext cx="1121830" cy="374485"/>
-          </a:xfrm>
-          <a:prstGeom prst="roundRect">
-            <a:avLst/>
-          </a:prstGeom>
-          <a:solidFill>
-            <a:schemeClr val="accent5">
-              <a:lumMod val="20000"/>
-              <a:lumOff val="80000"/>
-            </a:schemeClr>
-          </a:solidFill>
-          <a:ln w="12700">
-            <a:solidFill>
-              <a:schemeClr val="tx1"/>
-            </a:solidFill>
-          </a:ln>
-          <a:effectLst>
-            <a:outerShdw blurRad="50800" dist="38100" dir="2700000" algn="tl" rotWithShape="0">
-              <a:prstClr val="black">
-                <a:alpha val="40000"/>
-              </a:prstClr>
-            </a:outerShdw>
-          </a:effectLst>
-        </p:spPr>
-        <p:style>
-          <a:lnRef idx="1">
-            <a:schemeClr val="accent4"/>
-          </a:lnRef>
-          <a:fillRef idx="2">
-            <a:schemeClr val="accent4"/>
-          </a:fillRef>
-          <a:effectRef idx="1">
-            <a:schemeClr val="accent4"/>
-          </a:effectRef>
-          <a:fontRef idx="minor">
-            <a:schemeClr val="dk1"/>
-          </a:fontRef>
-        </p:style>
-        <p:txBody>
-          <a:bodyPr rtlCol="0" anchor="ctr"/>
-          <a:lstStyle/>
-          <a:p>
-            <a:pPr algn="ctr"/>
-            <a:r>
-              <a:rPr lang="en-US" sz="1200" dirty="0"/>
-              <a:t>localhost</a:t>
-            </a:r>
-          </a:p>
-        </p:txBody>
-      </p:sp>
-      <p:sp>
-        <p:nvSpPr>
-          <p:cNvPr id="17" name="Snip Single Corner Rectangle 16">
-            <a:extLst>
-              <a:ext uri="{FF2B5EF4-FFF2-40B4-BE49-F238E27FC236}">
-                <a16:creationId xmlns:a16="http://schemas.microsoft.com/office/drawing/2014/main" id="{7C2F500F-DBFB-B1A4-18E4-46036F0425E8}"/>
-              </a:ext>
-            </a:extLst>
-          </p:cNvPr>
-          <p:cNvSpPr/>
-          <p:nvPr/>
-        </p:nvSpPr>
-        <p:spPr>
-          <a:xfrm>
-            <a:off x="2261071" y="2764754"/>
-            <a:ext cx="506558" cy="1197862"/>
-          </a:xfrm>
-          <a:prstGeom prst="snip1Rect">
-            <a:avLst/>
-          </a:prstGeom>
-          <a:solidFill>
-            <a:schemeClr val="accent2">
-              <a:lumMod val="20000"/>
-              <a:lumOff val="80000"/>
-            </a:schemeClr>
-          </a:solidFill>
-          <a:ln w="12700">
-            <a:solidFill>
-              <a:schemeClr val="tx1"/>
-            </a:solidFill>
-          </a:ln>
-          <a:effectLst>
-            <a:outerShdw blurRad="50800" dist="38100" dir="2700000" algn="tl" rotWithShape="0">
-              <a:prstClr val="black">
-                <a:alpha val="40000"/>
-              </a:prstClr>
-            </a:outerShdw>
-          </a:effectLst>
-        </p:spPr>
-        <p:style>
-          <a:lnRef idx="1">
-            <a:schemeClr val="accent4"/>
-          </a:lnRef>
-          <a:fillRef idx="2">
-            <a:schemeClr val="accent4"/>
-          </a:fillRef>
-          <a:effectRef idx="1">
-            <a:schemeClr val="accent4"/>
-          </a:effectRef>
-          <a:fontRef idx="minor">
-            <a:schemeClr val="dk1"/>
-          </a:fontRef>
-        </p:style>
-        <p:txBody>
-          <a:bodyPr vert="vert270" rtlCol="0" anchor="ctr"/>
-          <a:lstStyle/>
-          <a:p>
-            <a:pPr algn="ctr"/>
-            <a:r>
-              <a:rPr lang="en-US" sz="1200" dirty="0"/>
-              <a:t>Execution</a:t>
-            </a:r>
-          </a:p>
-          <a:p>
-            <a:pPr algn="ctr"/>
-            <a:r>
-              <a:rPr lang="en-US" sz="1200" dirty="0"/>
-              <a:t>Template</a:t>
-            </a:r>
-          </a:p>
-        </p:txBody>
-      </p:sp>
-      <p:sp>
-        <p:nvSpPr>
-          <p:cNvPr id="18" name="Snip Single Corner Rectangle 17">
-            <a:extLst>
-              <a:ext uri="{FF2B5EF4-FFF2-40B4-BE49-F238E27FC236}">
-                <a16:creationId xmlns:a16="http://schemas.microsoft.com/office/drawing/2014/main" id="{784AC3FA-9C04-0825-3D30-B2E7115A4E83}"/>
-              </a:ext>
-            </a:extLst>
-          </p:cNvPr>
-          <p:cNvSpPr/>
-          <p:nvPr/>
-        </p:nvSpPr>
-        <p:spPr>
-          <a:xfrm>
-            <a:off x="3639921" y="1721032"/>
-            <a:ext cx="555934" cy="1197862"/>
-          </a:xfrm>
-          <a:prstGeom prst="snip1Rect">
-            <a:avLst/>
-          </a:prstGeom>
-          <a:solidFill>
-            <a:schemeClr val="bg2"/>
-          </a:solidFill>
-          <a:ln w="12700">
-            <a:solidFill>
-              <a:schemeClr val="tx1"/>
-            </a:solidFill>
-          </a:ln>
-          <a:effectLst>
-            <a:outerShdw blurRad="50800" dist="38100" dir="2700000" algn="tl" rotWithShape="0">
-              <a:prstClr val="black">
-                <a:alpha val="40000"/>
-              </a:prstClr>
-            </a:outerShdw>
-          </a:effectLst>
-        </p:spPr>
-        <p:style>
-          <a:lnRef idx="1">
-            <a:schemeClr val="accent4"/>
-          </a:lnRef>
-          <a:fillRef idx="2">
-            <a:schemeClr val="accent4"/>
-          </a:fillRef>
-          <a:effectRef idx="1">
-            <a:schemeClr val="accent4"/>
-          </a:effectRef>
-          <a:fontRef idx="minor">
-            <a:schemeClr val="dk1"/>
-          </a:fontRef>
-        </p:style>
-        <p:txBody>
-          <a:bodyPr vert="vert270" rtlCol="0" anchor="ctr"/>
-          <a:lstStyle/>
-          <a:p>
-            <a:pPr algn="ctr"/>
-            <a:r>
-              <a:rPr lang="en-US" sz="1200" dirty="0"/>
-              <a:t>Execution</a:t>
-            </a:r>
-          </a:p>
-          <a:p>
-            <a:pPr algn="ctr"/>
-            <a:r>
-              <a:rPr lang="en-US" sz="1200" dirty="0"/>
-              <a:t>Description</a:t>
-            </a:r>
-          </a:p>
-        </p:txBody>
-      </p:sp>
-      <p:sp>
-        <p:nvSpPr>
-          <p:cNvPr id="20" name="Right Arrow 19">
-            <a:extLst>
-              <a:ext uri="{FF2B5EF4-FFF2-40B4-BE49-F238E27FC236}">
-                <a16:creationId xmlns:a16="http://schemas.microsoft.com/office/drawing/2014/main" id="{02EB2E44-C6DF-1C8E-0D03-EA3555EE7CB6}"/>
-              </a:ext>
-            </a:extLst>
-          </p:cNvPr>
-          <p:cNvSpPr/>
-          <p:nvPr/>
-        </p:nvSpPr>
-        <p:spPr>
-          <a:xfrm>
-            <a:off x="10249852" y="3874226"/>
-            <a:ext cx="565817" cy="329834"/>
-          </a:xfrm>
-          <a:prstGeom prst="rightArrow">
-            <a:avLst/>
-          </a:prstGeom>
-          <a:solidFill>
-            <a:schemeClr val="bg2"/>
-          </a:solidFill>
-          <a:effectLst>
-            <a:outerShdw blurRad="50800" dist="38100" dir="2700000" algn="tl" rotWithShape="0">
-              <a:prstClr val="black">
-                <a:alpha val="40000"/>
-              </a:prstClr>
-            </a:outerShdw>
-          </a:effectLst>
-        </p:spPr>
-        <p:style>
-          <a:lnRef idx="2">
-            <a:schemeClr val="accent1">
-              <a:shade val="50000"/>
-            </a:schemeClr>
-          </a:lnRef>
-          <a:fillRef idx="1">
-            <a:schemeClr val="accent1"/>
-          </a:fillRef>
-          <a:effectRef idx="0">
-            <a:schemeClr val="accent1"/>
-          </a:effectRef>
-          <a:fontRef idx="minor">
-            <a:schemeClr val="lt1"/>
-          </a:fontRef>
-        </p:style>
-        <p:txBody>
-          <a:bodyPr rtlCol="0" anchor="ctr"/>
-          <a:lstStyle/>
-          <a:p>
-            <a:pPr algn="ctr"/>
-            <a:endParaRPr lang="en-US"/>
-          </a:p>
-        </p:txBody>
-      </p:sp>
-      <p:sp>
-        <p:nvSpPr>
-          <p:cNvPr id="21" name="Snip Single Corner Rectangle 20">
-            <a:extLst>
-              <a:ext uri="{FF2B5EF4-FFF2-40B4-BE49-F238E27FC236}">
-                <a16:creationId xmlns:a16="http://schemas.microsoft.com/office/drawing/2014/main" id="{D3CD0924-D14E-C5FA-F1DF-9EBF2B74478D}"/>
-              </a:ext>
-            </a:extLst>
-          </p:cNvPr>
-          <p:cNvSpPr/>
-          <p:nvPr/>
-        </p:nvSpPr>
-        <p:spPr>
-          <a:xfrm>
-            <a:off x="4755885" y="1730175"/>
-            <a:ext cx="555934" cy="1197862"/>
-          </a:xfrm>
-          <a:prstGeom prst="snip1Rect">
-            <a:avLst/>
-          </a:prstGeom>
-          <a:solidFill>
-            <a:schemeClr val="bg2"/>
-          </a:solidFill>
-          <a:ln w="12700">
-            <a:solidFill>
-              <a:schemeClr val="tx1"/>
-            </a:solidFill>
-          </a:ln>
-          <a:effectLst>
-            <a:outerShdw blurRad="50800" dist="38100" dir="2700000" algn="tl" rotWithShape="0">
-              <a:prstClr val="black">
-                <a:alpha val="40000"/>
-              </a:prstClr>
-            </a:outerShdw>
-          </a:effectLst>
-        </p:spPr>
-        <p:style>
-          <a:lnRef idx="1">
-            <a:schemeClr val="accent4"/>
-          </a:lnRef>
-          <a:fillRef idx="2">
-            <a:schemeClr val="accent4"/>
-          </a:fillRef>
-          <a:effectRef idx="1">
-            <a:schemeClr val="accent4"/>
-          </a:effectRef>
-          <a:fontRef idx="minor">
-            <a:schemeClr val="dk1"/>
-          </a:fontRef>
-        </p:style>
-        <p:txBody>
-          <a:bodyPr vert="vert270" rtlCol="0" anchor="ctr"/>
-          <a:lstStyle/>
-          <a:p>
-            <a:pPr algn="ctr"/>
-            <a:r>
-              <a:rPr lang="en-US" sz="1200" dirty="0"/>
-              <a:t>Batch Job Permutations </a:t>
-            </a:r>
-          </a:p>
-        </p:txBody>
-      </p:sp>
-      <p:sp>
-        <p:nvSpPr>
-          <p:cNvPr id="22" name="Right Arrow 21">
-            <a:extLst>
-              <a:ext uri="{FF2B5EF4-FFF2-40B4-BE49-F238E27FC236}">
-                <a16:creationId xmlns:a16="http://schemas.microsoft.com/office/drawing/2014/main" id="{42870520-8F4D-CFEE-D3DD-B2CFBE7A6F9C}"/>
-              </a:ext>
-            </a:extLst>
-          </p:cNvPr>
-          <p:cNvSpPr/>
-          <p:nvPr/>
-        </p:nvSpPr>
-        <p:spPr>
-          <a:xfrm>
-            <a:off x="2989065" y="2138954"/>
-            <a:ext cx="627617" cy="335373"/>
-          </a:xfrm>
-          <a:prstGeom prst="rightArrow">
-            <a:avLst/>
-          </a:prstGeom>
-          <a:solidFill>
-            <a:schemeClr val="bg2"/>
-          </a:solidFill>
-          <a:effectLst>
-            <a:outerShdw blurRad="50800" dist="38100" dir="2700000" algn="tl" rotWithShape="0">
-              <a:prstClr val="black">
-                <a:alpha val="40000"/>
-              </a:prstClr>
-            </a:outerShdw>
-          </a:effectLst>
-        </p:spPr>
-        <p:style>
-          <a:lnRef idx="2">
-            <a:schemeClr val="accent1">
-              <a:shade val="50000"/>
-            </a:schemeClr>
-          </a:lnRef>
-          <a:fillRef idx="1">
-            <a:schemeClr val="accent1"/>
-          </a:fillRef>
-          <a:effectRef idx="0">
-            <a:schemeClr val="accent1"/>
-          </a:effectRef>
-          <a:fontRef idx="minor">
-            <a:schemeClr val="lt1"/>
-          </a:fontRef>
-        </p:style>
-        <p:txBody>
-          <a:bodyPr rtlCol="0" anchor="ctr"/>
-          <a:lstStyle/>
-          <a:p>
-            <a:pPr algn="ctr"/>
-            <a:endParaRPr lang="en-US"/>
-          </a:p>
-        </p:txBody>
-      </p:sp>
-      <p:sp>
-        <p:nvSpPr>
-          <p:cNvPr id="24" name="Right Arrow 23">
-            <a:extLst>
-              <a:ext uri="{FF2B5EF4-FFF2-40B4-BE49-F238E27FC236}">
-                <a16:creationId xmlns:a16="http://schemas.microsoft.com/office/drawing/2014/main" id="{A5AA4556-5C52-53F8-8F86-AA7068AF9E30}"/>
-              </a:ext>
-            </a:extLst>
-          </p:cNvPr>
-          <p:cNvSpPr/>
-          <p:nvPr/>
-        </p:nvSpPr>
-        <p:spPr>
-          <a:xfrm>
-            <a:off x="4219095" y="2138734"/>
-            <a:ext cx="526906" cy="330053"/>
-          </a:xfrm>
-          <a:prstGeom prst="rightArrow">
-            <a:avLst/>
-          </a:prstGeom>
-          <a:solidFill>
-            <a:schemeClr val="bg2"/>
-          </a:solidFill>
-          <a:effectLst>
-            <a:outerShdw blurRad="50800" dist="38100" dir="2700000" algn="tl" rotWithShape="0">
-              <a:prstClr val="black">
-                <a:alpha val="40000"/>
-              </a:prstClr>
-            </a:outerShdw>
-          </a:effectLst>
-        </p:spPr>
-        <p:style>
-          <a:lnRef idx="2">
-            <a:schemeClr val="accent1">
-              <a:shade val="50000"/>
-            </a:schemeClr>
-          </a:lnRef>
-          <a:fillRef idx="1">
-            <a:schemeClr val="accent1"/>
-          </a:fillRef>
-          <a:effectRef idx="0">
-            <a:schemeClr val="accent1"/>
-          </a:effectRef>
-          <a:fontRef idx="minor">
-            <a:schemeClr val="lt1"/>
-          </a:fontRef>
-        </p:style>
-        <p:txBody>
-          <a:bodyPr rtlCol="0" anchor="ctr"/>
-          <a:lstStyle/>
-          <a:p>
-            <a:pPr algn="ctr"/>
-            <a:endParaRPr lang="en-US"/>
-          </a:p>
-        </p:txBody>
-      </p:sp>
-      <p:sp>
-        <p:nvSpPr>
-          <p:cNvPr id="26" name="Snip Single Corner Rectangle 25">
-            <a:extLst>
-              <a:ext uri="{FF2B5EF4-FFF2-40B4-BE49-F238E27FC236}">
-                <a16:creationId xmlns:a16="http://schemas.microsoft.com/office/drawing/2014/main" id="{5E4893B8-B7D6-540F-9D68-6DC1709ABF69}"/>
-              </a:ext>
-            </a:extLst>
-          </p:cNvPr>
-          <p:cNvSpPr/>
-          <p:nvPr/>
-        </p:nvSpPr>
-        <p:spPr>
-          <a:xfrm rot="5400000">
-            <a:off x="9450625" y="833592"/>
-            <a:ext cx="318152" cy="706166"/>
-          </a:xfrm>
-          <a:prstGeom prst="snip1Rect">
-            <a:avLst/>
-          </a:prstGeom>
-          <a:solidFill>
-            <a:schemeClr val="accent2">
-              <a:lumMod val="20000"/>
-              <a:lumOff val="80000"/>
-            </a:schemeClr>
-          </a:solidFill>
-          <a:ln w="12700">
-            <a:solidFill>
-              <a:schemeClr val="tx1"/>
-            </a:solidFill>
-          </a:ln>
-          <a:effectLst>
-            <a:outerShdw blurRad="50800" dist="38100" dir="2700000" algn="tl" rotWithShape="0">
-              <a:prstClr val="black">
-                <a:alpha val="40000"/>
-              </a:prstClr>
-            </a:outerShdw>
-          </a:effectLst>
-        </p:spPr>
-        <p:style>
-          <a:lnRef idx="1">
-            <a:schemeClr val="accent4"/>
-          </a:lnRef>
-          <a:fillRef idx="2">
-            <a:schemeClr val="accent4"/>
-          </a:fillRef>
-          <a:effectRef idx="1">
-            <a:schemeClr val="accent4"/>
-          </a:effectRef>
-          <a:fontRef idx="minor">
-            <a:schemeClr val="dk1"/>
-          </a:fontRef>
-        </p:style>
-        <p:txBody>
-          <a:bodyPr vert="vert270" rtlCol="0" anchor="ctr"/>
-          <a:lstStyle/>
-          <a:p>
-            <a:pPr algn="ctr"/>
-            <a:r>
-              <a:rPr lang="en-US" sz="1200" dirty="0"/>
-              <a:t>Result 1</a:t>
-            </a:r>
-          </a:p>
-        </p:txBody>
-      </p:sp>
-      <p:sp>
-        <p:nvSpPr>
-          <p:cNvPr id="27" name="Snip Single Corner Rectangle 26">
-            <a:extLst>
-              <a:ext uri="{FF2B5EF4-FFF2-40B4-BE49-F238E27FC236}">
-                <a16:creationId xmlns:a16="http://schemas.microsoft.com/office/drawing/2014/main" id="{2E508BE1-31C9-8688-CDFB-80D080DC2EED}"/>
-              </a:ext>
-            </a:extLst>
-          </p:cNvPr>
-          <p:cNvSpPr/>
-          <p:nvPr/>
-        </p:nvSpPr>
-        <p:spPr>
-          <a:xfrm rot="5400000">
-            <a:off x="9449753" y="1954181"/>
-            <a:ext cx="319896" cy="706166"/>
-          </a:xfrm>
-          <a:prstGeom prst="snip1Rect">
-            <a:avLst/>
-          </a:prstGeom>
-          <a:solidFill>
-            <a:schemeClr val="accent2">
-              <a:lumMod val="20000"/>
-              <a:lumOff val="80000"/>
-            </a:schemeClr>
-          </a:solidFill>
-          <a:ln w="12700">
-            <a:solidFill>
-              <a:schemeClr val="tx1"/>
-            </a:solidFill>
-          </a:ln>
-          <a:effectLst>
-            <a:outerShdw blurRad="50800" dist="38100" dir="2700000" algn="tl" rotWithShape="0">
-              <a:prstClr val="black">
-                <a:alpha val="40000"/>
-              </a:prstClr>
-            </a:outerShdw>
-          </a:effectLst>
-        </p:spPr>
-        <p:style>
-          <a:lnRef idx="1">
-            <a:schemeClr val="accent4"/>
-          </a:lnRef>
-          <a:fillRef idx="2">
-            <a:schemeClr val="accent4"/>
-          </a:fillRef>
-          <a:effectRef idx="1">
-            <a:schemeClr val="accent4"/>
-          </a:effectRef>
-          <a:fontRef idx="minor">
-            <a:schemeClr val="dk1"/>
-          </a:fontRef>
-        </p:style>
-        <p:txBody>
-          <a:bodyPr vert="vert270" rtlCol="0" anchor="ctr"/>
-          <a:lstStyle/>
-          <a:p>
-            <a:pPr algn="ctr"/>
-            <a:r>
-              <a:rPr lang="en-US" sz="1200" dirty="0"/>
-              <a:t>Result n</a:t>
-            </a:r>
-          </a:p>
-        </p:txBody>
-      </p:sp>
-      <p:sp>
-        <p:nvSpPr>
-          <p:cNvPr id="28" name="TextBox 27">
-            <a:extLst>
-              <a:ext uri="{FF2B5EF4-FFF2-40B4-BE49-F238E27FC236}">
-                <a16:creationId xmlns:a16="http://schemas.microsoft.com/office/drawing/2014/main" id="{8C96DCA6-4B25-7658-CF14-38625DFBE587}"/>
-              </a:ext>
-            </a:extLst>
-          </p:cNvPr>
-          <p:cNvSpPr txBox="1"/>
-          <p:nvPr/>
-        </p:nvSpPr>
-        <p:spPr>
-          <a:xfrm>
-            <a:off x="9455712" y="1507968"/>
-            <a:ext cx="343364" cy="369332"/>
-          </a:xfrm>
-          <a:prstGeom prst="rect">
-            <a:avLst/>
-          </a:prstGeom>
-          <a:noFill/>
-        </p:spPr>
-        <p:txBody>
-          <a:bodyPr wrap="none" rtlCol="0">
-            <a:spAutoFit/>
-          </a:bodyPr>
-          <a:lstStyle/>
-          <a:p>
-            <a:r>
-              <a:rPr lang="en-US" dirty="0"/>
-              <a:t>…</a:t>
-            </a:r>
-          </a:p>
-        </p:txBody>
-      </p:sp>
-      <p:cxnSp>
-        <p:nvCxnSpPr>
-          <p:cNvPr id="30" name="Elbow Connector 29">
-            <a:extLst>
-              <a:ext uri="{FF2B5EF4-FFF2-40B4-BE49-F238E27FC236}">
-                <a16:creationId xmlns:a16="http://schemas.microsoft.com/office/drawing/2014/main" id="{281F86EC-513F-BB43-B7DC-8A6ADBEF4EC3}"/>
-              </a:ext>
-            </a:extLst>
-          </p:cNvPr>
-          <p:cNvCxnSpPr>
-            <a:cxnSpLocks/>
-            <a:stCxn id="3" idx="0"/>
-            <a:endCxn id="25" idx="2"/>
-          </p:cNvCxnSpPr>
-          <p:nvPr/>
-        </p:nvCxnSpPr>
-        <p:spPr>
-          <a:xfrm rot="5400000" flipH="1" flipV="1">
-            <a:off x="6149336" y="-1511956"/>
-            <a:ext cx="263935" cy="4009566"/>
-          </a:xfrm>
-          <a:prstGeom prst="bentConnector3">
-            <a:avLst>
-              <a:gd name="adj1" fmla="val 215073"/>
-            </a:avLst>
-          </a:prstGeom>
-          <a:ln w="12700">
-            <a:solidFill>
-              <a:schemeClr val="tx1"/>
-            </a:solidFill>
-            <a:tailEnd type="triangle"/>
-          </a:ln>
-        </p:spPr>
-        <p:style>
-          <a:lnRef idx="1">
-            <a:schemeClr val="accent1"/>
-          </a:lnRef>
-          <a:fillRef idx="0">
-            <a:schemeClr val="accent1"/>
-          </a:fillRef>
-          <a:effectRef idx="0">
-            <a:schemeClr val="accent1"/>
-          </a:effectRef>
-          <a:fontRef idx="minor">
-            <a:schemeClr val="tx1"/>
-          </a:fontRef>
-        </p:style>
-      </p:cxnSp>
-      <p:sp>
-        <p:nvSpPr>
-          <p:cNvPr id="32" name="Snip Single Corner Rectangle 31">
-            <a:extLst>
-              <a:ext uri="{FF2B5EF4-FFF2-40B4-BE49-F238E27FC236}">
-                <a16:creationId xmlns:a16="http://schemas.microsoft.com/office/drawing/2014/main" id="{CE028FEB-2536-B814-FABA-6E15F6CE2DA4}"/>
-              </a:ext>
-            </a:extLst>
-          </p:cNvPr>
-          <p:cNvSpPr/>
-          <p:nvPr/>
-        </p:nvSpPr>
-        <p:spPr>
-          <a:xfrm rot="5400000">
-            <a:off x="8200516" y="616165"/>
-            <a:ext cx="318154" cy="1197862"/>
-          </a:xfrm>
-          <a:prstGeom prst="snip1Rect">
-            <a:avLst/>
-          </a:prstGeom>
-          <a:solidFill>
-            <a:schemeClr val="bg2"/>
-          </a:solidFill>
-          <a:ln w="12700">
-            <a:solidFill>
-              <a:schemeClr val="tx1"/>
-            </a:solidFill>
-          </a:ln>
-          <a:effectLst>
-            <a:outerShdw blurRad="50800" dist="38100" dir="2700000" algn="tl" rotWithShape="0">
-              <a:prstClr val="black">
-                <a:alpha val="40000"/>
-              </a:prstClr>
-            </a:outerShdw>
-          </a:effectLst>
-        </p:spPr>
-        <p:style>
-          <a:lnRef idx="1">
-            <a:schemeClr val="accent4"/>
-          </a:lnRef>
-          <a:fillRef idx="2">
-            <a:schemeClr val="accent4"/>
-          </a:fillRef>
-          <a:effectRef idx="1">
-            <a:schemeClr val="accent4"/>
-          </a:effectRef>
-          <a:fontRef idx="minor">
-            <a:schemeClr val="dk1"/>
-          </a:fontRef>
-        </p:style>
-        <p:txBody>
-          <a:bodyPr vert="vert270" rtlCol="0" anchor="ctr"/>
-          <a:lstStyle/>
-          <a:p>
-            <a:pPr algn="ctr"/>
-            <a:r>
-              <a:rPr lang="en-US" sz="1200" dirty="0"/>
-              <a:t>Configuration 1</a:t>
-            </a:r>
-          </a:p>
-        </p:txBody>
-      </p:sp>
-      <p:cxnSp>
-        <p:nvCxnSpPr>
-          <p:cNvPr id="33" name="Elbow Connector 32">
-            <a:extLst>
-              <a:ext uri="{FF2B5EF4-FFF2-40B4-BE49-F238E27FC236}">
-                <a16:creationId xmlns:a16="http://schemas.microsoft.com/office/drawing/2014/main" id="{B341FD20-C469-6DC0-CD5D-6A900A932D29}"/>
-              </a:ext>
-            </a:extLst>
-          </p:cNvPr>
-          <p:cNvCxnSpPr>
-            <a:cxnSpLocks/>
-            <a:stCxn id="2" idx="0"/>
-            <a:endCxn id="25" idx="2"/>
-          </p:cNvCxnSpPr>
-          <p:nvPr/>
-        </p:nvCxnSpPr>
-        <p:spPr>
-          <a:xfrm rot="5400000" flipH="1" flipV="1">
-            <a:off x="4825947" y="-2835344"/>
-            <a:ext cx="263935" cy="6656343"/>
-          </a:xfrm>
-          <a:prstGeom prst="bentConnector3">
-            <a:avLst>
-              <a:gd name="adj1" fmla="val 215073"/>
-            </a:avLst>
-          </a:prstGeom>
-          <a:ln w="12700">
-            <a:solidFill>
-              <a:schemeClr val="tx1"/>
-            </a:solidFill>
-            <a:tailEnd type="triangle"/>
-          </a:ln>
-        </p:spPr>
-        <p:style>
-          <a:lnRef idx="1">
-            <a:schemeClr val="accent1"/>
-          </a:lnRef>
-          <a:fillRef idx="0">
-            <a:schemeClr val="accent1"/>
-          </a:fillRef>
-          <a:effectRef idx="0">
-            <a:schemeClr val="accent1"/>
-          </a:effectRef>
-          <a:fontRef idx="minor">
-            <a:schemeClr val="tx1"/>
-          </a:fontRef>
-        </p:style>
-      </p:cxnSp>
-      <p:sp>
-        <p:nvSpPr>
-          <p:cNvPr id="36" name="Snip Single Corner Rectangle 35">
-            <a:extLst>
-              <a:ext uri="{FF2B5EF4-FFF2-40B4-BE49-F238E27FC236}">
-                <a16:creationId xmlns:a16="http://schemas.microsoft.com/office/drawing/2014/main" id="{B3CAC580-FD33-58B2-A309-82E848638C61}"/>
-              </a:ext>
-            </a:extLst>
-          </p:cNvPr>
-          <p:cNvSpPr/>
-          <p:nvPr/>
-        </p:nvSpPr>
-        <p:spPr>
-          <a:xfrm rot="5400000">
-            <a:off x="8200516" y="1710780"/>
-            <a:ext cx="318154" cy="1197862"/>
-          </a:xfrm>
-          <a:prstGeom prst="snip1Rect">
-            <a:avLst/>
-          </a:prstGeom>
-          <a:solidFill>
-            <a:schemeClr val="bg2"/>
-          </a:solidFill>
-          <a:ln w="12700">
-            <a:solidFill>
-              <a:schemeClr val="tx1"/>
-            </a:solidFill>
-          </a:ln>
-          <a:effectLst>
-            <a:outerShdw blurRad="50800" dist="38100" dir="2700000" algn="tl" rotWithShape="0">
-              <a:prstClr val="black">
-                <a:alpha val="40000"/>
-              </a:prstClr>
-            </a:outerShdw>
-          </a:effectLst>
-        </p:spPr>
-        <p:style>
-          <a:lnRef idx="1">
-            <a:schemeClr val="accent4"/>
-          </a:lnRef>
-          <a:fillRef idx="2">
-            <a:schemeClr val="accent4"/>
-          </a:fillRef>
-          <a:effectRef idx="1">
-            <a:schemeClr val="accent4"/>
-          </a:effectRef>
-          <a:fontRef idx="minor">
-            <a:schemeClr val="dk1"/>
-          </a:fontRef>
-        </p:style>
-        <p:txBody>
-          <a:bodyPr vert="vert270" rtlCol="0" anchor="ctr"/>
-          <a:lstStyle/>
-          <a:p>
-            <a:pPr algn="ctr"/>
-            <a:r>
-              <a:rPr lang="en-US" sz="1200" dirty="0"/>
-              <a:t>Configuration n</a:t>
-            </a:r>
-          </a:p>
-        </p:txBody>
-      </p:sp>
-      <p:sp>
-        <p:nvSpPr>
-          <p:cNvPr id="37" name="TextBox 36">
-            <a:extLst>
-              <a:ext uri="{FF2B5EF4-FFF2-40B4-BE49-F238E27FC236}">
-                <a16:creationId xmlns:a16="http://schemas.microsoft.com/office/drawing/2014/main" id="{F2ED20D2-655A-773C-FCAF-55138FD45A08}"/>
-              </a:ext>
-            </a:extLst>
-          </p:cNvPr>
-          <p:cNvSpPr txBox="1"/>
-          <p:nvPr/>
-        </p:nvSpPr>
-        <p:spPr>
-          <a:xfrm>
-            <a:off x="7923553" y="1511972"/>
-            <a:ext cx="343364" cy="369332"/>
-          </a:xfrm>
-          <a:prstGeom prst="rect">
-            <a:avLst/>
-          </a:prstGeom>
-          <a:noFill/>
-        </p:spPr>
-        <p:txBody>
-          <a:bodyPr wrap="none" rtlCol="0">
-            <a:spAutoFit/>
-          </a:bodyPr>
-          <a:lstStyle/>
-          <a:p>
-            <a:r>
-              <a:rPr lang="en-US" dirty="0"/>
-              <a:t>…</a:t>
-            </a:r>
-          </a:p>
-        </p:txBody>
-      </p:sp>
-      <p:sp>
-        <p:nvSpPr>
-          <p:cNvPr id="25" name="Snip Single Corner Rectangle 24">
-            <a:extLst>
-              <a:ext uri="{FF2B5EF4-FFF2-40B4-BE49-F238E27FC236}">
-                <a16:creationId xmlns:a16="http://schemas.microsoft.com/office/drawing/2014/main" id="{0C86C5A1-51F4-339D-CC1A-C644B5AB3C62}"/>
-              </a:ext>
-            </a:extLst>
-          </p:cNvPr>
-          <p:cNvSpPr/>
-          <p:nvPr/>
-        </p:nvSpPr>
-        <p:spPr>
-          <a:xfrm rot="5400000">
-            <a:off x="8008119" y="285742"/>
-            <a:ext cx="555933" cy="706166"/>
-          </a:xfrm>
-          <a:prstGeom prst="snip1Rect">
-            <a:avLst/>
-          </a:prstGeom>
-          <a:solidFill>
-            <a:schemeClr val="accent2">
-              <a:lumMod val="20000"/>
-              <a:lumOff val="80000"/>
-            </a:schemeClr>
-          </a:solidFill>
-          <a:ln w="12700">
-            <a:solidFill>
-              <a:schemeClr val="tx1"/>
-            </a:solidFill>
-          </a:ln>
-          <a:effectLst>
-            <a:outerShdw blurRad="50800" dist="38100" dir="2700000" algn="tl" rotWithShape="0">
-              <a:prstClr val="black">
-                <a:alpha val="40000"/>
-              </a:prstClr>
-            </a:outerShdw>
-          </a:effectLst>
-        </p:spPr>
-        <p:style>
-          <a:lnRef idx="1">
-            <a:schemeClr val="accent4"/>
-          </a:lnRef>
-          <a:fillRef idx="2">
-            <a:schemeClr val="accent4"/>
-          </a:fillRef>
-          <a:effectRef idx="1">
-            <a:schemeClr val="accent4"/>
-          </a:effectRef>
-          <a:fontRef idx="minor">
-            <a:schemeClr val="dk1"/>
-          </a:fontRef>
-        </p:style>
-        <p:txBody>
-          <a:bodyPr vert="vert270" rtlCol="0" anchor="ctr"/>
-          <a:lstStyle/>
-          <a:p>
-            <a:pPr algn="ctr"/>
-            <a:r>
-              <a:rPr lang="en-US" sz="1200" dirty="0"/>
-              <a:t>Program</a:t>
-            </a:r>
-          </a:p>
-        </p:txBody>
-      </p:sp>
-      <p:sp>
-        <p:nvSpPr>
-          <p:cNvPr id="38" name="Right Arrow 37">
-            <a:extLst>
-              <a:ext uri="{FF2B5EF4-FFF2-40B4-BE49-F238E27FC236}">
-                <a16:creationId xmlns:a16="http://schemas.microsoft.com/office/drawing/2014/main" id="{4FEC070C-0882-EE15-57A4-5BEFC0892DC7}"/>
-              </a:ext>
-            </a:extLst>
-          </p:cNvPr>
-          <p:cNvSpPr/>
-          <p:nvPr/>
-        </p:nvSpPr>
-        <p:spPr>
-          <a:xfrm>
-            <a:off x="8883069" y="1616485"/>
-            <a:ext cx="299855" cy="309501"/>
-          </a:xfrm>
-          <a:prstGeom prst="rightArrow">
-            <a:avLst/>
-          </a:prstGeom>
-          <a:solidFill>
-            <a:schemeClr val="bg2"/>
-          </a:solidFill>
-          <a:effectLst>
-            <a:outerShdw blurRad="50800" dist="38100" dir="2700000" algn="tl" rotWithShape="0">
-              <a:prstClr val="black">
-                <a:alpha val="40000"/>
-              </a:prstClr>
-            </a:outerShdw>
-          </a:effectLst>
-        </p:spPr>
-        <p:style>
-          <a:lnRef idx="2">
-            <a:schemeClr val="accent1">
-              <a:shade val="50000"/>
-            </a:schemeClr>
-          </a:lnRef>
-          <a:fillRef idx="1">
-            <a:schemeClr val="accent1"/>
-          </a:fillRef>
-          <a:effectRef idx="0">
-            <a:schemeClr val="accent1"/>
-          </a:effectRef>
-          <a:fontRef idx="minor">
-            <a:schemeClr val="lt1"/>
-          </a:fontRef>
-        </p:style>
-        <p:txBody>
-          <a:bodyPr rtlCol="0" anchor="ctr"/>
-          <a:lstStyle/>
-          <a:p>
-            <a:pPr algn="ctr"/>
-            <a:endParaRPr lang="en-US"/>
-          </a:p>
-        </p:txBody>
-      </p:sp>
-      <p:sp>
-        <p:nvSpPr>
-          <p:cNvPr id="46" name="Right Arrow 45">
-            <a:extLst>
-              <a:ext uri="{FF2B5EF4-FFF2-40B4-BE49-F238E27FC236}">
-                <a16:creationId xmlns:a16="http://schemas.microsoft.com/office/drawing/2014/main" id="{2A1A0ACA-33D6-7BA3-F039-E63672778273}"/>
-              </a:ext>
-            </a:extLst>
-          </p:cNvPr>
-          <p:cNvSpPr/>
-          <p:nvPr/>
-        </p:nvSpPr>
-        <p:spPr>
-          <a:xfrm rot="5400000">
-            <a:off x="8800277" y="3002612"/>
-            <a:ext cx="329835" cy="374094"/>
-          </a:xfrm>
-          <a:prstGeom prst="rightArrow">
-            <a:avLst/>
-          </a:prstGeom>
-          <a:solidFill>
-            <a:schemeClr val="bg2"/>
-          </a:solidFill>
-          <a:effectLst>
-            <a:outerShdw blurRad="50800" dist="38100" dir="2700000" algn="tl" rotWithShape="0">
-              <a:prstClr val="black">
-                <a:alpha val="40000"/>
-              </a:prstClr>
-            </a:outerShdw>
-          </a:effectLst>
-        </p:spPr>
-        <p:style>
-          <a:lnRef idx="2">
-            <a:schemeClr val="accent1">
-              <a:shade val="50000"/>
-            </a:schemeClr>
-          </a:lnRef>
-          <a:fillRef idx="1">
-            <a:schemeClr val="accent1"/>
-          </a:fillRef>
-          <a:effectRef idx="0">
-            <a:schemeClr val="accent1"/>
-          </a:effectRef>
-          <a:fontRef idx="minor">
-            <a:schemeClr val="lt1"/>
-          </a:fontRef>
-        </p:style>
-        <p:txBody>
-          <a:bodyPr rtlCol="0" anchor="ctr"/>
-          <a:lstStyle/>
-          <a:p>
-            <a:pPr algn="ctr"/>
-            <a:endParaRPr lang="en-US" dirty="0"/>
-          </a:p>
-        </p:txBody>
-      </p:sp>
-      <p:sp>
-        <p:nvSpPr>
-          <p:cNvPr id="63" name="Right Arrow 62">
-            <a:extLst>
-              <a:ext uri="{FF2B5EF4-FFF2-40B4-BE49-F238E27FC236}">
-                <a16:creationId xmlns:a16="http://schemas.microsoft.com/office/drawing/2014/main" id="{7BE3F51B-030B-304C-F9E1-EB3A0A9D9CD1}"/>
-              </a:ext>
-            </a:extLst>
-          </p:cNvPr>
-          <p:cNvSpPr/>
-          <p:nvPr/>
-        </p:nvSpPr>
-        <p:spPr>
-          <a:xfrm rot="16200000">
-            <a:off x="10947266" y="3544839"/>
-            <a:ext cx="565817" cy="329834"/>
-          </a:xfrm>
-          <a:prstGeom prst="rightArrow">
-            <a:avLst/>
-          </a:prstGeom>
-          <a:solidFill>
-            <a:schemeClr val="bg2"/>
-          </a:solidFill>
-          <a:effectLst>
-            <a:outerShdw blurRad="50800" dist="38100" dir="2700000" algn="tl" rotWithShape="0">
-              <a:prstClr val="black">
-                <a:alpha val="40000"/>
-              </a:prstClr>
-            </a:outerShdw>
-          </a:effectLst>
-        </p:spPr>
-        <p:style>
-          <a:lnRef idx="2">
-            <a:schemeClr val="accent1">
-              <a:shade val="50000"/>
-            </a:schemeClr>
-          </a:lnRef>
-          <a:fillRef idx="1">
-            <a:schemeClr val="accent1"/>
-          </a:fillRef>
-          <a:effectRef idx="0">
-            <a:schemeClr val="accent1"/>
-          </a:effectRef>
-          <a:fontRef idx="minor">
-            <a:schemeClr val="lt1"/>
-          </a:fontRef>
-        </p:style>
-        <p:txBody>
-          <a:bodyPr rtlCol="0" anchor="ctr"/>
-          <a:lstStyle/>
-          <a:p>
-            <a:pPr algn="ctr"/>
-            <a:endParaRPr lang="en-US"/>
-          </a:p>
-        </p:txBody>
-      </p:sp>
-      <p:sp>
-        <p:nvSpPr>
-          <p:cNvPr id="66" name="Right Arrow 65">
-            <a:extLst>
-              <a:ext uri="{FF2B5EF4-FFF2-40B4-BE49-F238E27FC236}">
-                <a16:creationId xmlns:a16="http://schemas.microsoft.com/office/drawing/2014/main" id="{03AB3ABD-7203-91D9-B2BA-03F2D312BF02}"/>
-              </a:ext>
-            </a:extLst>
-          </p:cNvPr>
-          <p:cNvSpPr/>
-          <p:nvPr/>
-        </p:nvSpPr>
-        <p:spPr>
-          <a:xfrm>
-            <a:off x="9962784" y="1556115"/>
-            <a:ext cx="565817" cy="329834"/>
-          </a:xfrm>
-          <a:prstGeom prst="rightArrow">
-            <a:avLst/>
-          </a:prstGeom>
-          <a:solidFill>
-            <a:schemeClr val="bg2"/>
-          </a:solidFill>
-          <a:effectLst>
-            <a:outerShdw blurRad="50800" dist="38100" dir="2700000" algn="tl" rotWithShape="0">
-              <a:prstClr val="black">
-                <a:alpha val="40000"/>
-              </a:prstClr>
-            </a:outerShdw>
-          </a:effectLst>
-        </p:spPr>
-        <p:style>
-          <a:lnRef idx="2">
-            <a:schemeClr val="accent1">
-              <a:shade val="50000"/>
-            </a:schemeClr>
-          </a:lnRef>
-          <a:fillRef idx="1">
-            <a:schemeClr val="accent1"/>
-          </a:fillRef>
-          <a:effectRef idx="0">
-            <a:schemeClr val="accent1"/>
-          </a:effectRef>
-          <a:fontRef idx="minor">
-            <a:schemeClr val="lt1"/>
-          </a:fontRef>
-        </p:style>
-        <p:txBody>
-          <a:bodyPr rtlCol="0" anchor="ctr"/>
-          <a:lstStyle/>
-          <a:p>
-            <a:pPr algn="ctr"/>
-            <a:endParaRPr lang="en-US"/>
-          </a:p>
-        </p:txBody>
-      </p:sp>
-      <p:pic>
-        <p:nvPicPr>
-          <p:cNvPr id="68" name="Graphic 67" descr="Table outline">
-            <a:extLst>
-              <a:ext uri="{FF2B5EF4-FFF2-40B4-BE49-F238E27FC236}">
-                <a16:creationId xmlns:a16="http://schemas.microsoft.com/office/drawing/2014/main" id="{7FD2F0F2-5D1E-78D0-711F-45558AF17EF8}"/>
-              </a:ext>
-            </a:extLst>
-          </p:cNvPr>
-          <p:cNvPicPr>
-            <a:picLocks noChangeAspect="1"/>
-          </p:cNvPicPr>
-          <p:nvPr/>
-        </p:nvPicPr>
-        <p:blipFill>
-          <a:blip r:embed="rId2">
-            <a:extLst>
-              <a:ext uri="{96DAC541-7B7A-43D3-8B79-37D633B846F1}">
-                <asvg:svgBlip xmlns:asvg="http://schemas.microsoft.com/office/drawing/2016/SVG/main" r:embed="rId3"/>
-              </a:ext>
-            </a:extLst>
-          </a:blip>
-          <a:stretch>
-            <a:fillRect/>
-          </a:stretch>
-        </p:blipFill>
-        <p:spPr>
-          <a:xfrm>
-            <a:off x="10871859" y="1094844"/>
-            <a:ext cx="914400" cy="914400"/>
-          </a:xfrm>
-          <a:prstGeom prst="rect">
-            <a:avLst/>
-          </a:prstGeom>
-        </p:spPr>
-      </p:pic>
-      <p:pic>
-        <p:nvPicPr>
-          <p:cNvPr id="70" name="Graphic 69" descr="Workflow outline">
-            <a:extLst>
-              <a:ext uri="{FF2B5EF4-FFF2-40B4-BE49-F238E27FC236}">
-                <a16:creationId xmlns:a16="http://schemas.microsoft.com/office/drawing/2014/main" id="{E6D67AEC-9A34-BAE0-DB1F-6DD3B5DAC04F}"/>
-              </a:ext>
-            </a:extLst>
-          </p:cNvPr>
-          <p:cNvPicPr>
-            <a:picLocks noChangeAspect="1"/>
-          </p:cNvPicPr>
-          <p:nvPr/>
-        </p:nvPicPr>
-        <p:blipFill>
-          <a:blip r:embed="rId4">
-            <a:extLst>
-              <a:ext uri="{96DAC541-7B7A-43D3-8B79-37D633B846F1}">
-                <asvg:svgBlip xmlns:asvg="http://schemas.microsoft.com/office/drawing/2016/SVG/main" r:embed="rId5"/>
-              </a:ext>
-            </a:extLst>
-          </a:blip>
-          <a:stretch>
-            <a:fillRect/>
-          </a:stretch>
-        </p:blipFill>
-        <p:spPr>
-          <a:xfrm>
-            <a:off x="10875812" y="1757604"/>
-            <a:ext cx="914400" cy="914400"/>
-          </a:xfrm>
-          <a:prstGeom prst="rect">
-            <a:avLst/>
-          </a:prstGeom>
-        </p:spPr>
-      </p:pic>
+            <a:effectLst>
+              <a:outerShdw blurRad="50800" dist="38100" dir="2700000" algn="tl" rotWithShape="0">
+                <a:prstClr val="black">
+                  <a:alpha val="40000"/>
+                </a:prstClr>
+              </a:outerShdw>
+            </a:effectLst>
+          </p:spPr>
+          <p:style>
+            <a:lnRef idx="2">
+              <a:schemeClr val="accent1">
+                <a:shade val="50000"/>
+              </a:schemeClr>
+            </a:lnRef>
+            <a:fillRef idx="1">
+              <a:schemeClr val="accent1"/>
+            </a:fillRef>
+            <a:effectRef idx="0">
+              <a:schemeClr val="accent1"/>
+            </a:effectRef>
+            <a:fontRef idx="minor">
+              <a:schemeClr val="lt1"/>
+            </a:fontRef>
+          </p:style>
+          <p:txBody>
+            <a:bodyPr rtlCol="0" anchor="ctr"/>
+            <a:lstStyle/>
+            <a:p>
+              <a:pPr algn="ctr"/>
+              <a:endParaRPr lang="en-US"/>
+            </a:p>
+          </p:txBody>
+        </p:sp>
+        <p:pic>
+          <p:nvPicPr>
+            <p:cNvPr id="68" name="Graphic 67" descr="Table outline">
+              <a:extLst>
+                <a:ext uri="{FF2B5EF4-FFF2-40B4-BE49-F238E27FC236}">
+                  <a16:creationId xmlns:a16="http://schemas.microsoft.com/office/drawing/2014/main" id="{7FD2F0F2-5D1E-78D0-711F-45558AF17EF8}"/>
+                </a:ext>
+              </a:extLst>
+            </p:cNvPr>
+            <p:cNvPicPr>
+              <a:picLocks noChangeAspect="1"/>
+            </p:cNvPicPr>
+            <p:nvPr/>
+          </p:nvPicPr>
+          <p:blipFill>
+            <a:blip r:embed="rId2">
+              <a:extLst>
+                <a:ext uri="{96DAC541-7B7A-43D3-8B79-37D633B846F1}">
+                  <asvg:svgBlip xmlns:asvg="http://schemas.microsoft.com/office/drawing/2016/SVG/main" r:embed="rId3"/>
+                </a:ext>
+              </a:extLst>
+            </a:blip>
+            <a:stretch>
+              <a:fillRect/>
+            </a:stretch>
+          </p:blipFill>
+          <p:spPr>
+            <a:xfrm>
+              <a:off x="10871859" y="1094844"/>
+              <a:ext cx="914400" cy="914400"/>
+            </a:xfrm>
+            <a:prstGeom prst="rect">
+              <a:avLst/>
+            </a:prstGeom>
+          </p:spPr>
+        </p:pic>
+        <p:pic>
+          <p:nvPicPr>
+            <p:cNvPr id="70" name="Graphic 69" descr="Workflow outline">
+              <a:extLst>
+                <a:ext uri="{FF2B5EF4-FFF2-40B4-BE49-F238E27FC236}">
+                  <a16:creationId xmlns:a16="http://schemas.microsoft.com/office/drawing/2014/main" id="{E6D67AEC-9A34-BAE0-DB1F-6DD3B5DAC04F}"/>
+                </a:ext>
+              </a:extLst>
+            </p:cNvPr>
+            <p:cNvPicPr>
+              <a:picLocks noChangeAspect="1"/>
+            </p:cNvPicPr>
+            <p:nvPr/>
+          </p:nvPicPr>
+          <p:blipFill>
+            <a:blip r:embed="rId4">
+              <a:extLst>
+                <a:ext uri="{96DAC541-7B7A-43D3-8B79-37D633B846F1}">
+                  <asvg:svgBlip xmlns:asvg="http://schemas.microsoft.com/office/drawing/2016/SVG/main" r:embed="rId5"/>
+                </a:ext>
+              </a:extLst>
+            </a:blip>
+            <a:stretch>
+              <a:fillRect/>
+            </a:stretch>
+          </p:blipFill>
+          <p:spPr>
+            <a:xfrm>
+              <a:off x="10875812" y="1757604"/>
+              <a:ext cx="914400" cy="914400"/>
+            </a:xfrm>
+            <a:prstGeom prst="rect">
+              <a:avLst/>
+            </a:prstGeom>
+          </p:spPr>
+        </p:pic>
+      </p:grpSp>
     </p:spTree>
     <p:extLst>
       <p:ext uri="{BB962C8B-B14F-4D97-AF65-F5344CB8AC3E}">
